--- a/Git.pptx
+++ b/Git.pptx
@@ -2,30 +2,36 @@
 <file path=ppt/presentation.xml><?xml version="1.0" encoding="utf-8"?>
 <p:presentation xmlns:a="http://schemas.openxmlformats.org/drawingml/2006/main" xmlns:r="http://schemas.openxmlformats.org/officeDocument/2006/relationships" xmlns:p="http://schemas.openxmlformats.org/presentationml/2006/main" saveSubsetFonts="1">
   <p:sldMasterIdLst>
-    <p:sldMasterId id="2147483648" r:id="rId1"/>
+    <p:sldMasterId id="2147483696" r:id="rId1"/>
   </p:sldMasterIdLst>
   <p:sldIdLst>
     <p:sldId id="256" r:id="rId2"/>
     <p:sldId id="258" r:id="rId3"/>
     <p:sldId id="266" r:id="rId4"/>
-    <p:sldId id="259" r:id="rId5"/>
-    <p:sldId id="267" r:id="rId6"/>
-    <p:sldId id="268" r:id="rId7"/>
-    <p:sldId id="269" r:id="rId8"/>
-    <p:sldId id="270" r:id="rId9"/>
-    <p:sldId id="271" r:id="rId10"/>
-    <p:sldId id="272" r:id="rId11"/>
-    <p:sldId id="273" r:id="rId12"/>
-    <p:sldId id="274" r:id="rId13"/>
-    <p:sldId id="275" r:id="rId14"/>
-    <p:sldId id="260" r:id="rId15"/>
-    <p:sldId id="262" r:id="rId16"/>
-    <p:sldId id="263" r:id="rId17"/>
-    <p:sldId id="257" r:id="rId18"/>
-    <p:sldId id="265" r:id="rId19"/>
-    <p:sldId id="277" r:id="rId20"/>
-    <p:sldId id="276" r:id="rId21"/>
-    <p:sldId id="278" r:id="rId22"/>
+    <p:sldId id="282" r:id="rId5"/>
+    <p:sldId id="259" r:id="rId6"/>
+    <p:sldId id="267" r:id="rId7"/>
+    <p:sldId id="268" r:id="rId8"/>
+    <p:sldId id="269" r:id="rId9"/>
+    <p:sldId id="270" r:id="rId10"/>
+    <p:sldId id="279" r:id="rId11"/>
+    <p:sldId id="271" r:id="rId12"/>
+    <p:sldId id="272" r:id="rId13"/>
+    <p:sldId id="273" r:id="rId14"/>
+    <p:sldId id="274" r:id="rId15"/>
+    <p:sldId id="280" r:id="rId16"/>
+    <p:sldId id="284" r:id="rId17"/>
+    <p:sldId id="275" r:id="rId18"/>
+    <p:sldId id="260" r:id="rId19"/>
+    <p:sldId id="262" r:id="rId20"/>
+    <p:sldId id="263" r:id="rId21"/>
+    <p:sldId id="257" r:id="rId22"/>
+    <p:sldId id="265" r:id="rId23"/>
+    <p:sldId id="277" r:id="rId24"/>
+    <p:sldId id="281" r:id="rId25"/>
+    <p:sldId id="276" r:id="rId26"/>
+    <p:sldId id="283" r:id="rId27"/>
+    <p:sldId id="278" r:id="rId28"/>
   </p:sldIdLst>
   <p:sldSz cx="12192000" cy="6858000"/>
   <p:notesSz cx="6858000" cy="9144000"/>
@@ -154,7 +160,7 @@
           <p:cNvPr id="2" name="Title 1">
             <a:extLst>
               <a:ext uri="{FF2B5EF4-FFF2-40B4-BE49-F238E27FC236}">
-                <a16:creationId xmlns:a16="http://schemas.microsoft.com/office/drawing/2014/main" id="{63903D32-01F0-804E-3664-3EA96FFDDAB2}"/>
+                <a16:creationId xmlns:a16="http://schemas.microsoft.com/office/drawing/2014/main" id="{2999092F-E28D-2C4E-B86C-18C868AA5FCC}"/>
               </a:ext>
             </a:extLst>
           </p:cNvPr>
@@ -192,7 +198,7 @@
           <p:cNvPr id="3" name="Subtitle 2">
             <a:extLst>
               <a:ext uri="{FF2B5EF4-FFF2-40B4-BE49-F238E27FC236}">
-                <a16:creationId xmlns:a16="http://schemas.microsoft.com/office/drawing/2014/main" id="{646F7DEF-A51E-CCA9-374B-5ABA4DDDF835}"/>
+                <a16:creationId xmlns:a16="http://schemas.microsoft.com/office/drawing/2014/main" id="{D6EA26C2-8673-4941-3F2A-CC7553B3D75E}"/>
               </a:ext>
             </a:extLst>
           </p:cNvPr>
@@ -263,7 +269,7 @@
           <p:cNvPr id="4" name="Date Placeholder 3">
             <a:extLst>
               <a:ext uri="{FF2B5EF4-FFF2-40B4-BE49-F238E27FC236}">
-                <a16:creationId xmlns:a16="http://schemas.microsoft.com/office/drawing/2014/main" id="{C4EF3D9C-FE8D-C155-1CBA-AAFE086C1341}"/>
+                <a16:creationId xmlns:a16="http://schemas.microsoft.com/office/drawing/2014/main" id="{11077EF2-8700-AACD-24B5-DA4C0CC21CBD}"/>
               </a:ext>
             </a:extLst>
           </p:cNvPr>
@@ -281,7 +287,7 @@
           <a:p>
             <a:fld id="{DE87B14F-BE39-41BB-8A77-0729CFB71114}" type="datetimeFigureOut">
               <a:rPr lang="en-IN" smtClean="0"/>
-              <a:t>04-04-2023</a:t>
+              <a:t>01-01-2026</a:t>
             </a:fld>
             <a:endParaRPr lang="en-IN"/>
           </a:p>
@@ -292,7 +298,7 @@
           <p:cNvPr id="5" name="Footer Placeholder 4">
             <a:extLst>
               <a:ext uri="{FF2B5EF4-FFF2-40B4-BE49-F238E27FC236}">
-                <a16:creationId xmlns:a16="http://schemas.microsoft.com/office/drawing/2014/main" id="{F450C7FC-B3BC-8B2B-7EC0-99B0E7A2EDE3}"/>
+                <a16:creationId xmlns:a16="http://schemas.microsoft.com/office/drawing/2014/main" id="{331D0D91-374B-18A6-F1CA-3366DDD533F8}"/>
               </a:ext>
             </a:extLst>
           </p:cNvPr>
@@ -317,7 +323,7 @@
           <p:cNvPr id="6" name="Slide Number Placeholder 5">
             <a:extLst>
               <a:ext uri="{FF2B5EF4-FFF2-40B4-BE49-F238E27FC236}">
-                <a16:creationId xmlns:a16="http://schemas.microsoft.com/office/drawing/2014/main" id="{214B2BB8-500D-0BDC-F3B5-6EB1ED91A389}"/>
+                <a16:creationId xmlns:a16="http://schemas.microsoft.com/office/drawing/2014/main" id="{7A756889-5492-058E-F022-DF955EEC135D}"/>
               </a:ext>
             </a:extLst>
           </p:cNvPr>
@@ -344,7 +350,7 @@
     </p:spTree>
     <p:extLst>
       <p:ext uri="{BB962C8B-B14F-4D97-AF65-F5344CB8AC3E}">
-        <p14:creationId xmlns:p14="http://schemas.microsoft.com/office/powerpoint/2010/main" val="4149431217"/>
+        <p14:creationId xmlns:p14="http://schemas.microsoft.com/office/powerpoint/2010/main" val="2143027656"/>
       </p:ext>
     </p:extLst>
   </p:cSld>
@@ -376,7 +382,7 @@
           <p:cNvPr id="2" name="Title 1">
             <a:extLst>
               <a:ext uri="{FF2B5EF4-FFF2-40B4-BE49-F238E27FC236}">
-                <a16:creationId xmlns:a16="http://schemas.microsoft.com/office/drawing/2014/main" id="{F8BF6999-B3C3-15B3-7BD7-F190ED36461C}"/>
+                <a16:creationId xmlns:a16="http://schemas.microsoft.com/office/drawing/2014/main" id="{1BB8FE12-9675-DC51-F59E-57999854493B}"/>
               </a:ext>
             </a:extLst>
           </p:cNvPr>
@@ -405,7 +411,7 @@
           <p:cNvPr id="3" name="Vertical Text Placeholder 2">
             <a:extLst>
               <a:ext uri="{FF2B5EF4-FFF2-40B4-BE49-F238E27FC236}">
-                <a16:creationId xmlns:a16="http://schemas.microsoft.com/office/drawing/2014/main" id="{0D4E0FFA-1DAD-F7AD-65C5-8D75E017EF81}"/>
+                <a16:creationId xmlns:a16="http://schemas.microsoft.com/office/drawing/2014/main" id="{A2B75EB9-C62F-DF74-999F-303E6C807A12}"/>
               </a:ext>
             </a:extLst>
           </p:cNvPr>
@@ -463,7 +469,7 @@
           <p:cNvPr id="4" name="Date Placeholder 3">
             <a:extLst>
               <a:ext uri="{FF2B5EF4-FFF2-40B4-BE49-F238E27FC236}">
-                <a16:creationId xmlns:a16="http://schemas.microsoft.com/office/drawing/2014/main" id="{1A306919-D227-ECE7-EF26-171B3B5F3D49}"/>
+                <a16:creationId xmlns:a16="http://schemas.microsoft.com/office/drawing/2014/main" id="{21A9C218-1CB8-ED78-9E35-B7D7F5A7C090}"/>
               </a:ext>
             </a:extLst>
           </p:cNvPr>
@@ -481,7 +487,7 @@
           <a:p>
             <a:fld id="{DE87B14F-BE39-41BB-8A77-0729CFB71114}" type="datetimeFigureOut">
               <a:rPr lang="en-IN" smtClean="0"/>
-              <a:t>04-04-2023</a:t>
+              <a:t>01-01-2026</a:t>
             </a:fld>
             <a:endParaRPr lang="en-IN"/>
           </a:p>
@@ -492,7 +498,7 @@
           <p:cNvPr id="5" name="Footer Placeholder 4">
             <a:extLst>
               <a:ext uri="{FF2B5EF4-FFF2-40B4-BE49-F238E27FC236}">
-                <a16:creationId xmlns:a16="http://schemas.microsoft.com/office/drawing/2014/main" id="{7B605099-1C82-7ABF-301D-9FB3D2EF8D54}"/>
+                <a16:creationId xmlns:a16="http://schemas.microsoft.com/office/drawing/2014/main" id="{63F59F37-5551-62EE-5306-4F92E2F02067}"/>
               </a:ext>
             </a:extLst>
           </p:cNvPr>
@@ -517,7 +523,7 @@
           <p:cNvPr id="6" name="Slide Number Placeholder 5">
             <a:extLst>
               <a:ext uri="{FF2B5EF4-FFF2-40B4-BE49-F238E27FC236}">
-                <a16:creationId xmlns:a16="http://schemas.microsoft.com/office/drawing/2014/main" id="{867B1DFB-56DA-4CD7-C00E-6D41C22E03AD}"/>
+                <a16:creationId xmlns:a16="http://schemas.microsoft.com/office/drawing/2014/main" id="{B9995147-D986-4E12-4F06-D58FEF3BF623}"/>
               </a:ext>
             </a:extLst>
           </p:cNvPr>
@@ -544,7 +550,7 @@
     </p:spTree>
     <p:extLst>
       <p:ext uri="{BB962C8B-B14F-4D97-AF65-F5344CB8AC3E}">
-        <p14:creationId xmlns:p14="http://schemas.microsoft.com/office/powerpoint/2010/main" val="1081061451"/>
+        <p14:creationId xmlns:p14="http://schemas.microsoft.com/office/powerpoint/2010/main" val="440720960"/>
       </p:ext>
     </p:extLst>
   </p:cSld>
@@ -576,7 +582,7 @@
           <p:cNvPr id="2" name="Vertical Title 1">
             <a:extLst>
               <a:ext uri="{FF2B5EF4-FFF2-40B4-BE49-F238E27FC236}">
-                <a16:creationId xmlns:a16="http://schemas.microsoft.com/office/drawing/2014/main" id="{B5CA8958-9C06-3009-8381-8E816F00A4A4}"/>
+                <a16:creationId xmlns:a16="http://schemas.microsoft.com/office/drawing/2014/main" id="{1DEE92B0-5397-2A85-BBAA-C05777DCBCF9}"/>
               </a:ext>
             </a:extLst>
           </p:cNvPr>
@@ -610,7 +616,7 @@
           <p:cNvPr id="3" name="Vertical Text Placeholder 2">
             <a:extLst>
               <a:ext uri="{FF2B5EF4-FFF2-40B4-BE49-F238E27FC236}">
-                <a16:creationId xmlns:a16="http://schemas.microsoft.com/office/drawing/2014/main" id="{C1C0F6DA-667E-8A39-6340-8760ABF51A71}"/>
+                <a16:creationId xmlns:a16="http://schemas.microsoft.com/office/drawing/2014/main" id="{86B5AE8A-E976-B28C-B3FE-7BF676AC9E75}"/>
               </a:ext>
             </a:extLst>
           </p:cNvPr>
@@ -673,7 +679,7 @@
           <p:cNvPr id="4" name="Date Placeholder 3">
             <a:extLst>
               <a:ext uri="{FF2B5EF4-FFF2-40B4-BE49-F238E27FC236}">
-                <a16:creationId xmlns:a16="http://schemas.microsoft.com/office/drawing/2014/main" id="{7C4C2DF9-C793-A920-525F-9DCFFF421538}"/>
+                <a16:creationId xmlns:a16="http://schemas.microsoft.com/office/drawing/2014/main" id="{F6CB4988-F0D9-384C-235F-BF073B1DFA6E}"/>
               </a:ext>
             </a:extLst>
           </p:cNvPr>
@@ -691,7 +697,7 @@
           <a:p>
             <a:fld id="{DE87B14F-BE39-41BB-8A77-0729CFB71114}" type="datetimeFigureOut">
               <a:rPr lang="en-IN" smtClean="0"/>
-              <a:t>04-04-2023</a:t>
+              <a:t>01-01-2026</a:t>
             </a:fld>
             <a:endParaRPr lang="en-IN"/>
           </a:p>
@@ -702,7 +708,7 @@
           <p:cNvPr id="5" name="Footer Placeholder 4">
             <a:extLst>
               <a:ext uri="{FF2B5EF4-FFF2-40B4-BE49-F238E27FC236}">
-                <a16:creationId xmlns:a16="http://schemas.microsoft.com/office/drawing/2014/main" id="{0DF9D799-B3C7-E7CA-5501-0A5AF683715F}"/>
+                <a16:creationId xmlns:a16="http://schemas.microsoft.com/office/drawing/2014/main" id="{143FEFB4-4DEF-6226-629F-72AAEA21E91C}"/>
               </a:ext>
             </a:extLst>
           </p:cNvPr>
@@ -727,7 +733,7 @@
           <p:cNvPr id="6" name="Slide Number Placeholder 5">
             <a:extLst>
               <a:ext uri="{FF2B5EF4-FFF2-40B4-BE49-F238E27FC236}">
-                <a16:creationId xmlns:a16="http://schemas.microsoft.com/office/drawing/2014/main" id="{43A0F311-35A1-4D3A-BC28-DBE890619B47}"/>
+                <a16:creationId xmlns:a16="http://schemas.microsoft.com/office/drawing/2014/main" id="{89EFAA5B-FCA2-15C0-4DDA-9BC04C132662}"/>
               </a:ext>
             </a:extLst>
           </p:cNvPr>
@@ -754,7 +760,7 @@
     </p:spTree>
     <p:extLst>
       <p:ext uri="{BB962C8B-B14F-4D97-AF65-F5344CB8AC3E}">
-        <p14:creationId xmlns:p14="http://schemas.microsoft.com/office/powerpoint/2010/main" val="2238269257"/>
+        <p14:creationId xmlns:p14="http://schemas.microsoft.com/office/powerpoint/2010/main" val="597547264"/>
       </p:ext>
     </p:extLst>
   </p:cSld>
@@ -786,7 +792,7 @@
           <p:cNvPr id="2" name="Title 1">
             <a:extLst>
               <a:ext uri="{FF2B5EF4-FFF2-40B4-BE49-F238E27FC236}">
-                <a16:creationId xmlns:a16="http://schemas.microsoft.com/office/drawing/2014/main" id="{77D30D69-DA75-D68A-3CBA-4CA819FC1665}"/>
+                <a16:creationId xmlns:a16="http://schemas.microsoft.com/office/drawing/2014/main" id="{25E367A6-46E8-D79B-CBD6-ACC4A3FA4440}"/>
               </a:ext>
             </a:extLst>
           </p:cNvPr>
@@ -815,7 +821,7 @@
           <p:cNvPr id="3" name="Content Placeholder 2">
             <a:extLst>
               <a:ext uri="{FF2B5EF4-FFF2-40B4-BE49-F238E27FC236}">
-                <a16:creationId xmlns:a16="http://schemas.microsoft.com/office/drawing/2014/main" id="{3461CA67-8069-C49A-59D6-15006BAD42BD}"/>
+                <a16:creationId xmlns:a16="http://schemas.microsoft.com/office/drawing/2014/main" id="{065F637D-19D9-8F3A-9157-0B2F1953C240}"/>
               </a:ext>
             </a:extLst>
           </p:cNvPr>
@@ -873,7 +879,7 @@
           <p:cNvPr id="4" name="Date Placeholder 3">
             <a:extLst>
               <a:ext uri="{FF2B5EF4-FFF2-40B4-BE49-F238E27FC236}">
-                <a16:creationId xmlns:a16="http://schemas.microsoft.com/office/drawing/2014/main" id="{5B4DE193-0D99-60BE-24C5-B02004C24CE4}"/>
+                <a16:creationId xmlns:a16="http://schemas.microsoft.com/office/drawing/2014/main" id="{5779C00F-72B4-9735-8506-FA0F9A163795}"/>
               </a:ext>
             </a:extLst>
           </p:cNvPr>
@@ -891,7 +897,7 @@
           <a:p>
             <a:fld id="{DE87B14F-BE39-41BB-8A77-0729CFB71114}" type="datetimeFigureOut">
               <a:rPr lang="en-IN" smtClean="0"/>
-              <a:t>04-04-2023</a:t>
+              <a:t>01-01-2026</a:t>
             </a:fld>
             <a:endParaRPr lang="en-IN"/>
           </a:p>
@@ -902,7 +908,7 @@
           <p:cNvPr id="5" name="Footer Placeholder 4">
             <a:extLst>
               <a:ext uri="{FF2B5EF4-FFF2-40B4-BE49-F238E27FC236}">
-                <a16:creationId xmlns:a16="http://schemas.microsoft.com/office/drawing/2014/main" id="{90DA9147-30A4-2F3A-7148-515EB34B9CCA}"/>
+                <a16:creationId xmlns:a16="http://schemas.microsoft.com/office/drawing/2014/main" id="{425CAED4-43B3-5298-5C0C-2845667BC156}"/>
               </a:ext>
             </a:extLst>
           </p:cNvPr>
@@ -927,7 +933,7 @@
           <p:cNvPr id="6" name="Slide Number Placeholder 5">
             <a:extLst>
               <a:ext uri="{FF2B5EF4-FFF2-40B4-BE49-F238E27FC236}">
-                <a16:creationId xmlns:a16="http://schemas.microsoft.com/office/drawing/2014/main" id="{6A849E34-7C16-A179-11C3-B70C86C2DCA6}"/>
+                <a16:creationId xmlns:a16="http://schemas.microsoft.com/office/drawing/2014/main" id="{A9AAD11A-BCB9-DDE0-97CF-92C5B84BE31F}"/>
               </a:ext>
             </a:extLst>
           </p:cNvPr>
@@ -954,7 +960,7 @@
     </p:spTree>
     <p:extLst>
       <p:ext uri="{BB962C8B-B14F-4D97-AF65-F5344CB8AC3E}">
-        <p14:creationId xmlns:p14="http://schemas.microsoft.com/office/powerpoint/2010/main" val="314644150"/>
+        <p14:creationId xmlns:p14="http://schemas.microsoft.com/office/powerpoint/2010/main" val="2297227452"/>
       </p:ext>
     </p:extLst>
   </p:cSld>
@@ -986,7 +992,7 @@
           <p:cNvPr id="2" name="Title 1">
             <a:extLst>
               <a:ext uri="{FF2B5EF4-FFF2-40B4-BE49-F238E27FC236}">
-                <a16:creationId xmlns:a16="http://schemas.microsoft.com/office/drawing/2014/main" id="{F3D2487A-FAA9-D0E4-1D08-47A52E6BED9A}"/>
+                <a16:creationId xmlns:a16="http://schemas.microsoft.com/office/drawing/2014/main" id="{AA944777-9616-82C1-29DC-7B741F0AAA11}"/>
               </a:ext>
             </a:extLst>
           </p:cNvPr>
@@ -1024,7 +1030,7 @@
           <p:cNvPr id="3" name="Text Placeholder 2">
             <a:extLst>
               <a:ext uri="{FF2B5EF4-FFF2-40B4-BE49-F238E27FC236}">
-                <a16:creationId xmlns:a16="http://schemas.microsoft.com/office/drawing/2014/main" id="{181297E7-9919-9F47-6AF8-9754543704BA}"/>
+                <a16:creationId xmlns:a16="http://schemas.microsoft.com/office/drawing/2014/main" id="{DBDFDA61-F91A-CF1A-6613-D4DE6A48772D}"/>
               </a:ext>
             </a:extLst>
           </p:cNvPr>
@@ -1049,7 +1055,7 @@
               <a:defRPr sz="2400">
                 <a:solidFill>
                   <a:schemeClr val="tx1">
-                    <a:tint val="75000"/>
+                    <a:tint val="82000"/>
                   </a:schemeClr>
                 </a:solidFill>
               </a:defRPr>
@@ -1059,7 +1065,7 @@
               <a:defRPr sz="2000">
                 <a:solidFill>
                   <a:schemeClr val="tx1">
-                    <a:tint val="75000"/>
+                    <a:tint val="82000"/>
                   </a:schemeClr>
                 </a:solidFill>
               </a:defRPr>
@@ -1069,7 +1075,7 @@
               <a:defRPr sz="1800">
                 <a:solidFill>
                   <a:schemeClr val="tx1">
-                    <a:tint val="75000"/>
+                    <a:tint val="82000"/>
                   </a:schemeClr>
                 </a:solidFill>
               </a:defRPr>
@@ -1079,7 +1085,7 @@
               <a:defRPr sz="1600">
                 <a:solidFill>
                   <a:schemeClr val="tx1">
-                    <a:tint val="75000"/>
+                    <a:tint val="82000"/>
                   </a:schemeClr>
                 </a:solidFill>
               </a:defRPr>
@@ -1089,7 +1095,7 @@
               <a:defRPr sz="1600">
                 <a:solidFill>
                   <a:schemeClr val="tx1">
-                    <a:tint val="75000"/>
+                    <a:tint val="82000"/>
                   </a:schemeClr>
                 </a:solidFill>
               </a:defRPr>
@@ -1099,7 +1105,7 @@
               <a:defRPr sz="1600">
                 <a:solidFill>
                   <a:schemeClr val="tx1">
-                    <a:tint val="75000"/>
+                    <a:tint val="82000"/>
                   </a:schemeClr>
                 </a:solidFill>
               </a:defRPr>
@@ -1109,7 +1115,7 @@
               <a:defRPr sz="1600">
                 <a:solidFill>
                   <a:schemeClr val="tx1">
-                    <a:tint val="75000"/>
+                    <a:tint val="82000"/>
                   </a:schemeClr>
                 </a:solidFill>
               </a:defRPr>
@@ -1119,7 +1125,7 @@
               <a:defRPr sz="1600">
                 <a:solidFill>
                   <a:schemeClr val="tx1">
-                    <a:tint val="75000"/>
+                    <a:tint val="82000"/>
                   </a:schemeClr>
                 </a:solidFill>
               </a:defRPr>
@@ -1129,7 +1135,7 @@
               <a:defRPr sz="1600">
                 <a:solidFill>
                   <a:schemeClr val="tx1">
-                    <a:tint val="75000"/>
+                    <a:tint val="82000"/>
                   </a:schemeClr>
                 </a:solidFill>
               </a:defRPr>
@@ -1149,7 +1155,7 @@
           <p:cNvPr id="4" name="Date Placeholder 3">
             <a:extLst>
               <a:ext uri="{FF2B5EF4-FFF2-40B4-BE49-F238E27FC236}">
-                <a16:creationId xmlns:a16="http://schemas.microsoft.com/office/drawing/2014/main" id="{20D8F007-AB32-EC28-B727-B0D9BECE851E}"/>
+                <a16:creationId xmlns:a16="http://schemas.microsoft.com/office/drawing/2014/main" id="{A0BA2760-8A89-9C5B-38F4-2308E3297B5B}"/>
               </a:ext>
             </a:extLst>
           </p:cNvPr>
@@ -1167,7 +1173,7 @@
           <a:p>
             <a:fld id="{DE87B14F-BE39-41BB-8A77-0729CFB71114}" type="datetimeFigureOut">
               <a:rPr lang="en-IN" smtClean="0"/>
-              <a:t>04-04-2023</a:t>
+              <a:t>01-01-2026</a:t>
             </a:fld>
             <a:endParaRPr lang="en-IN"/>
           </a:p>
@@ -1178,7 +1184,7 @@
           <p:cNvPr id="5" name="Footer Placeholder 4">
             <a:extLst>
               <a:ext uri="{FF2B5EF4-FFF2-40B4-BE49-F238E27FC236}">
-                <a16:creationId xmlns:a16="http://schemas.microsoft.com/office/drawing/2014/main" id="{3A0F3E6C-BAC8-9ED4-A976-F9F858ED8D5B}"/>
+                <a16:creationId xmlns:a16="http://schemas.microsoft.com/office/drawing/2014/main" id="{B6590B35-C46D-ED8A-C49B-F8F9D906E1F7}"/>
               </a:ext>
             </a:extLst>
           </p:cNvPr>
@@ -1203,7 +1209,7 @@
           <p:cNvPr id="6" name="Slide Number Placeholder 5">
             <a:extLst>
               <a:ext uri="{FF2B5EF4-FFF2-40B4-BE49-F238E27FC236}">
-                <a16:creationId xmlns:a16="http://schemas.microsoft.com/office/drawing/2014/main" id="{FE3018A5-9336-5E57-4058-3205136C0A2B}"/>
+                <a16:creationId xmlns:a16="http://schemas.microsoft.com/office/drawing/2014/main" id="{48E03F48-2F65-AE8D-9475-A25C744773B4}"/>
               </a:ext>
             </a:extLst>
           </p:cNvPr>
@@ -1230,7 +1236,7 @@
     </p:spTree>
     <p:extLst>
       <p:ext uri="{BB962C8B-B14F-4D97-AF65-F5344CB8AC3E}">
-        <p14:creationId xmlns:p14="http://schemas.microsoft.com/office/powerpoint/2010/main" val="3795346429"/>
+        <p14:creationId xmlns:p14="http://schemas.microsoft.com/office/powerpoint/2010/main" val="2399884452"/>
       </p:ext>
     </p:extLst>
   </p:cSld>
@@ -1262,7 +1268,7 @@
           <p:cNvPr id="2" name="Title 1">
             <a:extLst>
               <a:ext uri="{FF2B5EF4-FFF2-40B4-BE49-F238E27FC236}">
-                <a16:creationId xmlns:a16="http://schemas.microsoft.com/office/drawing/2014/main" id="{1FF4518E-2325-4B5F-5ECA-84126D796973}"/>
+                <a16:creationId xmlns:a16="http://schemas.microsoft.com/office/drawing/2014/main" id="{154362B5-69E2-3CB2-4BA7-D53449268854}"/>
               </a:ext>
             </a:extLst>
           </p:cNvPr>
@@ -1291,7 +1297,7 @@
           <p:cNvPr id="3" name="Content Placeholder 2">
             <a:extLst>
               <a:ext uri="{FF2B5EF4-FFF2-40B4-BE49-F238E27FC236}">
-                <a16:creationId xmlns:a16="http://schemas.microsoft.com/office/drawing/2014/main" id="{CF6AADCD-2390-38FC-A8FB-45812658A6DF}"/>
+                <a16:creationId xmlns:a16="http://schemas.microsoft.com/office/drawing/2014/main" id="{8FFAE83F-25CB-484D-676A-0126D922C7AE}"/>
               </a:ext>
             </a:extLst>
           </p:cNvPr>
@@ -1354,7 +1360,7 @@
           <p:cNvPr id="4" name="Content Placeholder 3">
             <a:extLst>
               <a:ext uri="{FF2B5EF4-FFF2-40B4-BE49-F238E27FC236}">
-                <a16:creationId xmlns:a16="http://schemas.microsoft.com/office/drawing/2014/main" id="{30E37F49-450D-D713-20E5-59675143E139}"/>
+                <a16:creationId xmlns:a16="http://schemas.microsoft.com/office/drawing/2014/main" id="{98423D2E-096A-9A0B-72A3-5722EC80C027}"/>
               </a:ext>
             </a:extLst>
           </p:cNvPr>
@@ -1417,7 +1423,7 @@
           <p:cNvPr id="5" name="Date Placeholder 4">
             <a:extLst>
               <a:ext uri="{FF2B5EF4-FFF2-40B4-BE49-F238E27FC236}">
-                <a16:creationId xmlns:a16="http://schemas.microsoft.com/office/drawing/2014/main" id="{98E56DE6-941E-A864-E79C-4DA665B548AC}"/>
+                <a16:creationId xmlns:a16="http://schemas.microsoft.com/office/drawing/2014/main" id="{137410AC-D650-DFFC-EB1B-36FE71D0633D}"/>
               </a:ext>
             </a:extLst>
           </p:cNvPr>
@@ -1435,7 +1441,7 @@
           <a:p>
             <a:fld id="{DE87B14F-BE39-41BB-8A77-0729CFB71114}" type="datetimeFigureOut">
               <a:rPr lang="en-IN" smtClean="0"/>
-              <a:t>04-04-2023</a:t>
+              <a:t>01-01-2026</a:t>
             </a:fld>
             <a:endParaRPr lang="en-IN"/>
           </a:p>
@@ -1446,7 +1452,7 @@
           <p:cNvPr id="6" name="Footer Placeholder 5">
             <a:extLst>
               <a:ext uri="{FF2B5EF4-FFF2-40B4-BE49-F238E27FC236}">
-                <a16:creationId xmlns:a16="http://schemas.microsoft.com/office/drawing/2014/main" id="{CC05F303-9688-75A4-00B4-48D06D9D859C}"/>
+                <a16:creationId xmlns:a16="http://schemas.microsoft.com/office/drawing/2014/main" id="{F95AE2B2-7FB8-207B-2350-6A61D498DDB9}"/>
               </a:ext>
             </a:extLst>
           </p:cNvPr>
@@ -1471,7 +1477,7 @@
           <p:cNvPr id="7" name="Slide Number Placeholder 6">
             <a:extLst>
               <a:ext uri="{FF2B5EF4-FFF2-40B4-BE49-F238E27FC236}">
-                <a16:creationId xmlns:a16="http://schemas.microsoft.com/office/drawing/2014/main" id="{1A3AA2F6-A55F-BEFE-EA22-510EEB917C8B}"/>
+                <a16:creationId xmlns:a16="http://schemas.microsoft.com/office/drawing/2014/main" id="{0B3EE5D8-1E47-E33B-DB61-7272C1CC4617}"/>
               </a:ext>
             </a:extLst>
           </p:cNvPr>
@@ -1498,7 +1504,7 @@
     </p:spTree>
     <p:extLst>
       <p:ext uri="{BB962C8B-B14F-4D97-AF65-F5344CB8AC3E}">
-        <p14:creationId xmlns:p14="http://schemas.microsoft.com/office/powerpoint/2010/main" val="1490503310"/>
+        <p14:creationId xmlns:p14="http://schemas.microsoft.com/office/powerpoint/2010/main" val="3722772204"/>
       </p:ext>
     </p:extLst>
   </p:cSld>
@@ -1530,7 +1536,7 @@
           <p:cNvPr id="2" name="Title 1">
             <a:extLst>
               <a:ext uri="{FF2B5EF4-FFF2-40B4-BE49-F238E27FC236}">
-                <a16:creationId xmlns:a16="http://schemas.microsoft.com/office/drawing/2014/main" id="{CF539B47-03D9-F7C0-7F46-70306543FA7F}"/>
+                <a16:creationId xmlns:a16="http://schemas.microsoft.com/office/drawing/2014/main" id="{385306B5-2F3F-C67E-A9B4-6661F340DC6D}"/>
               </a:ext>
             </a:extLst>
           </p:cNvPr>
@@ -1564,7 +1570,7 @@
           <p:cNvPr id="3" name="Text Placeholder 2">
             <a:extLst>
               <a:ext uri="{FF2B5EF4-FFF2-40B4-BE49-F238E27FC236}">
-                <a16:creationId xmlns:a16="http://schemas.microsoft.com/office/drawing/2014/main" id="{16EC85DC-C94E-F9CE-CB2A-001F5FF51804}"/>
+                <a16:creationId xmlns:a16="http://schemas.microsoft.com/office/drawing/2014/main" id="{23CC3D69-1E56-8CF1-4DBB-65E0EF78AF4F}"/>
               </a:ext>
             </a:extLst>
           </p:cNvPr>
@@ -1635,7 +1641,7 @@
           <p:cNvPr id="4" name="Content Placeholder 3">
             <a:extLst>
               <a:ext uri="{FF2B5EF4-FFF2-40B4-BE49-F238E27FC236}">
-                <a16:creationId xmlns:a16="http://schemas.microsoft.com/office/drawing/2014/main" id="{FEC194EA-2997-4853-0118-86C2F7E79432}"/>
+                <a16:creationId xmlns:a16="http://schemas.microsoft.com/office/drawing/2014/main" id="{ACA48D7C-D020-1589-EA99-C8616F6579BE}"/>
               </a:ext>
             </a:extLst>
           </p:cNvPr>
@@ -1698,7 +1704,7 @@
           <p:cNvPr id="5" name="Text Placeholder 4">
             <a:extLst>
               <a:ext uri="{FF2B5EF4-FFF2-40B4-BE49-F238E27FC236}">
-                <a16:creationId xmlns:a16="http://schemas.microsoft.com/office/drawing/2014/main" id="{D62BA0B0-3AF6-7E34-300F-8998DF10C9D6}"/>
+                <a16:creationId xmlns:a16="http://schemas.microsoft.com/office/drawing/2014/main" id="{80BA03CE-8B6B-BABD-4298-B01886216347}"/>
               </a:ext>
             </a:extLst>
           </p:cNvPr>
@@ -1769,7 +1775,7 @@
           <p:cNvPr id="6" name="Content Placeholder 5">
             <a:extLst>
               <a:ext uri="{FF2B5EF4-FFF2-40B4-BE49-F238E27FC236}">
-                <a16:creationId xmlns:a16="http://schemas.microsoft.com/office/drawing/2014/main" id="{BD1D388E-2D3B-9DFC-16F5-47C545EFFDE3}"/>
+                <a16:creationId xmlns:a16="http://schemas.microsoft.com/office/drawing/2014/main" id="{FD32AC27-00C0-584B-68E8-2D4BB499853A}"/>
               </a:ext>
             </a:extLst>
           </p:cNvPr>
@@ -1832,7 +1838,7 @@
           <p:cNvPr id="7" name="Date Placeholder 6">
             <a:extLst>
               <a:ext uri="{FF2B5EF4-FFF2-40B4-BE49-F238E27FC236}">
-                <a16:creationId xmlns:a16="http://schemas.microsoft.com/office/drawing/2014/main" id="{F3E6528C-7D58-F7B0-269C-3C8EC4327EC6}"/>
+                <a16:creationId xmlns:a16="http://schemas.microsoft.com/office/drawing/2014/main" id="{CD871F69-46F7-0EFA-F227-3B43CB5186CA}"/>
               </a:ext>
             </a:extLst>
           </p:cNvPr>
@@ -1850,7 +1856,7 @@
           <a:p>
             <a:fld id="{DE87B14F-BE39-41BB-8A77-0729CFB71114}" type="datetimeFigureOut">
               <a:rPr lang="en-IN" smtClean="0"/>
-              <a:t>04-04-2023</a:t>
+              <a:t>01-01-2026</a:t>
             </a:fld>
             <a:endParaRPr lang="en-IN"/>
           </a:p>
@@ -1861,7 +1867,7 @@
           <p:cNvPr id="8" name="Footer Placeholder 7">
             <a:extLst>
               <a:ext uri="{FF2B5EF4-FFF2-40B4-BE49-F238E27FC236}">
-                <a16:creationId xmlns:a16="http://schemas.microsoft.com/office/drawing/2014/main" id="{DAEFD1DF-B053-B31E-E7D7-3DD8C530B5E6}"/>
+                <a16:creationId xmlns:a16="http://schemas.microsoft.com/office/drawing/2014/main" id="{A93BD2EA-28DC-4261-CDEE-DEED0508EDCB}"/>
               </a:ext>
             </a:extLst>
           </p:cNvPr>
@@ -1886,7 +1892,7 @@
           <p:cNvPr id="9" name="Slide Number Placeholder 8">
             <a:extLst>
               <a:ext uri="{FF2B5EF4-FFF2-40B4-BE49-F238E27FC236}">
-                <a16:creationId xmlns:a16="http://schemas.microsoft.com/office/drawing/2014/main" id="{FBD9E70B-02C6-48B1-970E-2418041B96EA}"/>
+                <a16:creationId xmlns:a16="http://schemas.microsoft.com/office/drawing/2014/main" id="{B87C1A7D-3601-890E-CC58-379C9447695A}"/>
               </a:ext>
             </a:extLst>
           </p:cNvPr>
@@ -1913,7 +1919,7 @@
     </p:spTree>
     <p:extLst>
       <p:ext uri="{BB962C8B-B14F-4D97-AF65-F5344CB8AC3E}">
-        <p14:creationId xmlns:p14="http://schemas.microsoft.com/office/powerpoint/2010/main" val="1740569737"/>
+        <p14:creationId xmlns:p14="http://schemas.microsoft.com/office/powerpoint/2010/main" val="964509149"/>
       </p:ext>
     </p:extLst>
   </p:cSld>
@@ -1945,7 +1951,7 @@
           <p:cNvPr id="2" name="Title 1">
             <a:extLst>
               <a:ext uri="{FF2B5EF4-FFF2-40B4-BE49-F238E27FC236}">
-                <a16:creationId xmlns:a16="http://schemas.microsoft.com/office/drawing/2014/main" id="{3338686D-E16C-EA60-A310-220C3CDCFA47}"/>
+                <a16:creationId xmlns:a16="http://schemas.microsoft.com/office/drawing/2014/main" id="{F99006BF-284F-AC9C-F26D-0A6F84824736}"/>
               </a:ext>
             </a:extLst>
           </p:cNvPr>
@@ -1974,7 +1980,7 @@
           <p:cNvPr id="3" name="Date Placeholder 2">
             <a:extLst>
               <a:ext uri="{FF2B5EF4-FFF2-40B4-BE49-F238E27FC236}">
-                <a16:creationId xmlns:a16="http://schemas.microsoft.com/office/drawing/2014/main" id="{2ED946A7-8002-26A5-4F12-1AE1E5A4A74C}"/>
+                <a16:creationId xmlns:a16="http://schemas.microsoft.com/office/drawing/2014/main" id="{62C4CCDF-B1EE-3EC9-3AC4-014BFA5195A0}"/>
               </a:ext>
             </a:extLst>
           </p:cNvPr>
@@ -1992,7 +1998,7 @@
           <a:p>
             <a:fld id="{DE87B14F-BE39-41BB-8A77-0729CFB71114}" type="datetimeFigureOut">
               <a:rPr lang="en-IN" smtClean="0"/>
-              <a:t>04-04-2023</a:t>
+              <a:t>01-01-2026</a:t>
             </a:fld>
             <a:endParaRPr lang="en-IN"/>
           </a:p>
@@ -2003,7 +2009,7 @@
           <p:cNvPr id="4" name="Footer Placeholder 3">
             <a:extLst>
               <a:ext uri="{FF2B5EF4-FFF2-40B4-BE49-F238E27FC236}">
-                <a16:creationId xmlns:a16="http://schemas.microsoft.com/office/drawing/2014/main" id="{FB815C3A-44A9-C10A-51C3-94B6A4875D72}"/>
+                <a16:creationId xmlns:a16="http://schemas.microsoft.com/office/drawing/2014/main" id="{0507D8CE-7B92-0987-C385-F7EBBA90CF71}"/>
               </a:ext>
             </a:extLst>
           </p:cNvPr>
@@ -2028,7 +2034,7 @@
           <p:cNvPr id="5" name="Slide Number Placeholder 4">
             <a:extLst>
               <a:ext uri="{FF2B5EF4-FFF2-40B4-BE49-F238E27FC236}">
-                <a16:creationId xmlns:a16="http://schemas.microsoft.com/office/drawing/2014/main" id="{335E61E6-F8AB-37DE-42BC-E5790F23946C}"/>
+                <a16:creationId xmlns:a16="http://schemas.microsoft.com/office/drawing/2014/main" id="{D31158F1-A489-71CE-06AC-24351B18DF21}"/>
               </a:ext>
             </a:extLst>
           </p:cNvPr>
@@ -2055,7 +2061,7 @@
     </p:spTree>
     <p:extLst>
       <p:ext uri="{BB962C8B-B14F-4D97-AF65-F5344CB8AC3E}">
-        <p14:creationId xmlns:p14="http://schemas.microsoft.com/office/powerpoint/2010/main" val="2827436060"/>
+        <p14:creationId xmlns:p14="http://schemas.microsoft.com/office/powerpoint/2010/main" val="1688200950"/>
       </p:ext>
     </p:extLst>
   </p:cSld>
@@ -2087,7 +2093,7 @@
           <p:cNvPr id="2" name="Date Placeholder 1">
             <a:extLst>
               <a:ext uri="{FF2B5EF4-FFF2-40B4-BE49-F238E27FC236}">
-                <a16:creationId xmlns:a16="http://schemas.microsoft.com/office/drawing/2014/main" id="{782AD4B7-F159-9600-B226-1D9F3B65C8F4}"/>
+                <a16:creationId xmlns:a16="http://schemas.microsoft.com/office/drawing/2014/main" id="{057BB1F2-A011-6210-6DE8-86B7B0700BB4}"/>
               </a:ext>
             </a:extLst>
           </p:cNvPr>
@@ -2105,7 +2111,7 @@
           <a:p>
             <a:fld id="{DE87B14F-BE39-41BB-8A77-0729CFB71114}" type="datetimeFigureOut">
               <a:rPr lang="en-IN" smtClean="0"/>
-              <a:t>04-04-2023</a:t>
+              <a:t>01-01-2026</a:t>
             </a:fld>
             <a:endParaRPr lang="en-IN"/>
           </a:p>
@@ -2116,7 +2122,7 @@
           <p:cNvPr id="3" name="Footer Placeholder 2">
             <a:extLst>
               <a:ext uri="{FF2B5EF4-FFF2-40B4-BE49-F238E27FC236}">
-                <a16:creationId xmlns:a16="http://schemas.microsoft.com/office/drawing/2014/main" id="{A59BDC88-6B4A-A6A6-4464-A3F6BA6EC05C}"/>
+                <a16:creationId xmlns:a16="http://schemas.microsoft.com/office/drawing/2014/main" id="{9D9A9E0E-E60C-C39C-D649-C16B24CADB6F}"/>
               </a:ext>
             </a:extLst>
           </p:cNvPr>
@@ -2141,7 +2147,7 @@
           <p:cNvPr id="4" name="Slide Number Placeholder 3">
             <a:extLst>
               <a:ext uri="{FF2B5EF4-FFF2-40B4-BE49-F238E27FC236}">
-                <a16:creationId xmlns:a16="http://schemas.microsoft.com/office/drawing/2014/main" id="{A1A7976C-65E3-C8FB-0668-AA63D8957535}"/>
+                <a16:creationId xmlns:a16="http://schemas.microsoft.com/office/drawing/2014/main" id="{7975DF19-63B4-C8F2-A99F-682756434FE7}"/>
               </a:ext>
             </a:extLst>
           </p:cNvPr>
@@ -2168,7 +2174,7 @@
     </p:spTree>
     <p:extLst>
       <p:ext uri="{BB962C8B-B14F-4D97-AF65-F5344CB8AC3E}">
-        <p14:creationId xmlns:p14="http://schemas.microsoft.com/office/powerpoint/2010/main" val="2871872080"/>
+        <p14:creationId xmlns:p14="http://schemas.microsoft.com/office/powerpoint/2010/main" val="3379777746"/>
       </p:ext>
     </p:extLst>
   </p:cSld>
@@ -2200,7 +2206,7 @@
           <p:cNvPr id="2" name="Title 1">
             <a:extLst>
               <a:ext uri="{FF2B5EF4-FFF2-40B4-BE49-F238E27FC236}">
-                <a16:creationId xmlns:a16="http://schemas.microsoft.com/office/drawing/2014/main" id="{75EE6288-1759-892A-F821-5AEF80E80227}"/>
+                <a16:creationId xmlns:a16="http://schemas.microsoft.com/office/drawing/2014/main" id="{F8A28A59-0119-39C3-22F1-1E1F6FF4710A}"/>
               </a:ext>
             </a:extLst>
           </p:cNvPr>
@@ -2238,7 +2244,7 @@
           <p:cNvPr id="3" name="Content Placeholder 2">
             <a:extLst>
               <a:ext uri="{FF2B5EF4-FFF2-40B4-BE49-F238E27FC236}">
-                <a16:creationId xmlns:a16="http://schemas.microsoft.com/office/drawing/2014/main" id="{A3D86CC9-B328-70E3-331A-C63061494357}"/>
+                <a16:creationId xmlns:a16="http://schemas.microsoft.com/office/drawing/2014/main" id="{E3DD513F-F2EA-6CB2-C850-ECD8E381199B}"/>
               </a:ext>
             </a:extLst>
           </p:cNvPr>
@@ -2329,7 +2335,7 @@
           <p:cNvPr id="4" name="Text Placeholder 3">
             <a:extLst>
               <a:ext uri="{FF2B5EF4-FFF2-40B4-BE49-F238E27FC236}">
-                <a16:creationId xmlns:a16="http://schemas.microsoft.com/office/drawing/2014/main" id="{2B900A64-A308-22B3-5DCE-5AA95768CD75}"/>
+                <a16:creationId xmlns:a16="http://schemas.microsoft.com/office/drawing/2014/main" id="{BCB7114E-8F9F-A855-8386-91141612BB60}"/>
               </a:ext>
             </a:extLst>
           </p:cNvPr>
@@ -2400,7 +2406,7 @@
           <p:cNvPr id="5" name="Date Placeholder 4">
             <a:extLst>
               <a:ext uri="{FF2B5EF4-FFF2-40B4-BE49-F238E27FC236}">
-                <a16:creationId xmlns:a16="http://schemas.microsoft.com/office/drawing/2014/main" id="{4391E756-F0B1-C0E7-D3AF-837730050D11}"/>
+                <a16:creationId xmlns:a16="http://schemas.microsoft.com/office/drawing/2014/main" id="{4AD8DE45-176B-1DB8-8A99-7C3628F40E7D}"/>
               </a:ext>
             </a:extLst>
           </p:cNvPr>
@@ -2418,7 +2424,7 @@
           <a:p>
             <a:fld id="{DE87B14F-BE39-41BB-8A77-0729CFB71114}" type="datetimeFigureOut">
               <a:rPr lang="en-IN" smtClean="0"/>
-              <a:t>04-04-2023</a:t>
+              <a:t>01-01-2026</a:t>
             </a:fld>
             <a:endParaRPr lang="en-IN"/>
           </a:p>
@@ -2429,7 +2435,7 @@
           <p:cNvPr id="6" name="Footer Placeholder 5">
             <a:extLst>
               <a:ext uri="{FF2B5EF4-FFF2-40B4-BE49-F238E27FC236}">
-                <a16:creationId xmlns:a16="http://schemas.microsoft.com/office/drawing/2014/main" id="{D1E49F44-4DF2-AE86-950C-738DE0B6047F}"/>
+                <a16:creationId xmlns:a16="http://schemas.microsoft.com/office/drawing/2014/main" id="{E2895992-FEE7-F231-991D-40FF254D23F5}"/>
               </a:ext>
             </a:extLst>
           </p:cNvPr>
@@ -2454,7 +2460,7 @@
           <p:cNvPr id="7" name="Slide Number Placeholder 6">
             <a:extLst>
               <a:ext uri="{FF2B5EF4-FFF2-40B4-BE49-F238E27FC236}">
-                <a16:creationId xmlns:a16="http://schemas.microsoft.com/office/drawing/2014/main" id="{9AED525C-4D3E-2B79-598F-828871AB490E}"/>
+                <a16:creationId xmlns:a16="http://schemas.microsoft.com/office/drawing/2014/main" id="{C80ADDDC-320A-B173-CCE3-10E979BF4845}"/>
               </a:ext>
             </a:extLst>
           </p:cNvPr>
@@ -2481,7 +2487,7 @@
     </p:spTree>
     <p:extLst>
       <p:ext uri="{BB962C8B-B14F-4D97-AF65-F5344CB8AC3E}">
-        <p14:creationId xmlns:p14="http://schemas.microsoft.com/office/powerpoint/2010/main" val="1793873419"/>
+        <p14:creationId xmlns:p14="http://schemas.microsoft.com/office/powerpoint/2010/main" val="1483031336"/>
       </p:ext>
     </p:extLst>
   </p:cSld>
@@ -2513,7 +2519,7 @@
           <p:cNvPr id="2" name="Title 1">
             <a:extLst>
               <a:ext uri="{FF2B5EF4-FFF2-40B4-BE49-F238E27FC236}">
-                <a16:creationId xmlns:a16="http://schemas.microsoft.com/office/drawing/2014/main" id="{9B0C778D-D941-58CF-434E-4E50F3F3C490}"/>
+                <a16:creationId xmlns:a16="http://schemas.microsoft.com/office/drawing/2014/main" id="{89E9D590-D4D6-1CEB-94D8-53C3DF6BB2EF}"/>
               </a:ext>
             </a:extLst>
           </p:cNvPr>
@@ -2551,7 +2557,7 @@
           <p:cNvPr id="3" name="Picture Placeholder 2">
             <a:extLst>
               <a:ext uri="{FF2B5EF4-FFF2-40B4-BE49-F238E27FC236}">
-                <a16:creationId xmlns:a16="http://schemas.microsoft.com/office/drawing/2014/main" id="{DDC76402-F818-45FC-398A-DB66BA588F55}"/>
+                <a16:creationId xmlns:a16="http://schemas.microsoft.com/office/drawing/2014/main" id="{1CDE5447-B3F1-C660-5365-5B0EEBA796C3}"/>
               </a:ext>
             </a:extLst>
           </p:cNvPr>
@@ -2618,7 +2624,7 @@
           <p:cNvPr id="4" name="Text Placeholder 3">
             <a:extLst>
               <a:ext uri="{FF2B5EF4-FFF2-40B4-BE49-F238E27FC236}">
-                <a16:creationId xmlns:a16="http://schemas.microsoft.com/office/drawing/2014/main" id="{26D21311-0AB3-6EF4-E48B-C7FA85CEB31A}"/>
+                <a16:creationId xmlns:a16="http://schemas.microsoft.com/office/drawing/2014/main" id="{8E69A418-AD8F-697B-EBF3-15C6BD07215B}"/>
               </a:ext>
             </a:extLst>
           </p:cNvPr>
@@ -2689,7 +2695,7 @@
           <p:cNvPr id="5" name="Date Placeholder 4">
             <a:extLst>
               <a:ext uri="{FF2B5EF4-FFF2-40B4-BE49-F238E27FC236}">
-                <a16:creationId xmlns:a16="http://schemas.microsoft.com/office/drawing/2014/main" id="{80FB3D75-825F-DBC3-6EFC-3F34DD8A37AC}"/>
+                <a16:creationId xmlns:a16="http://schemas.microsoft.com/office/drawing/2014/main" id="{636A96AF-CACA-2A3B-03DC-2DAED6A5CE21}"/>
               </a:ext>
             </a:extLst>
           </p:cNvPr>
@@ -2707,7 +2713,7 @@
           <a:p>
             <a:fld id="{DE87B14F-BE39-41BB-8A77-0729CFB71114}" type="datetimeFigureOut">
               <a:rPr lang="en-IN" smtClean="0"/>
-              <a:t>04-04-2023</a:t>
+              <a:t>01-01-2026</a:t>
             </a:fld>
             <a:endParaRPr lang="en-IN"/>
           </a:p>
@@ -2718,7 +2724,7 @@
           <p:cNvPr id="6" name="Footer Placeholder 5">
             <a:extLst>
               <a:ext uri="{FF2B5EF4-FFF2-40B4-BE49-F238E27FC236}">
-                <a16:creationId xmlns:a16="http://schemas.microsoft.com/office/drawing/2014/main" id="{6C8ECFBE-8450-12AB-DCC5-084AD05F7FA0}"/>
+                <a16:creationId xmlns:a16="http://schemas.microsoft.com/office/drawing/2014/main" id="{7204CA88-DC03-33E0-6999-7463D6284BE4}"/>
               </a:ext>
             </a:extLst>
           </p:cNvPr>
@@ -2743,7 +2749,7 @@
           <p:cNvPr id="7" name="Slide Number Placeholder 6">
             <a:extLst>
               <a:ext uri="{FF2B5EF4-FFF2-40B4-BE49-F238E27FC236}">
-                <a16:creationId xmlns:a16="http://schemas.microsoft.com/office/drawing/2014/main" id="{ED80400B-D16E-3A86-50A9-DC1C5BD469F3}"/>
+                <a16:creationId xmlns:a16="http://schemas.microsoft.com/office/drawing/2014/main" id="{A4B3E2CE-DEE0-6B10-CE6D-7F930520F728}"/>
               </a:ext>
             </a:extLst>
           </p:cNvPr>
@@ -2770,7 +2776,7 @@
     </p:spTree>
     <p:extLst>
       <p:ext uri="{BB962C8B-B14F-4D97-AF65-F5344CB8AC3E}">
-        <p14:creationId xmlns:p14="http://schemas.microsoft.com/office/powerpoint/2010/main" val="3745688897"/>
+        <p14:creationId xmlns:p14="http://schemas.microsoft.com/office/powerpoint/2010/main" val="3753623990"/>
       </p:ext>
     </p:extLst>
   </p:cSld>
@@ -2807,7 +2813,7 @@
           <p:cNvPr id="2" name="Title Placeholder 1">
             <a:extLst>
               <a:ext uri="{FF2B5EF4-FFF2-40B4-BE49-F238E27FC236}">
-                <a16:creationId xmlns:a16="http://schemas.microsoft.com/office/drawing/2014/main" id="{153FC36A-47F2-432F-8881-F73D61AD8577}"/>
+                <a16:creationId xmlns:a16="http://schemas.microsoft.com/office/drawing/2014/main" id="{82CC9093-B439-6290-448D-8FAD67358BD6}"/>
               </a:ext>
             </a:extLst>
           </p:cNvPr>
@@ -2846,7 +2852,7 @@
           <p:cNvPr id="3" name="Text Placeholder 2">
             <a:extLst>
               <a:ext uri="{FF2B5EF4-FFF2-40B4-BE49-F238E27FC236}">
-                <a16:creationId xmlns:a16="http://schemas.microsoft.com/office/drawing/2014/main" id="{87F1CB27-04EE-C26A-34AB-11EA4551153C}"/>
+                <a16:creationId xmlns:a16="http://schemas.microsoft.com/office/drawing/2014/main" id="{225E9A7F-AAB1-6B69-8360-D47AADF30069}"/>
               </a:ext>
             </a:extLst>
           </p:cNvPr>
@@ -2914,7 +2920,7 @@
           <p:cNvPr id="4" name="Date Placeholder 3">
             <a:extLst>
               <a:ext uri="{FF2B5EF4-FFF2-40B4-BE49-F238E27FC236}">
-                <a16:creationId xmlns:a16="http://schemas.microsoft.com/office/drawing/2014/main" id="{9EEE6A44-CC0A-CB52-4314-DF5169ABCAF5}"/>
+                <a16:creationId xmlns:a16="http://schemas.microsoft.com/office/drawing/2014/main" id="{24703A5F-0971-A083-5FA8-3E9F5DF4BE4E}"/>
               </a:ext>
             </a:extLst>
           </p:cNvPr>
@@ -2941,7 +2947,7 @@
               <a:defRPr sz="1200">
                 <a:solidFill>
                   <a:schemeClr val="tx1">
-                    <a:tint val="75000"/>
+                    <a:tint val="82000"/>
                   </a:schemeClr>
                 </a:solidFill>
               </a:defRPr>
@@ -2950,7 +2956,7 @@
           <a:p>
             <a:fld id="{DE87B14F-BE39-41BB-8A77-0729CFB71114}" type="datetimeFigureOut">
               <a:rPr lang="en-IN" smtClean="0"/>
-              <a:t>04-04-2023</a:t>
+              <a:t>01-01-2026</a:t>
             </a:fld>
             <a:endParaRPr lang="en-IN"/>
           </a:p>
@@ -2961,7 +2967,7 @@
           <p:cNvPr id="5" name="Footer Placeholder 4">
             <a:extLst>
               <a:ext uri="{FF2B5EF4-FFF2-40B4-BE49-F238E27FC236}">
-                <a16:creationId xmlns:a16="http://schemas.microsoft.com/office/drawing/2014/main" id="{084B2941-9F58-A956-7788-E5404F4D4015}"/>
+                <a16:creationId xmlns:a16="http://schemas.microsoft.com/office/drawing/2014/main" id="{46DB9684-D670-A098-153B-6F918D59C733}"/>
               </a:ext>
             </a:extLst>
           </p:cNvPr>
@@ -2988,7 +2994,7 @@
               <a:defRPr sz="1200">
                 <a:solidFill>
                   <a:schemeClr val="tx1">
-                    <a:tint val="75000"/>
+                    <a:tint val="82000"/>
                   </a:schemeClr>
                 </a:solidFill>
               </a:defRPr>
@@ -3004,7 +3010,7 @@
           <p:cNvPr id="6" name="Slide Number Placeholder 5">
             <a:extLst>
               <a:ext uri="{FF2B5EF4-FFF2-40B4-BE49-F238E27FC236}">
-                <a16:creationId xmlns:a16="http://schemas.microsoft.com/office/drawing/2014/main" id="{18C6438E-17E8-4E73-21EF-A08E46F02B82}"/>
+                <a16:creationId xmlns:a16="http://schemas.microsoft.com/office/drawing/2014/main" id="{9F413C0D-E37E-0CF9-FBE0-C85C4201D4A3}"/>
               </a:ext>
             </a:extLst>
           </p:cNvPr>
@@ -3031,7 +3037,7 @@
               <a:defRPr sz="1200">
                 <a:solidFill>
                   <a:schemeClr val="tx1">
-                    <a:tint val="75000"/>
+                    <a:tint val="82000"/>
                   </a:schemeClr>
                 </a:solidFill>
               </a:defRPr>
@@ -3049,23 +3055,23 @@
     </p:spTree>
     <p:extLst>
       <p:ext uri="{BB962C8B-B14F-4D97-AF65-F5344CB8AC3E}">
-        <p14:creationId xmlns:p14="http://schemas.microsoft.com/office/powerpoint/2010/main" val="1258491136"/>
+        <p14:creationId xmlns:p14="http://schemas.microsoft.com/office/powerpoint/2010/main" val="3244612257"/>
       </p:ext>
     </p:extLst>
   </p:cSld>
   <p:clrMap bg1="lt1" tx1="dk1" bg2="lt2" tx2="dk2" accent1="accent1" accent2="accent2" accent3="accent3" accent4="accent4" accent5="accent5" accent6="accent6" hlink="hlink" folHlink="folHlink"/>
   <p:sldLayoutIdLst>
-    <p:sldLayoutId id="2147483649" r:id="rId1"/>
-    <p:sldLayoutId id="2147483650" r:id="rId2"/>
-    <p:sldLayoutId id="2147483651" r:id="rId3"/>
-    <p:sldLayoutId id="2147483652" r:id="rId4"/>
-    <p:sldLayoutId id="2147483653" r:id="rId5"/>
-    <p:sldLayoutId id="2147483654" r:id="rId6"/>
-    <p:sldLayoutId id="2147483655" r:id="rId7"/>
-    <p:sldLayoutId id="2147483656" r:id="rId8"/>
-    <p:sldLayoutId id="2147483657" r:id="rId9"/>
-    <p:sldLayoutId id="2147483658" r:id="rId10"/>
-    <p:sldLayoutId id="2147483659" r:id="rId11"/>
+    <p:sldLayoutId id="2147483697" r:id="rId1"/>
+    <p:sldLayoutId id="2147483698" r:id="rId2"/>
+    <p:sldLayoutId id="2147483699" r:id="rId3"/>
+    <p:sldLayoutId id="2147483700" r:id="rId4"/>
+    <p:sldLayoutId id="2147483701" r:id="rId5"/>
+    <p:sldLayoutId id="2147483702" r:id="rId6"/>
+    <p:sldLayoutId id="2147483703" r:id="rId7"/>
+    <p:sldLayoutId id="2147483704" r:id="rId8"/>
+    <p:sldLayoutId id="2147483705" r:id="rId9"/>
+    <p:sldLayoutId id="2147483706" r:id="rId10"/>
+    <p:sldLayoutId id="2147483707" r:id="rId11"/>
   </p:sldLayoutIdLst>
   <p:txStyles>
     <p:titleStyle>
@@ -3451,85 +3457,2107 @@
           <a:chExt cx="0" cy="0"/>
         </a:xfrm>
       </p:grpSpPr>
-      <p:sp>
-        <p:nvSpPr>
-          <p:cNvPr id="2" name="Title 1">
-            <a:extLst>
-              <a:ext uri="{FF2B5EF4-FFF2-40B4-BE49-F238E27FC236}">
-                <a16:creationId xmlns:a16="http://schemas.microsoft.com/office/drawing/2014/main" id="{294AFA00-FD46-807E-5DF5-48EEC6DC4BB4}"/>
-              </a:ext>
-            </a:extLst>
-          </p:cNvPr>
-          <p:cNvSpPr>
-            <a:spLocks noGrp="1"/>
-          </p:cNvSpPr>
-          <p:nvPr>
-            <p:ph type="title"/>
-          </p:nvPr>
-        </p:nvSpPr>
-        <p:spPr/>
-        <p:txBody>
-          <a:bodyPr/>
-          <a:lstStyle/>
-          <a:p>
-            <a:r>
-              <a:rPr lang="en-IN" dirty="0"/>
-              <a:t>Advantages</a:t>
-            </a:r>
-          </a:p>
-        </p:txBody>
-      </p:sp>
-      <p:sp>
-        <p:nvSpPr>
-          <p:cNvPr id="3" name="Content Placeholder 2">
-            <a:extLst>
-              <a:ext uri="{FF2B5EF4-FFF2-40B4-BE49-F238E27FC236}">
-                <a16:creationId xmlns:a16="http://schemas.microsoft.com/office/drawing/2014/main" id="{592AA428-97F9-2B2B-B7FE-125419279EDF}"/>
-              </a:ext>
-            </a:extLst>
-          </p:cNvPr>
-          <p:cNvSpPr>
-            <a:spLocks noGrp="1"/>
-          </p:cNvSpPr>
+      <p:graphicFrame>
+        <p:nvGraphicFramePr>
+          <p:cNvPr id="4" name="Content Placeholder 3">
+            <a:extLst>
+              <a:ext uri="{FF2B5EF4-FFF2-40B4-BE49-F238E27FC236}">
+                <a16:creationId xmlns:a16="http://schemas.microsoft.com/office/drawing/2014/main" id="{D5C18EE1-EC07-51D0-FF66-578515E894F9}"/>
+              </a:ext>
+            </a:extLst>
+          </p:cNvPr>
+          <p:cNvGraphicFramePr>
+            <a:graphicFrameLocks noGrp="1"/>
+          </p:cNvGraphicFramePr>
           <p:nvPr>
             <p:ph idx="1"/>
-          </p:nvPr>
-        </p:nvSpPr>
-        <p:spPr/>
-        <p:txBody>
-          <a:bodyPr/>
-          <a:lstStyle/>
-          <a:p>
-            <a:r>
-              <a:rPr lang="en-US" dirty="0"/>
-              <a:t>Reliable backup copies: if the server dies, any of the client repositories can send a copy of the project’s version </a:t>
-            </a:r>
-          </a:p>
-          <a:p>
-            <a:r>
-              <a:rPr lang="en-US" dirty="0"/>
-              <a:t>Fast merging and flexible branching </a:t>
-            </a:r>
-          </a:p>
-          <a:p>
-            <a:r>
-              <a:rPr lang="en-US" dirty="0"/>
-              <a:t>Rapid feedback and fewer merge conflicts </a:t>
-            </a:r>
-          </a:p>
-          <a:p>
-            <a:r>
-              <a:rPr lang="en-US" dirty="0"/>
-              <a:t>Flexibility to work offline</a:t>
-            </a:r>
-            <a:endParaRPr lang="en-IN" dirty="0"/>
-          </a:p>
-        </p:txBody>
-      </p:sp>
+            <p:extLst>
+              <p:ext uri="{D42A27DB-BD31-4B8C-83A1-F6EECF244321}">
+                <p14:modId xmlns:p14="http://schemas.microsoft.com/office/powerpoint/2010/main" val="3502955159"/>
+              </p:ext>
+            </p:extLst>
+          </p:nvPr>
+        </p:nvGraphicFramePr>
+        <p:xfrm>
+          <a:off x="1121433" y="365125"/>
+          <a:ext cx="10662248" cy="6492870"/>
+        </p:xfrm>
+        <a:graphic>
+          <a:graphicData uri="http://schemas.openxmlformats.org/drawingml/2006/table">
+            <a:tbl>
+              <a:tblPr/>
+              <a:tblGrid>
+                <a:gridCol w="2665562">
+                  <a:extLst>
+                    <a:ext uri="{9D8B030D-6E8A-4147-A177-3AD203B41FA5}">
+                      <a16:colId xmlns:a16="http://schemas.microsoft.com/office/drawing/2014/main" val="3406512902"/>
+                    </a:ext>
+                  </a:extLst>
+                </a:gridCol>
+                <a:gridCol w="2665562">
+                  <a:extLst>
+                    <a:ext uri="{9D8B030D-6E8A-4147-A177-3AD203B41FA5}">
+                      <a16:colId xmlns:a16="http://schemas.microsoft.com/office/drawing/2014/main" val="1733337139"/>
+                    </a:ext>
+                  </a:extLst>
+                </a:gridCol>
+                <a:gridCol w="2665562">
+                  <a:extLst>
+                    <a:ext uri="{9D8B030D-6E8A-4147-A177-3AD203B41FA5}">
+                      <a16:colId xmlns:a16="http://schemas.microsoft.com/office/drawing/2014/main" val="3402957111"/>
+                    </a:ext>
+                  </a:extLst>
+                </a:gridCol>
+                <a:gridCol w="2665562">
+                  <a:extLst>
+                    <a:ext uri="{9D8B030D-6E8A-4147-A177-3AD203B41FA5}">
+                      <a16:colId xmlns:a16="http://schemas.microsoft.com/office/drawing/2014/main" val="1212261420"/>
+                    </a:ext>
+                  </a:extLst>
+                </a:gridCol>
+              </a:tblGrid>
+              <a:tr h="297621">
+                <a:tc>
+                  <a:txBody>
+                    <a:bodyPr/>
+                    <a:lstStyle/>
+                    <a:p>
+                      <a:pPr>
+                        <a:buNone/>
+                      </a:pPr>
+                      <a:r>
+                        <a:rPr lang="en-IN" sz="1100"/>
+                        <a:t>Feature</a:t>
+                      </a:r>
+                    </a:p>
+                  </a:txBody>
+                  <a:tcPr marL="53720" marR="53720" marT="26860" marB="26860" anchor="ctr">
+                    <a:lnL>
+                      <a:noFill/>
+                    </a:lnL>
+                    <a:lnR>
+                      <a:noFill/>
+                    </a:lnR>
+                    <a:lnT>
+                      <a:noFill/>
+                    </a:lnT>
+                    <a:lnB>
+                      <a:noFill/>
+                    </a:lnB>
+                    <a:noFill/>
+                  </a:tcPr>
+                </a:tc>
+                <a:tc>
+                  <a:txBody>
+                    <a:bodyPr/>
+                    <a:lstStyle/>
+                    <a:p>
+                      <a:pPr>
+                        <a:buNone/>
+                      </a:pPr>
+                      <a:r>
+                        <a:rPr lang="en-IN" sz="1100"/>
+                        <a:t>SCCS (1972)</a:t>
+                      </a:r>
+                    </a:p>
+                  </a:txBody>
+                  <a:tcPr marL="53720" marR="53720" marT="26860" marB="26860" anchor="ctr">
+                    <a:lnL>
+                      <a:noFill/>
+                    </a:lnL>
+                    <a:lnR>
+                      <a:noFill/>
+                    </a:lnR>
+                    <a:lnT>
+                      <a:noFill/>
+                    </a:lnT>
+                    <a:lnB>
+                      <a:noFill/>
+                    </a:lnB>
+                    <a:noFill/>
+                  </a:tcPr>
+                </a:tc>
+                <a:tc>
+                  <a:txBody>
+                    <a:bodyPr/>
+                    <a:lstStyle/>
+                    <a:p>
+                      <a:pPr>
+                        <a:buNone/>
+                      </a:pPr>
+                      <a:r>
+                        <a:rPr lang="en-IN" sz="1100"/>
+                        <a:t>RCS (1982)</a:t>
+                      </a:r>
+                    </a:p>
+                  </a:txBody>
+                  <a:tcPr marL="53720" marR="53720" marT="26860" marB="26860" anchor="ctr">
+                    <a:lnL>
+                      <a:noFill/>
+                    </a:lnL>
+                    <a:lnR>
+                      <a:noFill/>
+                    </a:lnR>
+                    <a:lnT>
+                      <a:noFill/>
+                    </a:lnT>
+                    <a:lnB>
+                      <a:noFill/>
+                    </a:lnB>
+                    <a:noFill/>
+                  </a:tcPr>
+                </a:tc>
+                <a:tc>
+                  <a:txBody>
+                    <a:bodyPr/>
+                    <a:lstStyle/>
+                    <a:p>
+                      <a:pPr>
+                        <a:buNone/>
+                      </a:pPr>
+                      <a:r>
+                        <a:rPr lang="en-IN" sz="1100"/>
+                        <a:t>CVS (1986)</a:t>
+                      </a:r>
+                    </a:p>
+                  </a:txBody>
+                  <a:tcPr marL="53720" marR="53720" marT="26860" marB="26860" anchor="ctr">
+                    <a:lnL>
+                      <a:noFill/>
+                    </a:lnL>
+                    <a:lnR>
+                      <a:noFill/>
+                    </a:lnR>
+                    <a:lnT>
+                      <a:noFill/>
+                    </a:lnT>
+                    <a:lnB>
+                      <a:noFill/>
+                    </a:lnB>
+                    <a:noFill/>
+                  </a:tcPr>
+                </a:tc>
+                <a:extLst>
+                  <a:ext uri="{0D108BD9-81ED-4DB2-BD59-A6C34878D82A}">
+                    <a16:rowId xmlns:a16="http://schemas.microsoft.com/office/drawing/2014/main" val="1714736238"/>
+                  </a:ext>
+                </a:extLst>
+              </a:tr>
+              <a:tr h="523016">
+                <a:tc>
+                  <a:txBody>
+                    <a:bodyPr/>
+                    <a:lstStyle/>
+                    <a:p>
+                      <a:pPr>
+                        <a:buNone/>
+                      </a:pPr>
+                      <a:r>
+                        <a:rPr lang="en-IN" sz="1100" b="1"/>
+                        <a:t>Developer</a:t>
+                      </a:r>
+                      <a:endParaRPr lang="en-IN" sz="1100"/>
+                    </a:p>
+                  </a:txBody>
+                  <a:tcPr marL="53720" marR="53720" marT="26860" marB="26860" anchor="ctr">
+                    <a:lnL>
+                      <a:noFill/>
+                    </a:lnL>
+                    <a:lnR>
+                      <a:noFill/>
+                    </a:lnR>
+                    <a:lnT>
+                      <a:noFill/>
+                    </a:lnT>
+                    <a:lnB>
+                      <a:noFill/>
+                    </a:lnB>
+                    <a:noFill/>
+                  </a:tcPr>
+                </a:tc>
+                <a:tc>
+                  <a:txBody>
+                    <a:bodyPr/>
+                    <a:lstStyle/>
+                    <a:p>
+                      <a:pPr>
+                        <a:buNone/>
+                      </a:pPr>
+                      <a:r>
+                        <a:rPr lang="en-IN" sz="1100"/>
+                        <a:t>Marc Rochkind (Bell Labs)</a:t>
+                      </a:r>
+                    </a:p>
+                  </a:txBody>
+                  <a:tcPr marL="53720" marR="53720" marT="26860" marB="26860" anchor="ctr">
+                    <a:lnL>
+                      <a:noFill/>
+                    </a:lnL>
+                    <a:lnR>
+                      <a:noFill/>
+                    </a:lnR>
+                    <a:lnT>
+                      <a:noFill/>
+                    </a:lnT>
+                    <a:lnB>
+                      <a:noFill/>
+                    </a:lnB>
+                    <a:noFill/>
+                  </a:tcPr>
+                </a:tc>
+                <a:tc>
+                  <a:txBody>
+                    <a:bodyPr/>
+                    <a:lstStyle/>
+                    <a:p>
+                      <a:pPr>
+                        <a:buNone/>
+                      </a:pPr>
+                      <a:r>
+                        <a:rPr lang="en-IN" sz="1100"/>
+                        <a:t>Walter F. Tichy</a:t>
+                      </a:r>
+                    </a:p>
+                  </a:txBody>
+                  <a:tcPr marL="53720" marR="53720" marT="26860" marB="26860" anchor="ctr">
+                    <a:lnL>
+                      <a:noFill/>
+                    </a:lnL>
+                    <a:lnR>
+                      <a:noFill/>
+                    </a:lnR>
+                    <a:lnT>
+                      <a:noFill/>
+                    </a:lnT>
+                    <a:lnB>
+                      <a:noFill/>
+                    </a:lnB>
+                    <a:noFill/>
+                  </a:tcPr>
+                </a:tc>
+                <a:tc>
+                  <a:txBody>
+                    <a:bodyPr/>
+                    <a:lstStyle/>
+                    <a:p>
+                      <a:pPr>
+                        <a:buNone/>
+                      </a:pPr>
+                      <a:r>
+                        <a:rPr lang="en-US" sz="1100"/>
+                        <a:t>Dick Grune (built on RCS)</a:t>
+                      </a:r>
+                    </a:p>
+                  </a:txBody>
+                  <a:tcPr marL="53720" marR="53720" marT="26860" marB="26860" anchor="ctr">
+                    <a:lnL>
+                      <a:noFill/>
+                    </a:lnL>
+                    <a:lnR>
+                      <a:noFill/>
+                    </a:lnR>
+                    <a:lnT>
+                      <a:noFill/>
+                    </a:lnT>
+                    <a:lnB>
+                      <a:noFill/>
+                    </a:lnB>
+                    <a:noFill/>
+                  </a:tcPr>
+                </a:tc>
+                <a:extLst>
+                  <a:ext uri="{0D108BD9-81ED-4DB2-BD59-A6C34878D82A}">
+                    <a16:rowId xmlns:a16="http://schemas.microsoft.com/office/drawing/2014/main" val="3436722195"/>
+                  </a:ext>
+                </a:extLst>
+              </a:tr>
+              <a:tr h="523016">
+                <a:tc>
+                  <a:txBody>
+                    <a:bodyPr/>
+                    <a:lstStyle/>
+                    <a:p>
+                      <a:pPr>
+                        <a:buNone/>
+                      </a:pPr>
+                      <a:r>
+                        <a:rPr lang="en-IN" sz="1100" b="1"/>
+                        <a:t>Scope</a:t>
+                      </a:r>
+                      <a:endParaRPr lang="en-IN" sz="1100"/>
+                    </a:p>
+                  </a:txBody>
+                  <a:tcPr marL="53720" marR="53720" marT="26860" marB="26860" anchor="ctr">
+                    <a:lnL>
+                      <a:noFill/>
+                    </a:lnL>
+                    <a:lnR>
+                      <a:noFill/>
+                    </a:lnR>
+                    <a:lnT>
+                      <a:noFill/>
+                    </a:lnT>
+                    <a:lnB>
+                      <a:noFill/>
+                    </a:lnB>
+                    <a:noFill/>
+                  </a:tcPr>
+                </a:tc>
+                <a:tc>
+                  <a:txBody>
+                    <a:bodyPr/>
+                    <a:lstStyle/>
+                    <a:p>
+                      <a:pPr>
+                        <a:buNone/>
+                      </a:pPr>
+                      <a:r>
+                        <a:rPr lang="en-IN" sz="1100"/>
+                        <a:t>Individual files</a:t>
+                      </a:r>
+                    </a:p>
+                  </a:txBody>
+                  <a:tcPr marL="53720" marR="53720" marT="26860" marB="26860" anchor="ctr">
+                    <a:lnL>
+                      <a:noFill/>
+                    </a:lnL>
+                    <a:lnR>
+                      <a:noFill/>
+                    </a:lnR>
+                    <a:lnT>
+                      <a:noFill/>
+                    </a:lnT>
+                    <a:lnB>
+                      <a:noFill/>
+                    </a:lnB>
+                    <a:noFill/>
+                  </a:tcPr>
+                </a:tc>
+                <a:tc>
+                  <a:txBody>
+                    <a:bodyPr/>
+                    <a:lstStyle/>
+                    <a:p>
+                      <a:pPr>
+                        <a:buNone/>
+                      </a:pPr>
+                      <a:r>
+                        <a:rPr lang="en-IN" sz="1100"/>
+                        <a:t>Individual files</a:t>
+                      </a:r>
+                    </a:p>
+                  </a:txBody>
+                  <a:tcPr marL="53720" marR="53720" marT="26860" marB="26860" anchor="ctr">
+                    <a:lnL>
+                      <a:noFill/>
+                    </a:lnL>
+                    <a:lnR>
+                      <a:noFill/>
+                    </a:lnR>
+                    <a:lnT>
+                      <a:noFill/>
+                    </a:lnT>
+                    <a:lnB>
+                      <a:noFill/>
+                    </a:lnB>
+                    <a:noFill/>
+                  </a:tcPr>
+                </a:tc>
+                <a:tc>
+                  <a:txBody>
+                    <a:bodyPr/>
+                    <a:lstStyle/>
+                    <a:p>
+                      <a:pPr>
+                        <a:buNone/>
+                      </a:pPr>
+                      <a:r>
+                        <a:rPr lang="en-IN" sz="1100"/>
+                        <a:t>Entire projects/directories</a:t>
+                      </a:r>
+                    </a:p>
+                  </a:txBody>
+                  <a:tcPr marL="53720" marR="53720" marT="26860" marB="26860" anchor="ctr">
+                    <a:lnL>
+                      <a:noFill/>
+                    </a:lnL>
+                    <a:lnR>
+                      <a:noFill/>
+                    </a:lnR>
+                    <a:lnT>
+                      <a:noFill/>
+                    </a:lnT>
+                    <a:lnB>
+                      <a:noFill/>
+                    </a:lnB>
+                    <a:noFill/>
+                  </a:tcPr>
+                </a:tc>
+                <a:extLst>
+                  <a:ext uri="{0D108BD9-81ED-4DB2-BD59-A6C34878D82A}">
+                    <a16:rowId xmlns:a16="http://schemas.microsoft.com/office/drawing/2014/main" val="3782855671"/>
+                  </a:ext>
+                </a:extLst>
+              </a:tr>
+              <a:tr h="297621">
+                <a:tc>
+                  <a:txBody>
+                    <a:bodyPr/>
+                    <a:lstStyle/>
+                    <a:p>
+                      <a:pPr>
+                        <a:buNone/>
+                      </a:pPr>
+                      <a:r>
+                        <a:rPr lang="en-IN" sz="1100" b="1"/>
+                        <a:t>Architecture</a:t>
+                      </a:r>
+                      <a:endParaRPr lang="en-IN" sz="1100"/>
+                    </a:p>
+                  </a:txBody>
+                  <a:tcPr marL="53720" marR="53720" marT="26860" marB="26860" anchor="ctr">
+                    <a:lnL>
+                      <a:noFill/>
+                    </a:lnL>
+                    <a:lnR>
+                      <a:noFill/>
+                    </a:lnR>
+                    <a:lnT>
+                      <a:noFill/>
+                    </a:lnT>
+                    <a:lnB>
+                      <a:noFill/>
+                    </a:lnB>
+                    <a:noFill/>
+                  </a:tcPr>
+                </a:tc>
+                <a:tc>
+                  <a:txBody>
+                    <a:bodyPr/>
+                    <a:lstStyle/>
+                    <a:p>
+                      <a:pPr>
+                        <a:buNone/>
+                      </a:pPr>
+                      <a:r>
+                        <a:rPr lang="en-IN" sz="1100"/>
+                        <a:t>Local only</a:t>
+                      </a:r>
+                    </a:p>
+                  </a:txBody>
+                  <a:tcPr marL="53720" marR="53720" marT="26860" marB="26860" anchor="ctr">
+                    <a:lnL>
+                      <a:noFill/>
+                    </a:lnL>
+                    <a:lnR>
+                      <a:noFill/>
+                    </a:lnR>
+                    <a:lnT>
+                      <a:noFill/>
+                    </a:lnT>
+                    <a:lnB>
+                      <a:noFill/>
+                    </a:lnB>
+                    <a:noFill/>
+                  </a:tcPr>
+                </a:tc>
+                <a:tc>
+                  <a:txBody>
+                    <a:bodyPr/>
+                    <a:lstStyle/>
+                    <a:p>
+                      <a:pPr>
+                        <a:buNone/>
+                      </a:pPr>
+                      <a:r>
+                        <a:rPr lang="en-IN" sz="1100"/>
+                        <a:t>Local only</a:t>
+                      </a:r>
+                    </a:p>
+                  </a:txBody>
+                  <a:tcPr marL="53720" marR="53720" marT="26860" marB="26860" anchor="ctr">
+                    <a:lnL>
+                      <a:noFill/>
+                    </a:lnL>
+                    <a:lnR>
+                      <a:noFill/>
+                    </a:lnR>
+                    <a:lnT>
+                      <a:noFill/>
+                    </a:lnT>
+                    <a:lnB>
+                      <a:noFill/>
+                    </a:lnB>
+                    <a:noFill/>
+                  </a:tcPr>
+                </a:tc>
+                <a:tc>
+                  <a:txBody>
+                    <a:bodyPr/>
+                    <a:lstStyle/>
+                    <a:p>
+                      <a:pPr>
+                        <a:buNone/>
+                      </a:pPr>
+                      <a:r>
+                        <a:rPr lang="en-IN" sz="1100"/>
+                        <a:t>Client-server</a:t>
+                      </a:r>
+                    </a:p>
+                  </a:txBody>
+                  <a:tcPr marL="53720" marR="53720" marT="26860" marB="26860" anchor="ctr">
+                    <a:lnL>
+                      <a:noFill/>
+                    </a:lnL>
+                    <a:lnR>
+                      <a:noFill/>
+                    </a:lnR>
+                    <a:lnT>
+                      <a:noFill/>
+                    </a:lnT>
+                    <a:lnB>
+                      <a:noFill/>
+                    </a:lnB>
+                    <a:noFill/>
+                  </a:tcPr>
+                </a:tc>
+                <a:extLst>
+                  <a:ext uri="{0D108BD9-81ED-4DB2-BD59-A6C34878D82A}">
+                    <a16:rowId xmlns:a16="http://schemas.microsoft.com/office/drawing/2014/main" val="2159588484"/>
+                  </a:ext>
+                </a:extLst>
+              </a:tr>
+              <a:tr h="523016">
+                <a:tc>
+                  <a:txBody>
+                    <a:bodyPr/>
+                    <a:lstStyle/>
+                    <a:p>
+                      <a:pPr>
+                        <a:buNone/>
+                      </a:pPr>
+                      <a:r>
+                        <a:rPr lang="en-IN" sz="1100" b="1"/>
+                        <a:t>Concurrency Model</a:t>
+                      </a:r>
+                      <a:endParaRPr lang="en-IN" sz="1100"/>
+                    </a:p>
+                  </a:txBody>
+                  <a:tcPr marL="53720" marR="53720" marT="26860" marB="26860" anchor="ctr">
+                    <a:lnL>
+                      <a:noFill/>
+                    </a:lnL>
+                    <a:lnR>
+                      <a:noFill/>
+                    </a:lnR>
+                    <a:lnT>
+                      <a:noFill/>
+                    </a:lnT>
+                    <a:lnB>
+                      <a:noFill/>
+                    </a:lnB>
+                    <a:noFill/>
+                  </a:tcPr>
+                </a:tc>
+                <a:tc>
+                  <a:txBody>
+                    <a:bodyPr/>
+                    <a:lstStyle/>
+                    <a:p>
+                      <a:pPr>
+                        <a:buNone/>
+                      </a:pPr>
+                      <a:r>
+                        <a:rPr lang="en-IN" sz="1100"/>
+                        <a:t>Exclusive locking</a:t>
+                      </a:r>
+                    </a:p>
+                  </a:txBody>
+                  <a:tcPr marL="53720" marR="53720" marT="26860" marB="26860" anchor="ctr">
+                    <a:lnL>
+                      <a:noFill/>
+                    </a:lnL>
+                    <a:lnR>
+                      <a:noFill/>
+                    </a:lnR>
+                    <a:lnT>
+                      <a:noFill/>
+                    </a:lnT>
+                    <a:lnB>
+                      <a:noFill/>
+                    </a:lnB>
+                    <a:noFill/>
+                  </a:tcPr>
+                </a:tc>
+                <a:tc>
+                  <a:txBody>
+                    <a:bodyPr/>
+                    <a:lstStyle/>
+                    <a:p>
+                      <a:pPr>
+                        <a:buNone/>
+                      </a:pPr>
+                      <a:r>
+                        <a:rPr lang="en-US" sz="1100"/>
+                        <a:t>Exclusive locking (one user at a time)</a:t>
+                      </a:r>
+                    </a:p>
+                  </a:txBody>
+                  <a:tcPr marL="53720" marR="53720" marT="26860" marB="26860" anchor="ctr">
+                    <a:lnL>
+                      <a:noFill/>
+                    </a:lnL>
+                    <a:lnR>
+                      <a:noFill/>
+                    </a:lnR>
+                    <a:lnT>
+                      <a:noFill/>
+                    </a:lnT>
+                    <a:lnB>
+                      <a:noFill/>
+                    </a:lnB>
+                    <a:noFill/>
+                  </a:tcPr>
+                </a:tc>
+                <a:tc>
+                  <a:txBody>
+                    <a:bodyPr/>
+                    <a:lstStyle/>
+                    <a:p>
+                      <a:pPr>
+                        <a:buNone/>
+                      </a:pPr>
+                      <a:r>
+                        <a:rPr lang="en-IN" sz="1100"/>
+                        <a:t>Concurrent editing with merging</a:t>
+                      </a:r>
+                    </a:p>
+                  </a:txBody>
+                  <a:tcPr marL="53720" marR="53720" marT="26860" marB="26860" anchor="ctr">
+                    <a:lnL>
+                      <a:noFill/>
+                    </a:lnL>
+                    <a:lnR>
+                      <a:noFill/>
+                    </a:lnR>
+                    <a:lnT>
+                      <a:noFill/>
+                    </a:lnT>
+                    <a:lnB>
+                      <a:noFill/>
+                    </a:lnB>
+                    <a:noFill/>
+                  </a:tcPr>
+                </a:tc>
+                <a:extLst>
+                  <a:ext uri="{0D108BD9-81ED-4DB2-BD59-A6C34878D82A}">
+                    <a16:rowId xmlns:a16="http://schemas.microsoft.com/office/drawing/2014/main" val="832464158"/>
+                  </a:ext>
+                </a:extLst>
+              </a:tr>
+              <a:tr h="523016">
+                <a:tc>
+                  <a:txBody>
+                    <a:bodyPr/>
+                    <a:lstStyle/>
+                    <a:p>
+                      <a:pPr>
+                        <a:buNone/>
+                      </a:pPr>
+                      <a:r>
+                        <a:rPr lang="en-IN" sz="1100" b="1" dirty="0"/>
+                        <a:t>Storage Location</a:t>
+                      </a:r>
+                      <a:endParaRPr lang="en-IN" sz="1100" dirty="0"/>
+                    </a:p>
+                  </a:txBody>
+                  <a:tcPr marL="53720" marR="53720" marT="26860" marB="26860" anchor="ctr">
+                    <a:lnL>
+                      <a:noFill/>
+                    </a:lnL>
+                    <a:lnR>
+                      <a:noFill/>
+                    </a:lnR>
+                    <a:lnT>
+                      <a:noFill/>
+                    </a:lnT>
+                    <a:lnB>
+                      <a:noFill/>
+                    </a:lnB>
+                    <a:noFill/>
+                  </a:tcPr>
+                </a:tc>
+                <a:tc>
+                  <a:txBody>
+                    <a:bodyPr/>
+                    <a:lstStyle/>
+                    <a:p>
+                      <a:pPr>
+                        <a:buNone/>
+                      </a:pPr>
+                      <a:r>
+                        <a:rPr lang="en-IN" sz="1100"/>
+                        <a:t>Same directory (</a:t>
+                      </a:r>
+                      <a:r>
+                        <a:rPr lang="en-IN" sz="1100">
+                          <a:latin typeface="Courier New" panose="02070309020205020404" pitchFamily="49" charset="0"/>
+                        </a:rPr>
+                        <a:t>s.</a:t>
+                      </a:r>
+                      <a:r>
+                        <a:rPr lang="en-IN" sz="1100"/>
+                        <a:t> prefix)</a:t>
+                      </a:r>
+                    </a:p>
+                  </a:txBody>
+                  <a:tcPr marL="53720" marR="53720" marT="26860" marB="26860" anchor="ctr">
+                    <a:lnL>
+                      <a:noFill/>
+                    </a:lnL>
+                    <a:lnR>
+                      <a:noFill/>
+                    </a:lnR>
+                    <a:lnT>
+                      <a:noFill/>
+                    </a:lnT>
+                    <a:lnB>
+                      <a:noFill/>
+                    </a:lnB>
+                    <a:noFill/>
+                  </a:tcPr>
+                </a:tc>
+                <a:tc>
+                  <a:txBody>
+                    <a:bodyPr/>
+                    <a:lstStyle/>
+                    <a:p>
+                      <a:pPr>
+                        <a:buNone/>
+                      </a:pPr>
+                      <a:r>
+                        <a:rPr lang="en-IN" sz="1100"/>
+                        <a:t>Same directory (</a:t>
+                      </a:r>
+                      <a:r>
+                        <a:rPr lang="en-IN" sz="1100">
+                          <a:latin typeface="Courier New" panose="02070309020205020404" pitchFamily="49" charset="0"/>
+                        </a:rPr>
+                        <a:t>,v</a:t>
+                      </a:r>
+                      <a:r>
+                        <a:rPr lang="en-IN" sz="1100"/>
+                        <a:t> files)</a:t>
+                      </a:r>
+                    </a:p>
+                  </a:txBody>
+                  <a:tcPr marL="53720" marR="53720" marT="26860" marB="26860" anchor="ctr">
+                    <a:lnL>
+                      <a:noFill/>
+                    </a:lnL>
+                    <a:lnR>
+                      <a:noFill/>
+                    </a:lnR>
+                    <a:lnT>
+                      <a:noFill/>
+                    </a:lnT>
+                    <a:lnB>
+                      <a:noFill/>
+                    </a:lnB>
+                    <a:noFill/>
+                  </a:tcPr>
+                </a:tc>
+                <a:tc>
+                  <a:txBody>
+                    <a:bodyPr/>
+                    <a:lstStyle/>
+                    <a:p>
+                      <a:pPr>
+                        <a:buNone/>
+                      </a:pPr>
+                      <a:r>
+                        <a:rPr lang="en-IN" sz="1100"/>
+                        <a:t>Central repository</a:t>
+                      </a:r>
+                    </a:p>
+                  </a:txBody>
+                  <a:tcPr marL="53720" marR="53720" marT="26860" marB="26860" anchor="ctr">
+                    <a:lnL>
+                      <a:noFill/>
+                    </a:lnL>
+                    <a:lnR>
+                      <a:noFill/>
+                    </a:lnR>
+                    <a:lnT>
+                      <a:noFill/>
+                    </a:lnT>
+                    <a:lnB>
+                      <a:noFill/>
+                    </a:lnB>
+                    <a:noFill/>
+                  </a:tcPr>
+                </a:tc>
+                <a:extLst>
+                  <a:ext uri="{0D108BD9-81ED-4DB2-BD59-A6C34878D82A}">
+                    <a16:rowId xmlns:a16="http://schemas.microsoft.com/office/drawing/2014/main" val="2587848706"/>
+                  </a:ext>
+                </a:extLst>
+              </a:tr>
+              <a:tr h="297621">
+                <a:tc>
+                  <a:txBody>
+                    <a:bodyPr/>
+                    <a:lstStyle/>
+                    <a:p>
+                      <a:pPr>
+                        <a:buNone/>
+                      </a:pPr>
+                      <a:r>
+                        <a:rPr lang="en-IN" sz="1100" b="1"/>
+                        <a:t>Branching Support</a:t>
+                      </a:r>
+                      <a:endParaRPr lang="en-IN" sz="1100"/>
+                    </a:p>
+                  </a:txBody>
+                  <a:tcPr marL="53720" marR="53720" marT="26860" marB="26860" anchor="ctr">
+                    <a:lnL>
+                      <a:noFill/>
+                    </a:lnL>
+                    <a:lnR>
+                      <a:noFill/>
+                    </a:lnR>
+                    <a:lnT>
+                      <a:noFill/>
+                    </a:lnT>
+                    <a:lnB>
+                      <a:noFill/>
+                    </a:lnB>
+                    <a:noFill/>
+                  </a:tcPr>
+                </a:tc>
+                <a:tc>
+                  <a:txBody>
+                    <a:bodyPr/>
+                    <a:lstStyle/>
+                    <a:p>
+                      <a:pPr>
+                        <a:buNone/>
+                      </a:pPr>
+                      <a:r>
+                        <a:rPr lang="en-IN" sz="1100"/>
+                        <a:t>Limited branching</a:t>
+                      </a:r>
+                    </a:p>
+                  </a:txBody>
+                  <a:tcPr marL="53720" marR="53720" marT="26860" marB="26860" anchor="ctr">
+                    <a:lnL>
+                      <a:noFill/>
+                    </a:lnL>
+                    <a:lnR>
+                      <a:noFill/>
+                    </a:lnR>
+                    <a:lnT>
+                      <a:noFill/>
+                    </a:lnT>
+                    <a:lnB>
+                      <a:noFill/>
+                    </a:lnB>
+                    <a:noFill/>
+                  </a:tcPr>
+                </a:tc>
+                <a:tc>
+                  <a:txBody>
+                    <a:bodyPr/>
+                    <a:lstStyle/>
+                    <a:p>
+                      <a:pPr>
+                        <a:buNone/>
+                      </a:pPr>
+                      <a:r>
+                        <a:rPr lang="en-IN" sz="1100"/>
+                        <a:t>Basic branches</a:t>
+                      </a:r>
+                    </a:p>
+                  </a:txBody>
+                  <a:tcPr marL="53720" marR="53720" marT="26860" marB="26860" anchor="ctr">
+                    <a:lnL>
+                      <a:noFill/>
+                    </a:lnL>
+                    <a:lnR>
+                      <a:noFill/>
+                    </a:lnR>
+                    <a:lnT>
+                      <a:noFill/>
+                    </a:lnT>
+                    <a:lnB>
+                      <a:noFill/>
+                    </a:lnB>
+                    <a:noFill/>
+                  </a:tcPr>
+                </a:tc>
+                <a:tc>
+                  <a:txBody>
+                    <a:bodyPr/>
+                    <a:lstStyle/>
+                    <a:p>
+                      <a:pPr>
+                        <a:buNone/>
+                      </a:pPr>
+                      <a:r>
+                        <a:rPr lang="en-IN" sz="1100"/>
+                        <a:t>Better branch support</a:t>
+                      </a:r>
+                    </a:p>
+                  </a:txBody>
+                  <a:tcPr marL="53720" marR="53720" marT="26860" marB="26860" anchor="ctr">
+                    <a:lnL>
+                      <a:noFill/>
+                    </a:lnL>
+                    <a:lnR>
+                      <a:noFill/>
+                    </a:lnR>
+                    <a:lnT>
+                      <a:noFill/>
+                    </a:lnT>
+                    <a:lnB>
+                      <a:noFill/>
+                    </a:lnB>
+                    <a:noFill/>
+                  </a:tcPr>
+                </a:tc>
+                <a:extLst>
+                  <a:ext uri="{0D108BD9-81ED-4DB2-BD59-A6C34878D82A}">
+                    <a16:rowId xmlns:a16="http://schemas.microsoft.com/office/drawing/2014/main" val="3269877672"/>
+                  </a:ext>
+                </a:extLst>
+              </a:tr>
+              <a:tr h="297621">
+                <a:tc>
+                  <a:txBody>
+                    <a:bodyPr/>
+                    <a:lstStyle/>
+                    <a:p>
+                      <a:pPr>
+                        <a:buNone/>
+                      </a:pPr>
+                      <a:r>
+                        <a:rPr lang="en-IN" sz="1100" b="1"/>
+                        <a:t>Merging</a:t>
+                      </a:r>
+                      <a:endParaRPr lang="en-IN" sz="1100"/>
+                    </a:p>
+                  </a:txBody>
+                  <a:tcPr marL="53720" marR="53720" marT="26860" marB="26860" anchor="ctr">
+                    <a:lnL>
+                      <a:noFill/>
+                    </a:lnL>
+                    <a:lnR>
+                      <a:noFill/>
+                    </a:lnR>
+                    <a:lnT>
+                      <a:noFill/>
+                    </a:lnT>
+                    <a:lnB>
+                      <a:noFill/>
+                    </a:lnB>
+                    <a:noFill/>
+                  </a:tcPr>
+                </a:tc>
+                <a:tc>
+                  <a:txBody>
+                    <a:bodyPr/>
+                    <a:lstStyle/>
+                    <a:p>
+                      <a:pPr>
+                        <a:buNone/>
+                      </a:pPr>
+                      <a:r>
+                        <a:rPr lang="en-IN" sz="1100"/>
+                        <a:t>Manual merge required</a:t>
+                      </a:r>
+                    </a:p>
+                  </a:txBody>
+                  <a:tcPr marL="53720" marR="53720" marT="26860" marB="26860" anchor="ctr">
+                    <a:lnL>
+                      <a:noFill/>
+                    </a:lnL>
+                    <a:lnR>
+                      <a:noFill/>
+                    </a:lnR>
+                    <a:lnT>
+                      <a:noFill/>
+                    </a:lnT>
+                    <a:lnB>
+                      <a:noFill/>
+                    </a:lnB>
+                    <a:noFill/>
+                  </a:tcPr>
+                </a:tc>
+                <a:tc>
+                  <a:txBody>
+                    <a:bodyPr/>
+                    <a:lstStyle/>
+                    <a:p>
+                      <a:pPr>
+                        <a:buNone/>
+                      </a:pPr>
+                      <a:r>
+                        <a:rPr lang="en-IN" sz="1100" dirty="0"/>
+                        <a:t>Manual merge required</a:t>
+                      </a:r>
+                    </a:p>
+                  </a:txBody>
+                  <a:tcPr marL="53720" marR="53720" marT="26860" marB="26860" anchor="ctr">
+                    <a:lnL>
+                      <a:noFill/>
+                    </a:lnL>
+                    <a:lnR>
+                      <a:noFill/>
+                    </a:lnR>
+                    <a:lnT>
+                      <a:noFill/>
+                    </a:lnT>
+                    <a:lnB>
+                      <a:noFill/>
+                    </a:lnB>
+                    <a:noFill/>
+                  </a:tcPr>
+                </a:tc>
+                <a:tc>
+                  <a:txBody>
+                    <a:bodyPr/>
+                    <a:lstStyle/>
+                    <a:p>
+                      <a:pPr>
+                        <a:buNone/>
+                      </a:pPr>
+                      <a:r>
+                        <a:rPr lang="en-IN" sz="1100"/>
+                        <a:t>Semi-automatic merge</a:t>
+                      </a:r>
+                    </a:p>
+                  </a:txBody>
+                  <a:tcPr marL="53720" marR="53720" marT="26860" marB="26860" anchor="ctr">
+                    <a:lnL>
+                      <a:noFill/>
+                    </a:lnL>
+                    <a:lnR>
+                      <a:noFill/>
+                    </a:lnR>
+                    <a:lnT>
+                      <a:noFill/>
+                    </a:lnT>
+                    <a:lnB>
+                      <a:noFill/>
+                    </a:lnB>
+                    <a:noFill/>
+                  </a:tcPr>
+                </a:tc>
+                <a:extLst>
+                  <a:ext uri="{0D108BD9-81ED-4DB2-BD59-A6C34878D82A}">
+                    <a16:rowId xmlns:a16="http://schemas.microsoft.com/office/drawing/2014/main" val="502041237"/>
+                  </a:ext>
+                </a:extLst>
+              </a:tr>
+              <a:tr h="297621">
+                <a:tc>
+                  <a:txBody>
+                    <a:bodyPr/>
+                    <a:lstStyle/>
+                    <a:p>
+                      <a:pPr>
+                        <a:buNone/>
+                      </a:pPr>
+                      <a:r>
+                        <a:rPr lang="en-IN" sz="1100" b="1"/>
+                        <a:t>Network Support</a:t>
+                      </a:r>
+                      <a:endParaRPr lang="en-IN" sz="1100"/>
+                    </a:p>
+                  </a:txBody>
+                  <a:tcPr marL="53720" marR="53720" marT="26860" marB="26860" anchor="ctr">
+                    <a:lnL>
+                      <a:noFill/>
+                    </a:lnL>
+                    <a:lnR>
+                      <a:noFill/>
+                    </a:lnR>
+                    <a:lnT>
+                      <a:noFill/>
+                    </a:lnT>
+                    <a:lnB>
+                      <a:noFill/>
+                    </a:lnB>
+                    <a:noFill/>
+                  </a:tcPr>
+                </a:tc>
+                <a:tc>
+                  <a:txBody>
+                    <a:bodyPr/>
+                    <a:lstStyle/>
+                    <a:p>
+                      <a:pPr>
+                        <a:buNone/>
+                      </a:pPr>
+                      <a:r>
+                        <a:rPr lang="en-IN" sz="1100"/>
+                        <a:t>No</a:t>
+                      </a:r>
+                    </a:p>
+                  </a:txBody>
+                  <a:tcPr marL="53720" marR="53720" marT="26860" marB="26860" anchor="ctr">
+                    <a:lnL>
+                      <a:noFill/>
+                    </a:lnL>
+                    <a:lnR>
+                      <a:noFill/>
+                    </a:lnR>
+                    <a:lnT>
+                      <a:noFill/>
+                    </a:lnT>
+                    <a:lnB>
+                      <a:noFill/>
+                    </a:lnB>
+                    <a:noFill/>
+                  </a:tcPr>
+                </a:tc>
+                <a:tc>
+                  <a:txBody>
+                    <a:bodyPr/>
+                    <a:lstStyle/>
+                    <a:p>
+                      <a:pPr>
+                        <a:buNone/>
+                      </a:pPr>
+                      <a:r>
+                        <a:rPr lang="en-IN" sz="1100"/>
+                        <a:t>No</a:t>
+                      </a:r>
+                    </a:p>
+                  </a:txBody>
+                  <a:tcPr marL="53720" marR="53720" marT="26860" marB="26860" anchor="ctr">
+                    <a:lnL>
+                      <a:noFill/>
+                    </a:lnL>
+                    <a:lnR>
+                      <a:noFill/>
+                    </a:lnR>
+                    <a:lnT>
+                      <a:noFill/>
+                    </a:lnT>
+                    <a:lnB>
+                      <a:noFill/>
+                    </a:lnB>
+                    <a:noFill/>
+                  </a:tcPr>
+                </a:tc>
+                <a:tc>
+                  <a:txBody>
+                    <a:bodyPr/>
+                    <a:lstStyle/>
+                    <a:p>
+                      <a:pPr>
+                        <a:buNone/>
+                      </a:pPr>
+                      <a:r>
+                        <a:rPr lang="en-IN" sz="1100"/>
+                        <a:t>Yes (remote repositories)</a:t>
+                      </a:r>
+                    </a:p>
+                  </a:txBody>
+                  <a:tcPr marL="53720" marR="53720" marT="26860" marB="26860" anchor="ctr">
+                    <a:lnL>
+                      <a:noFill/>
+                    </a:lnL>
+                    <a:lnR>
+                      <a:noFill/>
+                    </a:lnR>
+                    <a:lnT>
+                      <a:noFill/>
+                    </a:lnT>
+                    <a:lnB>
+                      <a:noFill/>
+                    </a:lnB>
+                    <a:noFill/>
+                  </a:tcPr>
+                </a:tc>
+                <a:extLst>
+                  <a:ext uri="{0D108BD9-81ED-4DB2-BD59-A6C34878D82A}">
+                    <a16:rowId xmlns:a16="http://schemas.microsoft.com/office/drawing/2014/main" val="3795787117"/>
+                  </a:ext>
+                </a:extLst>
+              </a:tr>
+              <a:tr h="748411">
+                <a:tc>
+                  <a:txBody>
+                    <a:bodyPr/>
+                    <a:lstStyle/>
+                    <a:p>
+                      <a:pPr>
+                        <a:buNone/>
+                      </a:pPr>
+                      <a:r>
+                        <a:rPr lang="en-IN" sz="1100" b="1"/>
+                        <a:t>Key Commands</a:t>
+                      </a:r>
+                      <a:endParaRPr lang="en-IN" sz="1100"/>
+                    </a:p>
+                  </a:txBody>
+                  <a:tcPr marL="53720" marR="53720" marT="26860" marB="26860" anchor="ctr">
+                    <a:lnL>
+                      <a:noFill/>
+                    </a:lnL>
+                    <a:lnR>
+                      <a:noFill/>
+                    </a:lnR>
+                    <a:lnT>
+                      <a:noFill/>
+                    </a:lnT>
+                    <a:lnB>
+                      <a:noFill/>
+                    </a:lnB>
+                    <a:noFill/>
+                  </a:tcPr>
+                </a:tc>
+                <a:tc>
+                  <a:txBody>
+                    <a:bodyPr/>
+                    <a:lstStyle/>
+                    <a:p>
+                      <a:pPr>
+                        <a:buNone/>
+                      </a:pPr>
+                      <a:r>
+                        <a:rPr lang="en-IN" sz="1100">
+                          <a:latin typeface="Courier New" panose="02070309020205020404" pitchFamily="49" charset="0"/>
+                        </a:rPr>
+                        <a:t>get</a:t>
+                      </a:r>
+                      <a:r>
+                        <a:rPr lang="en-IN" sz="1100"/>
+                        <a:t>, </a:t>
+                      </a:r>
+                      <a:r>
+                        <a:rPr lang="en-IN" sz="1100">
+                          <a:latin typeface="Courier New" panose="02070309020205020404" pitchFamily="49" charset="0"/>
+                        </a:rPr>
+                        <a:t>delta</a:t>
+                      </a:r>
+                      <a:r>
+                        <a:rPr lang="en-IN" sz="1100"/>
+                        <a:t>, </a:t>
+                      </a:r>
+                      <a:r>
+                        <a:rPr lang="en-IN" sz="1100">
+                          <a:latin typeface="Courier New" panose="02070309020205020404" pitchFamily="49" charset="0"/>
+                        </a:rPr>
+                        <a:t>admin</a:t>
+                      </a:r>
+                      <a:r>
+                        <a:rPr lang="en-IN" sz="1100"/>
+                        <a:t>, </a:t>
+                      </a:r>
+                      <a:r>
+                        <a:rPr lang="en-IN" sz="1100">
+                          <a:latin typeface="Courier New" panose="02070309020205020404" pitchFamily="49" charset="0"/>
+                        </a:rPr>
+                        <a:t>prs</a:t>
+                      </a:r>
+                      <a:endParaRPr lang="en-IN" sz="1100"/>
+                    </a:p>
+                  </a:txBody>
+                  <a:tcPr marL="53720" marR="53720" marT="26860" marB="26860" anchor="ctr">
+                    <a:lnL>
+                      <a:noFill/>
+                    </a:lnL>
+                    <a:lnR>
+                      <a:noFill/>
+                    </a:lnR>
+                    <a:lnT>
+                      <a:noFill/>
+                    </a:lnT>
+                    <a:lnB>
+                      <a:noFill/>
+                    </a:lnB>
+                    <a:noFill/>
+                  </a:tcPr>
+                </a:tc>
+                <a:tc>
+                  <a:txBody>
+                    <a:bodyPr/>
+                    <a:lstStyle/>
+                    <a:p>
+                      <a:pPr>
+                        <a:buNone/>
+                      </a:pPr>
+                      <a:r>
+                        <a:rPr lang="en-IN" sz="1100">
+                          <a:latin typeface="Courier New" panose="02070309020205020404" pitchFamily="49" charset="0"/>
+                        </a:rPr>
+                        <a:t>ci</a:t>
+                      </a:r>
+                      <a:r>
+                        <a:rPr lang="en-IN" sz="1100"/>
+                        <a:t>, </a:t>
+                      </a:r>
+                      <a:r>
+                        <a:rPr lang="en-IN" sz="1100">
+                          <a:latin typeface="Courier New" panose="02070309020205020404" pitchFamily="49" charset="0"/>
+                        </a:rPr>
+                        <a:t>co</a:t>
+                      </a:r>
+                      <a:r>
+                        <a:rPr lang="en-IN" sz="1100"/>
+                        <a:t>, </a:t>
+                      </a:r>
+                      <a:r>
+                        <a:rPr lang="en-IN" sz="1100">
+                          <a:latin typeface="Courier New" panose="02070309020205020404" pitchFamily="49" charset="0"/>
+                        </a:rPr>
+                        <a:t>rlog</a:t>
+                      </a:r>
+                      <a:r>
+                        <a:rPr lang="en-IN" sz="1100"/>
+                        <a:t>, </a:t>
+                      </a:r>
+                      <a:r>
+                        <a:rPr lang="en-IN" sz="1100">
+                          <a:latin typeface="Courier New" panose="02070309020205020404" pitchFamily="49" charset="0"/>
+                        </a:rPr>
+                        <a:t>rcs</a:t>
+                      </a:r>
+                      <a:endParaRPr lang="en-IN" sz="1100"/>
+                    </a:p>
+                  </a:txBody>
+                  <a:tcPr marL="53720" marR="53720" marT="26860" marB="26860" anchor="ctr">
+                    <a:lnL>
+                      <a:noFill/>
+                    </a:lnL>
+                    <a:lnR>
+                      <a:noFill/>
+                    </a:lnR>
+                    <a:lnT>
+                      <a:noFill/>
+                    </a:lnT>
+                    <a:lnB>
+                      <a:noFill/>
+                    </a:lnB>
+                    <a:noFill/>
+                  </a:tcPr>
+                </a:tc>
+                <a:tc>
+                  <a:txBody>
+                    <a:bodyPr/>
+                    <a:lstStyle/>
+                    <a:p>
+                      <a:pPr>
+                        <a:buNone/>
+                      </a:pPr>
+                      <a:r>
+                        <a:rPr lang="en-IN" sz="1100">
+                          <a:latin typeface="Courier New" panose="02070309020205020404" pitchFamily="49" charset="0"/>
+                        </a:rPr>
+                        <a:t>cvs commit</a:t>
+                      </a:r>
+                      <a:r>
+                        <a:rPr lang="en-IN" sz="1100"/>
+                        <a:t>, </a:t>
+                      </a:r>
+                      <a:r>
+                        <a:rPr lang="en-IN" sz="1100">
+                          <a:latin typeface="Courier New" panose="02070309020205020404" pitchFamily="49" charset="0"/>
+                        </a:rPr>
+                        <a:t>cvs update</a:t>
+                      </a:r>
+                      <a:r>
+                        <a:rPr lang="en-IN" sz="1100"/>
+                        <a:t>, </a:t>
+                      </a:r>
+                      <a:r>
+                        <a:rPr lang="en-IN" sz="1100">
+                          <a:latin typeface="Courier New" panose="02070309020205020404" pitchFamily="49" charset="0"/>
+                        </a:rPr>
+                        <a:t>cvs checkout</a:t>
+                      </a:r>
+                      <a:endParaRPr lang="en-IN" sz="1100"/>
+                    </a:p>
+                  </a:txBody>
+                  <a:tcPr marL="53720" marR="53720" marT="26860" marB="26860" anchor="ctr">
+                    <a:lnL>
+                      <a:noFill/>
+                    </a:lnL>
+                    <a:lnR>
+                      <a:noFill/>
+                    </a:lnR>
+                    <a:lnT>
+                      <a:noFill/>
+                    </a:lnT>
+                    <a:lnB>
+                      <a:noFill/>
+                    </a:lnB>
+                    <a:noFill/>
+                  </a:tcPr>
+                </a:tc>
+                <a:extLst>
+                  <a:ext uri="{0D108BD9-81ED-4DB2-BD59-A6C34878D82A}">
+                    <a16:rowId xmlns:a16="http://schemas.microsoft.com/office/drawing/2014/main" val="4078680100"/>
+                  </a:ext>
+                </a:extLst>
+              </a:tr>
+              <a:tr h="297621">
+                <a:tc>
+                  <a:txBody>
+                    <a:bodyPr/>
+                    <a:lstStyle/>
+                    <a:p>
+                      <a:pPr>
+                        <a:buNone/>
+                      </a:pPr>
+                      <a:r>
+                        <a:rPr lang="en-IN" sz="1100" b="1"/>
+                        <a:t>File Naming</a:t>
+                      </a:r>
+                      <a:endParaRPr lang="en-IN" sz="1100"/>
+                    </a:p>
+                  </a:txBody>
+                  <a:tcPr marL="53720" marR="53720" marT="26860" marB="26860" anchor="ctr">
+                    <a:lnL>
+                      <a:noFill/>
+                    </a:lnL>
+                    <a:lnR>
+                      <a:noFill/>
+                    </a:lnR>
+                    <a:lnT>
+                      <a:noFill/>
+                    </a:lnT>
+                    <a:lnB>
+                      <a:noFill/>
+                    </a:lnB>
+                    <a:noFill/>
+                  </a:tcPr>
+                </a:tc>
+                <a:tc>
+                  <a:txBody>
+                    <a:bodyPr/>
+                    <a:lstStyle/>
+                    <a:p>
+                      <a:pPr>
+                        <a:buNone/>
+                      </a:pPr>
+                      <a:r>
+                        <a:rPr lang="en-IN" sz="1100">
+                          <a:latin typeface="Courier New" panose="02070309020205020404" pitchFamily="49" charset="0"/>
+                        </a:rPr>
+                        <a:t>s.filename</a:t>
+                      </a:r>
+                      <a:endParaRPr lang="en-IN" sz="1100"/>
+                    </a:p>
+                  </a:txBody>
+                  <a:tcPr marL="53720" marR="53720" marT="26860" marB="26860" anchor="ctr">
+                    <a:lnL>
+                      <a:noFill/>
+                    </a:lnL>
+                    <a:lnR>
+                      <a:noFill/>
+                    </a:lnR>
+                    <a:lnT>
+                      <a:noFill/>
+                    </a:lnT>
+                    <a:lnB>
+                      <a:noFill/>
+                    </a:lnB>
+                    <a:noFill/>
+                  </a:tcPr>
+                </a:tc>
+                <a:tc>
+                  <a:txBody>
+                    <a:bodyPr/>
+                    <a:lstStyle/>
+                    <a:p>
+                      <a:pPr>
+                        <a:buNone/>
+                      </a:pPr>
+                      <a:r>
+                        <a:rPr lang="en-IN" sz="1100">
+                          <a:latin typeface="Courier New" panose="02070309020205020404" pitchFamily="49" charset="0"/>
+                        </a:rPr>
+                        <a:t>filename,v</a:t>
+                      </a:r>
+                      <a:endParaRPr lang="en-IN" sz="1100"/>
+                    </a:p>
+                  </a:txBody>
+                  <a:tcPr marL="53720" marR="53720" marT="26860" marB="26860" anchor="ctr">
+                    <a:lnL>
+                      <a:noFill/>
+                    </a:lnL>
+                    <a:lnR>
+                      <a:noFill/>
+                    </a:lnR>
+                    <a:lnT>
+                      <a:noFill/>
+                    </a:lnT>
+                    <a:lnB>
+                      <a:noFill/>
+                    </a:lnB>
+                    <a:noFill/>
+                  </a:tcPr>
+                </a:tc>
+                <a:tc>
+                  <a:txBody>
+                    <a:bodyPr/>
+                    <a:lstStyle/>
+                    <a:p>
+                      <a:pPr>
+                        <a:buNone/>
+                      </a:pPr>
+                      <a:r>
+                        <a:rPr lang="en-IN" sz="1100"/>
+                        <a:t>Hidden in CVS directory</a:t>
+                      </a:r>
+                    </a:p>
+                  </a:txBody>
+                  <a:tcPr marL="53720" marR="53720" marT="26860" marB="26860" anchor="ctr">
+                    <a:lnL>
+                      <a:noFill/>
+                    </a:lnL>
+                    <a:lnR>
+                      <a:noFill/>
+                    </a:lnR>
+                    <a:lnT>
+                      <a:noFill/>
+                    </a:lnT>
+                    <a:lnB>
+                      <a:noFill/>
+                    </a:lnB>
+                    <a:noFill/>
+                  </a:tcPr>
+                </a:tc>
+                <a:extLst>
+                  <a:ext uri="{0D108BD9-81ED-4DB2-BD59-A6C34878D82A}">
+                    <a16:rowId xmlns:a16="http://schemas.microsoft.com/office/drawing/2014/main" val="1054995468"/>
+                  </a:ext>
+                </a:extLst>
+              </a:tr>
+              <a:tr h="523016">
+                <a:tc>
+                  <a:txBody>
+                    <a:bodyPr/>
+                    <a:lstStyle/>
+                    <a:p>
+                      <a:pPr>
+                        <a:buNone/>
+                      </a:pPr>
+                      <a:r>
+                        <a:rPr lang="en-IN" sz="1100" b="1"/>
+                        <a:t>Atomic Commits</a:t>
+                      </a:r>
+                      <a:endParaRPr lang="en-IN" sz="1100"/>
+                    </a:p>
+                  </a:txBody>
+                  <a:tcPr marL="53720" marR="53720" marT="26860" marB="26860" anchor="ctr">
+                    <a:lnL>
+                      <a:noFill/>
+                    </a:lnL>
+                    <a:lnR>
+                      <a:noFill/>
+                    </a:lnR>
+                    <a:lnT>
+                      <a:noFill/>
+                    </a:lnT>
+                    <a:lnB>
+                      <a:noFill/>
+                    </a:lnB>
+                    <a:noFill/>
+                  </a:tcPr>
+                </a:tc>
+                <a:tc>
+                  <a:txBody>
+                    <a:bodyPr/>
+                    <a:lstStyle/>
+                    <a:p>
+                      <a:pPr>
+                        <a:buNone/>
+                      </a:pPr>
+                      <a:r>
+                        <a:rPr lang="en-IN" sz="1100"/>
+                        <a:t>No (file-by-file)</a:t>
+                      </a:r>
+                    </a:p>
+                  </a:txBody>
+                  <a:tcPr marL="53720" marR="53720" marT="26860" marB="26860" anchor="ctr">
+                    <a:lnL>
+                      <a:noFill/>
+                    </a:lnL>
+                    <a:lnR>
+                      <a:noFill/>
+                    </a:lnR>
+                    <a:lnT>
+                      <a:noFill/>
+                    </a:lnT>
+                    <a:lnB>
+                      <a:noFill/>
+                    </a:lnB>
+                    <a:noFill/>
+                  </a:tcPr>
+                </a:tc>
+                <a:tc>
+                  <a:txBody>
+                    <a:bodyPr/>
+                    <a:lstStyle/>
+                    <a:p>
+                      <a:pPr>
+                        <a:buNone/>
+                      </a:pPr>
+                      <a:r>
+                        <a:rPr lang="en-IN" sz="1100"/>
+                        <a:t>No (file-by-file)</a:t>
+                      </a:r>
+                    </a:p>
+                  </a:txBody>
+                  <a:tcPr marL="53720" marR="53720" marT="26860" marB="26860" anchor="ctr">
+                    <a:lnL>
+                      <a:noFill/>
+                    </a:lnL>
+                    <a:lnR>
+                      <a:noFill/>
+                    </a:lnR>
+                    <a:lnT>
+                      <a:noFill/>
+                    </a:lnT>
+                    <a:lnB>
+                      <a:noFill/>
+                    </a:lnB>
+                    <a:noFill/>
+                  </a:tcPr>
+                </a:tc>
+                <a:tc>
+                  <a:txBody>
+                    <a:bodyPr/>
+                    <a:lstStyle/>
+                    <a:p>
+                      <a:pPr>
+                        <a:buNone/>
+                      </a:pPr>
+                      <a:r>
+                        <a:rPr lang="en-IN" sz="1100"/>
+                        <a:t>Yes (multiple files together)</a:t>
+                      </a:r>
+                    </a:p>
+                  </a:txBody>
+                  <a:tcPr marL="53720" marR="53720" marT="26860" marB="26860" anchor="ctr">
+                    <a:lnL>
+                      <a:noFill/>
+                    </a:lnL>
+                    <a:lnR>
+                      <a:noFill/>
+                    </a:lnR>
+                    <a:lnT>
+                      <a:noFill/>
+                    </a:lnT>
+                    <a:lnB>
+                      <a:noFill/>
+                    </a:lnB>
+                    <a:noFill/>
+                  </a:tcPr>
+                </a:tc>
+                <a:extLst>
+                  <a:ext uri="{0D108BD9-81ED-4DB2-BD59-A6C34878D82A}">
+                    <a16:rowId xmlns:a16="http://schemas.microsoft.com/office/drawing/2014/main" val="550609004"/>
+                  </a:ext>
+                </a:extLst>
+              </a:tr>
+              <a:tr h="297621">
+                <a:tc>
+                  <a:txBody>
+                    <a:bodyPr/>
+                    <a:lstStyle/>
+                    <a:p>
+                      <a:pPr>
+                        <a:buNone/>
+                      </a:pPr>
+                      <a:r>
+                        <a:rPr lang="en-IN" sz="1100" b="1"/>
+                        <a:t>Platform</a:t>
+                      </a:r>
+                      <a:endParaRPr lang="en-IN" sz="1100"/>
+                    </a:p>
+                  </a:txBody>
+                  <a:tcPr marL="53720" marR="53720" marT="26860" marB="26860" anchor="ctr">
+                    <a:lnL>
+                      <a:noFill/>
+                    </a:lnL>
+                    <a:lnR>
+                      <a:noFill/>
+                    </a:lnR>
+                    <a:lnT>
+                      <a:noFill/>
+                    </a:lnT>
+                    <a:lnB>
+                      <a:noFill/>
+                    </a:lnB>
+                    <a:noFill/>
+                  </a:tcPr>
+                </a:tc>
+                <a:tc>
+                  <a:txBody>
+                    <a:bodyPr/>
+                    <a:lstStyle/>
+                    <a:p>
+                      <a:pPr>
+                        <a:buNone/>
+                      </a:pPr>
+                      <a:r>
+                        <a:rPr lang="en-IN" sz="1100"/>
+                        <a:t>Unix/POSIX primarily</a:t>
+                      </a:r>
+                    </a:p>
+                  </a:txBody>
+                  <a:tcPr marL="53720" marR="53720" marT="26860" marB="26860" anchor="ctr">
+                    <a:lnL>
+                      <a:noFill/>
+                    </a:lnL>
+                    <a:lnR>
+                      <a:noFill/>
+                    </a:lnR>
+                    <a:lnT>
+                      <a:noFill/>
+                    </a:lnT>
+                    <a:lnB>
+                      <a:noFill/>
+                    </a:lnB>
+                    <a:noFill/>
+                  </a:tcPr>
+                </a:tc>
+                <a:tc>
+                  <a:txBody>
+                    <a:bodyPr/>
+                    <a:lstStyle/>
+                    <a:p>
+                      <a:pPr>
+                        <a:buNone/>
+                      </a:pPr>
+                      <a:r>
+                        <a:rPr lang="en-IN" sz="1100"/>
+                        <a:t>Unix/POSIX primarily</a:t>
+                      </a:r>
+                    </a:p>
+                  </a:txBody>
+                  <a:tcPr marL="53720" marR="53720" marT="26860" marB="26860" anchor="ctr">
+                    <a:lnL>
+                      <a:noFill/>
+                    </a:lnL>
+                    <a:lnR>
+                      <a:noFill/>
+                    </a:lnR>
+                    <a:lnT>
+                      <a:noFill/>
+                    </a:lnT>
+                    <a:lnB>
+                      <a:noFill/>
+                    </a:lnB>
+                    <a:noFill/>
+                  </a:tcPr>
+                </a:tc>
+                <a:tc>
+                  <a:txBody>
+                    <a:bodyPr/>
+                    <a:lstStyle/>
+                    <a:p>
+                      <a:pPr>
+                        <a:buNone/>
+                      </a:pPr>
+                      <a:r>
+                        <a:rPr lang="en-IN" sz="1100"/>
+                        <a:t>Cross-platform</a:t>
+                      </a:r>
+                    </a:p>
+                  </a:txBody>
+                  <a:tcPr marL="53720" marR="53720" marT="26860" marB="26860" anchor="ctr">
+                    <a:lnL>
+                      <a:noFill/>
+                    </a:lnL>
+                    <a:lnR>
+                      <a:noFill/>
+                    </a:lnR>
+                    <a:lnT>
+                      <a:noFill/>
+                    </a:lnT>
+                    <a:lnB>
+                      <a:noFill/>
+                    </a:lnB>
+                    <a:noFill/>
+                  </a:tcPr>
+                </a:tc>
+                <a:extLst>
+                  <a:ext uri="{0D108BD9-81ED-4DB2-BD59-A6C34878D82A}">
+                    <a16:rowId xmlns:a16="http://schemas.microsoft.com/office/drawing/2014/main" val="3590716063"/>
+                  </a:ext>
+                </a:extLst>
+              </a:tr>
+              <a:tr h="523016">
+                <a:tc>
+                  <a:txBody>
+                    <a:bodyPr/>
+                    <a:lstStyle/>
+                    <a:p>
+                      <a:pPr>
+                        <a:buNone/>
+                      </a:pPr>
+                      <a:r>
+                        <a:rPr lang="en-IN" sz="1100" b="1"/>
+                        <a:t>Still in Use?</a:t>
+                      </a:r>
+                      <a:endParaRPr lang="en-IN" sz="1100"/>
+                    </a:p>
+                  </a:txBody>
+                  <a:tcPr marL="53720" marR="53720" marT="26860" marB="26860" anchor="ctr">
+                    <a:lnL>
+                      <a:noFill/>
+                    </a:lnL>
+                    <a:lnR>
+                      <a:noFill/>
+                    </a:lnR>
+                    <a:lnT>
+                      <a:noFill/>
+                    </a:lnT>
+                    <a:lnB>
+                      <a:noFill/>
+                    </a:lnB>
+                    <a:noFill/>
+                  </a:tcPr>
+                </a:tc>
+                <a:tc>
+                  <a:txBody>
+                    <a:bodyPr/>
+                    <a:lstStyle/>
+                    <a:p>
+                      <a:pPr>
+                        <a:buNone/>
+                      </a:pPr>
+                      <a:r>
+                        <a:rPr lang="en-IN" sz="1100"/>
+                        <a:t>Very rare</a:t>
+                      </a:r>
+                    </a:p>
+                  </a:txBody>
+                  <a:tcPr marL="53720" marR="53720" marT="26860" marB="26860" anchor="ctr">
+                    <a:lnL>
+                      <a:noFill/>
+                    </a:lnL>
+                    <a:lnR>
+                      <a:noFill/>
+                    </a:lnR>
+                    <a:lnT>
+                      <a:noFill/>
+                    </a:lnT>
+                    <a:lnB>
+                      <a:noFill/>
+                    </a:lnB>
+                    <a:noFill/>
+                  </a:tcPr>
+                </a:tc>
+                <a:tc>
+                  <a:txBody>
+                    <a:bodyPr/>
+                    <a:lstStyle/>
+                    <a:p>
+                      <a:pPr>
+                        <a:buNone/>
+                      </a:pPr>
+                      <a:r>
+                        <a:rPr lang="en-IN" sz="1100"/>
+                        <a:t>Rarely (legacy systems)</a:t>
+                      </a:r>
+                    </a:p>
+                  </a:txBody>
+                  <a:tcPr marL="53720" marR="53720" marT="26860" marB="26860" anchor="ctr">
+                    <a:lnL>
+                      <a:noFill/>
+                    </a:lnL>
+                    <a:lnR>
+                      <a:noFill/>
+                    </a:lnR>
+                    <a:lnT>
+                      <a:noFill/>
+                    </a:lnT>
+                    <a:lnB>
+                      <a:noFill/>
+                    </a:lnB>
+                    <a:noFill/>
+                  </a:tcPr>
+                </a:tc>
+                <a:tc>
+                  <a:txBody>
+                    <a:bodyPr/>
+                    <a:lstStyle/>
+                    <a:p>
+                      <a:pPr>
+                        <a:buNone/>
+                      </a:pPr>
+                      <a:r>
+                        <a:rPr lang="en-US" sz="1100"/>
+                        <a:t>Declining but some legacy use</a:t>
+                      </a:r>
+                    </a:p>
+                  </a:txBody>
+                  <a:tcPr marL="53720" marR="53720" marT="26860" marB="26860" anchor="ctr">
+                    <a:lnL>
+                      <a:noFill/>
+                    </a:lnL>
+                    <a:lnR>
+                      <a:noFill/>
+                    </a:lnR>
+                    <a:lnT>
+                      <a:noFill/>
+                    </a:lnT>
+                    <a:lnB>
+                      <a:noFill/>
+                    </a:lnB>
+                    <a:noFill/>
+                  </a:tcPr>
+                </a:tc>
+                <a:extLst>
+                  <a:ext uri="{0D108BD9-81ED-4DB2-BD59-A6C34878D82A}">
+                    <a16:rowId xmlns:a16="http://schemas.microsoft.com/office/drawing/2014/main" val="766172703"/>
+                  </a:ext>
+                </a:extLst>
+              </a:tr>
+              <a:tr h="523016">
+                <a:tc>
+                  <a:txBody>
+                    <a:bodyPr/>
+                    <a:lstStyle/>
+                    <a:p>
+                      <a:pPr>
+                        <a:buNone/>
+                      </a:pPr>
+                      <a:r>
+                        <a:rPr lang="en-IN" sz="1100" b="1"/>
+                        <a:t>Typical Use Case</a:t>
+                      </a:r>
+                      <a:endParaRPr lang="en-IN" sz="1100"/>
+                    </a:p>
+                  </a:txBody>
+                  <a:tcPr marL="53720" marR="53720" marT="26860" marB="26860" anchor="ctr">
+                    <a:lnL>
+                      <a:noFill/>
+                    </a:lnL>
+                    <a:lnR>
+                      <a:noFill/>
+                    </a:lnR>
+                    <a:lnT>
+                      <a:noFill/>
+                    </a:lnT>
+                    <a:lnB>
+                      <a:noFill/>
+                    </a:lnB>
+                    <a:noFill/>
+                  </a:tcPr>
+                </a:tc>
+                <a:tc>
+                  <a:txBody>
+                    <a:bodyPr/>
+                    <a:lstStyle/>
+                    <a:p>
+                      <a:pPr>
+                        <a:buNone/>
+                      </a:pPr>
+                      <a:r>
+                        <a:rPr lang="en-IN" sz="1100"/>
+                        <a:t>Historical/legacy only</a:t>
+                      </a:r>
+                    </a:p>
+                  </a:txBody>
+                  <a:tcPr marL="53720" marR="53720" marT="26860" marB="26860" anchor="ctr">
+                    <a:lnL>
+                      <a:noFill/>
+                    </a:lnL>
+                    <a:lnR>
+                      <a:noFill/>
+                    </a:lnR>
+                    <a:lnT>
+                      <a:noFill/>
+                    </a:lnT>
+                    <a:lnB>
+                      <a:noFill/>
+                    </a:lnB>
+                    <a:noFill/>
+                  </a:tcPr>
+                </a:tc>
+                <a:tc>
+                  <a:txBody>
+                    <a:bodyPr/>
+                    <a:lstStyle/>
+                    <a:p>
+                      <a:pPr>
+                        <a:buNone/>
+                      </a:pPr>
+                      <a:r>
+                        <a:rPr lang="en-IN" sz="1100"/>
+                        <a:t>System config files</a:t>
+                      </a:r>
+                    </a:p>
+                  </a:txBody>
+                  <a:tcPr marL="53720" marR="53720" marT="26860" marB="26860" anchor="ctr">
+                    <a:lnL>
+                      <a:noFill/>
+                    </a:lnL>
+                    <a:lnR>
+                      <a:noFill/>
+                    </a:lnR>
+                    <a:lnT>
+                      <a:noFill/>
+                    </a:lnT>
+                    <a:lnB>
+                      <a:noFill/>
+                    </a:lnB>
+                    <a:noFill/>
+                  </a:tcPr>
+                </a:tc>
+                <a:tc>
+                  <a:txBody>
+                    <a:bodyPr/>
+                    <a:lstStyle/>
+                    <a:p>
+                      <a:pPr>
+                        <a:buNone/>
+                      </a:pPr>
+                      <a:r>
+                        <a:rPr lang="en-IN" sz="1100" dirty="0"/>
+                        <a:t>Multi-developer software projects</a:t>
+                      </a:r>
+                    </a:p>
+                  </a:txBody>
+                  <a:tcPr marL="53720" marR="53720" marT="26860" marB="26860" anchor="ctr">
+                    <a:lnL>
+                      <a:noFill/>
+                    </a:lnL>
+                    <a:lnR>
+                      <a:noFill/>
+                    </a:lnR>
+                    <a:lnT>
+                      <a:noFill/>
+                    </a:lnT>
+                    <a:lnB>
+                      <a:noFill/>
+                    </a:lnB>
+                    <a:noFill/>
+                  </a:tcPr>
+                </a:tc>
+                <a:extLst>
+                  <a:ext uri="{0D108BD9-81ED-4DB2-BD59-A6C34878D82A}">
+                    <a16:rowId xmlns:a16="http://schemas.microsoft.com/office/drawing/2014/main" val="925187361"/>
+                  </a:ext>
+                </a:extLst>
+              </a:tr>
+            </a:tbl>
+          </a:graphicData>
+        </a:graphic>
+      </p:graphicFrame>
     </p:spTree>
     <p:extLst>
       <p:ext uri="{BB962C8B-B14F-4D97-AF65-F5344CB8AC3E}">
-        <p14:creationId xmlns:p14="http://schemas.microsoft.com/office/powerpoint/2010/main" val="1243244045"/>
+        <p14:creationId xmlns:p14="http://schemas.microsoft.com/office/powerpoint/2010/main" val="3813013177"/>
       </p:ext>
     </p:extLst>
   </p:cSld>
@@ -3561,7 +5589,7 @@
           <p:cNvPr id="2" name="Title 1">
             <a:extLst>
               <a:ext uri="{FF2B5EF4-FFF2-40B4-BE49-F238E27FC236}">
-                <a16:creationId xmlns:a16="http://schemas.microsoft.com/office/drawing/2014/main" id="{C0274565-49D4-0DFF-D489-C1DDD29C04F6}"/>
+                <a16:creationId xmlns:a16="http://schemas.microsoft.com/office/drawing/2014/main" id="{448A7470-079D-88F8-F7C4-D50A2A379691}"/>
               </a:ext>
             </a:extLst>
           </p:cNvPr>
@@ -3575,74 +5603,88 @@
         <p:spPr>
           <a:xfrm>
             <a:off x="838200" y="365125"/>
-            <a:ext cx="10515600" cy="1037547"/>
+            <a:ext cx="10515600" cy="717951"/>
           </a:xfrm>
         </p:spPr>
         <p:txBody>
-          <a:bodyPr>
-            <a:normAutofit fontScale="90000"/>
-          </a:bodyPr>
-          <a:lstStyle/>
-          <a:p>
-            <a:r>
-              <a:rPr lang="en-US" dirty="0"/>
-              <a:t>HOW GIT STORES INFORMATION ABOUT CHANGES</a:t>
-            </a:r>
-            <a:endParaRPr lang="en-IN" dirty="0"/>
-          </a:p>
-        </p:txBody>
-      </p:sp>
-      <p:sp>
-        <p:nvSpPr>
-          <p:cNvPr id="3" name="Content Placeholder 2">
-            <a:extLst>
-              <a:ext uri="{FF2B5EF4-FFF2-40B4-BE49-F238E27FC236}">
-                <a16:creationId xmlns:a16="http://schemas.microsoft.com/office/drawing/2014/main" id="{52791E52-1BBD-57C1-3E64-EC8DA46EA0DE}"/>
-              </a:ext>
-            </a:extLst>
-          </p:cNvPr>
-          <p:cNvSpPr>
-            <a:spLocks noGrp="1"/>
-          </p:cNvSpPr>
-          <p:nvPr>
-            <p:ph idx="1"/>
-          </p:nvPr>
-        </p:nvSpPr>
-        <p:spPr/>
-        <p:txBody>
           <a:bodyPr/>
           <a:lstStyle/>
           <a:p>
             <a:r>
-              <a:rPr lang="en-US" b="1" dirty="0"/>
-              <a:t>Repository</a:t>
-            </a:r>
+              <a:rPr lang="en-IN" dirty="0"/>
+              <a:t>DISTRIBUTED VERSION CONTROL SYSTEM</a:t>
+            </a:r>
+          </a:p>
+        </p:txBody>
+      </p:sp>
+      <p:sp>
+        <p:nvSpPr>
+          <p:cNvPr id="3" name="Content Placeholder 2">
+            <a:extLst>
+              <a:ext uri="{FF2B5EF4-FFF2-40B4-BE49-F238E27FC236}">
+                <a16:creationId xmlns:a16="http://schemas.microsoft.com/office/drawing/2014/main" id="{EF14AC54-B293-6EC1-841A-330AF7452687}"/>
+              </a:ext>
+            </a:extLst>
+          </p:cNvPr>
+          <p:cNvSpPr>
+            <a:spLocks noGrp="1"/>
+          </p:cNvSpPr>
+          <p:nvPr>
+            <p:ph idx="1"/>
+          </p:nvPr>
+        </p:nvSpPr>
+        <p:spPr>
+          <a:xfrm>
+            <a:off x="452761" y="1020932"/>
+            <a:ext cx="10901039" cy="5156031"/>
+          </a:xfrm>
+        </p:spPr>
+        <p:txBody>
+          <a:bodyPr/>
+          <a:lstStyle/>
+          <a:p>
             <a:r>
               <a:rPr lang="en-US" dirty="0"/>
-              <a:t> is used to contain a project. Git allows users to store several different repositories and track each one independently. Throughout development, the project has several save points, called </a:t>
-            </a:r>
-            <a:r>
-              <a:rPr lang="en-US" b="1" dirty="0"/>
-              <a:t>commits</a:t>
-            </a:r>
-            <a:r>
-              <a:rPr lang="en-US" dirty="0"/>
-              <a:t>. The commit history contains all the commits, i.e., changes implemented in the project during development. A commit allows you to roll back or fast forward the code to any commit in the commit history. </a:t>
-            </a:r>
-          </a:p>
-          <a:p>
-            <a:r>
-              <a:rPr lang="en-US" dirty="0"/>
-              <a:t>Git uses SHA-1 hashes to refer to the commits. Each unique hash points to a particular commit in the repository. Using hashes, Git creates a tree-like structure to store and retrieve data easily.</a:t>
+              <a:t>With distributed version control systems, clients don’t just check out the latest snapshot of the files from the server, they fully mirror the repository, including its full history. Thus, everyone collaborating on a project owns a local copy of the whole project, i.e. owns their own local database with their own complete history. Git is the most well-known example of distributed version control systems.</a:t>
             </a:r>
             <a:endParaRPr lang="en-IN" dirty="0"/>
           </a:p>
         </p:txBody>
       </p:sp>
+      <p:pic>
+        <p:nvPicPr>
+          <p:cNvPr id="5" name="Picture 4">
+            <a:extLst>
+              <a:ext uri="{FF2B5EF4-FFF2-40B4-BE49-F238E27FC236}">
+                <a16:creationId xmlns:a16="http://schemas.microsoft.com/office/drawing/2014/main" id="{189D059F-61D6-F0D5-4BF4-EF67D6F5A39E}"/>
+              </a:ext>
+            </a:extLst>
+          </p:cNvPr>
+          <p:cNvPicPr>
+            <a:picLocks noChangeAspect="1"/>
+          </p:cNvPicPr>
+          <p:nvPr/>
+        </p:nvPicPr>
+        <p:blipFill>
+          <a:blip r:embed="rId2"/>
+          <a:stretch>
+            <a:fillRect/>
+          </a:stretch>
+        </p:blipFill>
+        <p:spPr>
+          <a:xfrm>
+            <a:off x="3404060" y="3350396"/>
+            <a:ext cx="4442845" cy="3406435"/>
+          </a:xfrm>
+          <a:prstGeom prst="rect">
+            <a:avLst/>
+          </a:prstGeom>
+        </p:spPr>
+      </p:pic>
     </p:spTree>
     <p:extLst>
       <p:ext uri="{BB962C8B-B14F-4D97-AF65-F5344CB8AC3E}">
-        <p14:creationId xmlns:p14="http://schemas.microsoft.com/office/powerpoint/2010/main" val="918617877"/>
+        <p14:creationId xmlns:p14="http://schemas.microsoft.com/office/powerpoint/2010/main" val="3712893685"/>
       </p:ext>
     </p:extLst>
   </p:cSld>
@@ -3674,7 +5716,7 @@
           <p:cNvPr id="2" name="Title 1">
             <a:extLst>
               <a:ext uri="{FF2B5EF4-FFF2-40B4-BE49-F238E27FC236}">
-                <a16:creationId xmlns:a16="http://schemas.microsoft.com/office/drawing/2014/main" id="{852F3E58-BA58-40BC-4BDF-A9FE7B127E91}"/>
+                <a16:creationId xmlns:a16="http://schemas.microsoft.com/office/drawing/2014/main" id="{294AFA00-FD46-807E-5DF5-48EEC6DC4BB4}"/>
               </a:ext>
             </a:extLst>
           </p:cNvPr>
@@ -3690,10 +5732,203 @@
           <a:bodyPr/>
           <a:lstStyle/>
           <a:p>
-            <a:endParaRPr lang="en-IN"/>
-          </a:p>
-        </p:txBody>
-      </p:sp>
+            <a:r>
+              <a:rPr lang="en-IN" dirty="0"/>
+              <a:t>Advantages</a:t>
+            </a:r>
+          </a:p>
+        </p:txBody>
+      </p:sp>
+      <p:sp>
+        <p:nvSpPr>
+          <p:cNvPr id="3" name="Content Placeholder 2">
+            <a:extLst>
+              <a:ext uri="{FF2B5EF4-FFF2-40B4-BE49-F238E27FC236}">
+                <a16:creationId xmlns:a16="http://schemas.microsoft.com/office/drawing/2014/main" id="{592AA428-97F9-2B2B-B7FE-125419279EDF}"/>
+              </a:ext>
+            </a:extLst>
+          </p:cNvPr>
+          <p:cNvSpPr>
+            <a:spLocks noGrp="1"/>
+          </p:cNvSpPr>
+          <p:nvPr>
+            <p:ph idx="1"/>
+          </p:nvPr>
+        </p:nvSpPr>
+        <p:spPr/>
+        <p:txBody>
+          <a:bodyPr/>
+          <a:lstStyle/>
+          <a:p>
+            <a:r>
+              <a:rPr lang="en-US" dirty="0"/>
+              <a:t>Reliable backup copies: if the server dies, any of the client repositories can send a copy of the project’s version </a:t>
+            </a:r>
+          </a:p>
+          <a:p>
+            <a:r>
+              <a:rPr lang="en-US" dirty="0"/>
+              <a:t>Fast merging and flexible branching </a:t>
+            </a:r>
+          </a:p>
+          <a:p>
+            <a:r>
+              <a:rPr lang="en-US" dirty="0"/>
+              <a:t>Rapid feedback and fewer merge conflicts </a:t>
+            </a:r>
+          </a:p>
+          <a:p>
+            <a:r>
+              <a:rPr lang="en-US" dirty="0"/>
+              <a:t>Flexibility to work offline</a:t>
+            </a:r>
+            <a:endParaRPr lang="en-IN" dirty="0"/>
+          </a:p>
+        </p:txBody>
+      </p:sp>
+    </p:spTree>
+    <p:extLst>
+      <p:ext uri="{BB962C8B-B14F-4D97-AF65-F5344CB8AC3E}">
+        <p14:creationId xmlns:p14="http://schemas.microsoft.com/office/powerpoint/2010/main" val="1243244045"/>
+      </p:ext>
+    </p:extLst>
+  </p:cSld>
+  <p:clrMapOvr>
+    <a:masterClrMapping/>
+  </p:clrMapOvr>
+</p:sld>
+</file>
+
+<file path=ppt/slides/slide13.xml><?xml version="1.0" encoding="utf-8"?>
+<p:sld xmlns:a="http://schemas.openxmlformats.org/drawingml/2006/main" xmlns:r="http://schemas.openxmlformats.org/officeDocument/2006/relationships" xmlns:p="http://schemas.openxmlformats.org/presentationml/2006/main">
+  <p:cSld>
+    <p:spTree>
+      <p:nvGrpSpPr>
+        <p:cNvPr id="1" name=""/>
+        <p:cNvGrpSpPr/>
+        <p:nvPr/>
+      </p:nvGrpSpPr>
+      <p:grpSpPr>
+        <a:xfrm>
+          <a:off x="0" y="0"/>
+          <a:ext cx="0" cy="0"/>
+          <a:chOff x="0" y="0"/>
+          <a:chExt cx="0" cy="0"/>
+        </a:xfrm>
+      </p:grpSpPr>
+      <p:sp>
+        <p:nvSpPr>
+          <p:cNvPr id="2" name="Title 1">
+            <a:extLst>
+              <a:ext uri="{FF2B5EF4-FFF2-40B4-BE49-F238E27FC236}">
+                <a16:creationId xmlns:a16="http://schemas.microsoft.com/office/drawing/2014/main" id="{C0274565-49D4-0DFF-D489-C1DDD29C04F6}"/>
+              </a:ext>
+            </a:extLst>
+          </p:cNvPr>
+          <p:cNvSpPr>
+            <a:spLocks noGrp="1"/>
+          </p:cNvSpPr>
+          <p:nvPr>
+            <p:ph type="title"/>
+          </p:nvPr>
+        </p:nvSpPr>
+        <p:spPr>
+          <a:xfrm>
+            <a:off x="838200" y="365125"/>
+            <a:ext cx="10515600" cy="1037547"/>
+          </a:xfrm>
+        </p:spPr>
+        <p:txBody>
+          <a:bodyPr>
+            <a:normAutofit fontScale="90000"/>
+          </a:bodyPr>
+          <a:lstStyle/>
+          <a:p>
+            <a:r>
+              <a:rPr lang="en-US" dirty="0"/>
+              <a:t>HOW GIT STORES INFORMATION ABOUT CHANGES</a:t>
+            </a:r>
+            <a:endParaRPr lang="en-IN" dirty="0"/>
+          </a:p>
+        </p:txBody>
+      </p:sp>
+      <p:sp>
+        <p:nvSpPr>
+          <p:cNvPr id="3" name="Content Placeholder 2">
+            <a:extLst>
+              <a:ext uri="{FF2B5EF4-FFF2-40B4-BE49-F238E27FC236}">
+                <a16:creationId xmlns:a16="http://schemas.microsoft.com/office/drawing/2014/main" id="{52791E52-1BBD-57C1-3E64-EC8DA46EA0DE}"/>
+              </a:ext>
+            </a:extLst>
+          </p:cNvPr>
+          <p:cNvSpPr>
+            <a:spLocks noGrp="1"/>
+          </p:cNvSpPr>
+          <p:nvPr>
+            <p:ph idx="1"/>
+          </p:nvPr>
+        </p:nvSpPr>
+        <p:spPr/>
+        <p:txBody>
+          <a:bodyPr/>
+          <a:lstStyle/>
+          <a:p>
+            <a:r>
+              <a:rPr lang="en-US" b="1" dirty="0"/>
+              <a:t>Repository</a:t>
+            </a:r>
+            <a:r>
+              <a:rPr lang="en-US" dirty="0"/>
+              <a:t> is used to contain a project. Git allows users to store several different repositories and track each one independently. Throughout development, the project has several save points, called </a:t>
+            </a:r>
+            <a:r>
+              <a:rPr lang="en-US" b="1" dirty="0"/>
+              <a:t>commits</a:t>
+            </a:r>
+            <a:r>
+              <a:rPr lang="en-US" dirty="0"/>
+              <a:t>. The commit history contains all the commits, i.e., changes implemented in the project during development. A commit allows you to roll back or fast forward the code to any commit in the commit history. </a:t>
+            </a:r>
+          </a:p>
+          <a:p>
+            <a:r>
+              <a:rPr lang="en-US" dirty="0"/>
+              <a:t>Git uses SHA-1 hashes to refer to the commits. Each unique hash points to a particular commit in the repository. Using hashes, Git creates a tree-like structure to store and retrieve data easily.</a:t>
+            </a:r>
+            <a:endParaRPr lang="en-IN" dirty="0"/>
+          </a:p>
+        </p:txBody>
+      </p:sp>
+    </p:spTree>
+    <p:extLst>
+      <p:ext uri="{BB962C8B-B14F-4D97-AF65-F5344CB8AC3E}">
+        <p14:creationId xmlns:p14="http://schemas.microsoft.com/office/powerpoint/2010/main" val="918617877"/>
+      </p:ext>
+    </p:extLst>
+  </p:cSld>
+  <p:clrMapOvr>
+    <a:masterClrMapping/>
+  </p:clrMapOvr>
+</p:sld>
+</file>
+
+<file path=ppt/slides/slide14.xml><?xml version="1.0" encoding="utf-8"?>
+<p:sld xmlns:a="http://schemas.openxmlformats.org/drawingml/2006/main" xmlns:r="http://schemas.openxmlformats.org/officeDocument/2006/relationships" xmlns:p="http://schemas.openxmlformats.org/presentationml/2006/main">
+  <p:cSld>
+    <p:spTree>
+      <p:nvGrpSpPr>
+        <p:cNvPr id="1" name=""/>
+        <p:cNvGrpSpPr/>
+        <p:nvPr/>
+      </p:nvGrpSpPr>
+      <p:grpSpPr>
+        <a:xfrm>
+          <a:off x="0" y="0"/>
+          <a:ext cx="0" cy="0"/>
+          <a:chOff x="0" y="0"/>
+          <a:chExt cx="0" cy="0"/>
+        </a:xfrm>
+      </p:grpSpPr>
       <p:sp>
         <p:nvSpPr>
           <p:cNvPr id="3" name="Content Placeholder 2">
@@ -3834,254 +6069,6 @@
 </p:sld>
 </file>
 
-<file path=ppt/slides/slide13.xml><?xml version="1.0" encoding="utf-8"?>
-<p:sld xmlns:a="http://schemas.openxmlformats.org/drawingml/2006/main" xmlns:r="http://schemas.openxmlformats.org/officeDocument/2006/relationships" xmlns:p="http://schemas.openxmlformats.org/presentationml/2006/main">
-  <p:cSld>
-    <p:spTree>
-      <p:nvGrpSpPr>
-        <p:cNvPr id="1" name=""/>
-        <p:cNvGrpSpPr/>
-        <p:nvPr/>
-      </p:nvGrpSpPr>
-      <p:grpSpPr>
-        <a:xfrm>
-          <a:off x="0" y="0"/>
-          <a:ext cx="0" cy="0"/>
-          <a:chOff x="0" y="0"/>
-          <a:chExt cx="0" cy="0"/>
-        </a:xfrm>
-      </p:grpSpPr>
-      <p:sp>
-        <p:nvSpPr>
-          <p:cNvPr id="2" name="Title 1">
-            <a:extLst>
-              <a:ext uri="{FF2B5EF4-FFF2-40B4-BE49-F238E27FC236}">
-                <a16:creationId xmlns:a16="http://schemas.microsoft.com/office/drawing/2014/main" id="{C099165F-C8DB-D315-C016-2E3DFD0C82CC}"/>
-              </a:ext>
-            </a:extLst>
-          </p:cNvPr>
-          <p:cNvSpPr>
-            <a:spLocks noGrp="1"/>
-          </p:cNvSpPr>
-          <p:nvPr>
-            <p:ph type="title"/>
-          </p:nvPr>
-        </p:nvSpPr>
-        <p:spPr/>
-        <p:txBody>
-          <a:bodyPr/>
-          <a:lstStyle/>
-          <a:p>
-            <a:r>
-              <a:rPr lang="en-US" dirty="0"/>
-              <a:t>Files</a:t>
-            </a:r>
-            <a:endParaRPr lang="en-IN" dirty="0"/>
-          </a:p>
-        </p:txBody>
-      </p:sp>
-      <p:sp>
-        <p:nvSpPr>
-          <p:cNvPr id="3" name="Content Placeholder 2">
-            <a:extLst>
-              <a:ext uri="{FF2B5EF4-FFF2-40B4-BE49-F238E27FC236}">
-                <a16:creationId xmlns:a16="http://schemas.microsoft.com/office/drawing/2014/main" id="{8619A616-7DF6-D4D8-1948-917345A0A000}"/>
-              </a:ext>
-            </a:extLst>
-          </p:cNvPr>
-          <p:cNvSpPr>
-            <a:spLocks noGrp="1"/>
-          </p:cNvSpPr>
-          <p:nvPr>
-            <p:ph idx="1"/>
-          </p:nvPr>
-        </p:nvSpPr>
-        <p:spPr/>
-        <p:txBody>
-          <a:bodyPr/>
-          <a:lstStyle/>
-          <a:p>
-            <a:pPr marL="0" indent="0">
-              <a:buNone/>
-            </a:pPr>
-            <a:r>
-              <a:rPr lang="en-US" dirty="0"/>
-              <a:t>Git sees every file in your working copy as one of three things: </a:t>
-            </a:r>
-          </a:p>
-          <a:p>
-            <a:r>
-              <a:rPr lang="en-US" dirty="0"/>
-              <a:t>tracked - a file which has been previously staged or committed; </a:t>
-            </a:r>
-          </a:p>
-          <a:p>
-            <a:r>
-              <a:rPr lang="en-US" dirty="0"/>
-              <a:t>untracked - a file which has not been staged or committed; </a:t>
-            </a:r>
-          </a:p>
-          <a:p>
-            <a:r>
-              <a:rPr lang="en-US" dirty="0"/>
-              <a:t>ignored - a file which Git has been explicitly told to ignore.</a:t>
-            </a:r>
-            <a:endParaRPr lang="en-IN" dirty="0"/>
-          </a:p>
-        </p:txBody>
-      </p:sp>
-    </p:spTree>
-    <p:extLst>
-      <p:ext uri="{BB962C8B-B14F-4D97-AF65-F5344CB8AC3E}">
-        <p14:creationId xmlns:p14="http://schemas.microsoft.com/office/powerpoint/2010/main" val="2920832962"/>
-      </p:ext>
-    </p:extLst>
-  </p:cSld>
-  <p:clrMapOvr>
-    <a:masterClrMapping/>
-  </p:clrMapOvr>
-</p:sld>
-</file>
-
-<file path=ppt/slides/slide14.xml><?xml version="1.0" encoding="utf-8"?>
-<p:sld xmlns:a="http://schemas.openxmlformats.org/drawingml/2006/main" xmlns:r="http://schemas.openxmlformats.org/officeDocument/2006/relationships" xmlns:p="http://schemas.openxmlformats.org/presentationml/2006/main">
-  <p:cSld>
-    <p:spTree>
-      <p:nvGrpSpPr>
-        <p:cNvPr id="1" name=""/>
-        <p:cNvGrpSpPr/>
-        <p:nvPr/>
-      </p:nvGrpSpPr>
-      <p:grpSpPr>
-        <a:xfrm>
-          <a:off x="0" y="0"/>
-          <a:ext cx="0" cy="0"/>
-          <a:chOff x="0" y="0"/>
-          <a:chExt cx="0" cy="0"/>
-        </a:xfrm>
-      </p:grpSpPr>
-      <p:sp>
-        <p:nvSpPr>
-          <p:cNvPr id="2" name="Title 1">
-            <a:extLst>
-              <a:ext uri="{FF2B5EF4-FFF2-40B4-BE49-F238E27FC236}">
-                <a16:creationId xmlns:a16="http://schemas.microsoft.com/office/drawing/2014/main" id="{3C2273C6-6FAC-C4C4-112E-7F4530980637}"/>
-              </a:ext>
-            </a:extLst>
-          </p:cNvPr>
-          <p:cNvSpPr>
-            <a:spLocks noGrp="1"/>
-          </p:cNvSpPr>
-          <p:nvPr>
-            <p:ph type="title"/>
-          </p:nvPr>
-        </p:nvSpPr>
-        <p:spPr/>
-        <p:txBody>
-          <a:bodyPr/>
-          <a:lstStyle/>
-          <a:p>
-            <a:pPr algn="ctr"/>
-            <a:r>
-              <a:rPr lang="en-IN" dirty="0"/>
-              <a:t>Connecting git with GitHub</a:t>
-            </a:r>
-          </a:p>
-        </p:txBody>
-      </p:sp>
-      <p:sp>
-        <p:nvSpPr>
-          <p:cNvPr id="3" name="Content Placeholder 2">
-            <a:extLst>
-              <a:ext uri="{FF2B5EF4-FFF2-40B4-BE49-F238E27FC236}">
-                <a16:creationId xmlns:a16="http://schemas.microsoft.com/office/drawing/2014/main" id="{C3C30793-44F0-EAE4-1CD8-51702DAA844C}"/>
-              </a:ext>
-            </a:extLst>
-          </p:cNvPr>
-          <p:cNvSpPr>
-            <a:spLocks noGrp="1"/>
-          </p:cNvSpPr>
-          <p:nvPr>
-            <p:ph idx="1"/>
-          </p:nvPr>
-        </p:nvSpPr>
-        <p:spPr/>
-        <p:txBody>
-          <a:bodyPr/>
-          <a:lstStyle/>
-          <a:p>
-            <a:r>
-              <a:rPr lang="en-US" dirty="0"/>
-              <a:t>In order to prevent having to enter your password each time you push up to </a:t>
-            </a:r>
-            <a:r>
-              <a:rPr lang="en-US" dirty="0" err="1"/>
-              <a:t>Github</a:t>
-            </a:r>
-            <a:r>
-              <a:rPr lang="en-US" dirty="0"/>
-              <a:t>, you must configure git and </a:t>
-            </a:r>
-            <a:r>
-              <a:rPr lang="en-US" dirty="0" err="1"/>
-              <a:t>Github</a:t>
-            </a:r>
-            <a:r>
-              <a:rPr lang="en-US" dirty="0"/>
-              <a:t> to recognize Secured Shell (SSH) keys that you generate. </a:t>
-            </a:r>
-          </a:p>
-          <a:p>
-            <a:r>
-              <a:rPr lang="en-US" dirty="0"/>
-              <a:t>To check and see if you have any recognized SSH keys active on </a:t>
-            </a:r>
-            <a:r>
-              <a:rPr lang="en-US" dirty="0" err="1"/>
-              <a:t>Github</a:t>
-            </a:r>
-            <a:r>
-              <a:rPr lang="en-US" dirty="0"/>
-              <a:t>, go to </a:t>
-            </a:r>
-            <a:r>
-              <a:rPr lang="en-US" dirty="0">
-                <a:hlinkClick r:id="rId2"/>
-              </a:rPr>
-              <a:t>https://github.com/settings/keys</a:t>
-            </a:r>
-            <a:endParaRPr lang="en-US" dirty="0"/>
-          </a:p>
-          <a:p>
-            <a:r>
-              <a:rPr lang="en-US" dirty="0"/>
-              <a:t>If you do not see any SSH keys listed, you do not have SSH configured with </a:t>
-            </a:r>
-            <a:r>
-              <a:rPr lang="en-US" dirty="0" err="1"/>
-              <a:t>Github</a:t>
-            </a:r>
-            <a:r>
-              <a:rPr lang="en-US" dirty="0"/>
-              <a:t>.</a:t>
-            </a:r>
-            <a:endParaRPr lang="en-IN" dirty="0"/>
-          </a:p>
-        </p:txBody>
-      </p:sp>
-    </p:spTree>
-    <p:extLst>
-      <p:ext uri="{BB962C8B-B14F-4D97-AF65-F5344CB8AC3E}">
-        <p14:creationId xmlns:p14="http://schemas.microsoft.com/office/powerpoint/2010/main" val="1451079296"/>
-      </p:ext>
-    </p:extLst>
-  </p:cSld>
-  <p:clrMapOvr>
-    <a:masterClrMapping/>
-  </p:clrMapOvr>
-</p:sld>
-</file>
-
 <file path=ppt/slides/slide15.xml><?xml version="1.0" encoding="utf-8"?>
 <p:sld xmlns:a="http://schemas.openxmlformats.org/drawingml/2006/main" xmlns:r="http://schemas.openxmlformats.org/officeDocument/2006/relationships" xmlns:p="http://schemas.openxmlformats.org/presentationml/2006/main">
   <p:cSld>
@@ -4099,133 +6086,40 @@
           <a:chExt cx="0" cy="0"/>
         </a:xfrm>
       </p:grpSpPr>
-      <p:sp>
-        <p:nvSpPr>
-          <p:cNvPr id="2" name="Title 1">
-            <a:extLst>
-              <a:ext uri="{FF2B5EF4-FFF2-40B4-BE49-F238E27FC236}">
-                <a16:creationId xmlns:a16="http://schemas.microsoft.com/office/drawing/2014/main" id="{4A29579E-2BBC-14B6-7F13-52A272270FB7}"/>
-              </a:ext>
-            </a:extLst>
-          </p:cNvPr>
-          <p:cNvSpPr>
-            <a:spLocks noGrp="1"/>
-          </p:cNvSpPr>
-          <p:nvPr>
-            <p:ph type="title"/>
-          </p:nvPr>
-        </p:nvSpPr>
-        <p:spPr/>
-        <p:txBody>
-          <a:bodyPr/>
-          <a:lstStyle/>
-          <a:p>
-            <a:pPr algn="ctr"/>
-            <a:r>
-              <a:rPr lang="en-IN" dirty="0"/>
-              <a:t>Creating a Git repo</a:t>
-            </a:r>
-          </a:p>
-        </p:txBody>
-      </p:sp>
-      <p:sp>
-        <p:nvSpPr>
-          <p:cNvPr id="3" name="Content Placeholder 2">
-            <a:extLst>
-              <a:ext uri="{FF2B5EF4-FFF2-40B4-BE49-F238E27FC236}">
-                <a16:creationId xmlns:a16="http://schemas.microsoft.com/office/drawing/2014/main" id="{360E83A9-118E-FBA4-5A65-B2811561EB2D}"/>
-              </a:ext>
-            </a:extLst>
-          </p:cNvPr>
-          <p:cNvSpPr>
-            <a:spLocks noGrp="1"/>
-          </p:cNvSpPr>
-          <p:nvPr>
-            <p:ph idx="1"/>
-          </p:nvPr>
-        </p:nvSpPr>
-        <p:spPr/>
-        <p:txBody>
-          <a:bodyPr/>
-          <a:lstStyle/>
-          <a:p>
-            <a:pPr marL="0" indent="0">
-              <a:buNone/>
-            </a:pPr>
-            <a:r>
-              <a:rPr lang="en-US" b="1" dirty="0"/>
-              <a:t>2 Ways</a:t>
-            </a:r>
-          </a:p>
-          <a:p>
-            <a:pPr marL="514350" indent="-514350">
-              <a:buAutoNum type="arabicPeriod"/>
-            </a:pPr>
-            <a:r>
-              <a:rPr lang="en-US" dirty="0"/>
-              <a:t>To create a new local Git repo in your current directory: </a:t>
-            </a:r>
-          </a:p>
-          <a:p>
-            <a:pPr marL="0" indent="0">
-              <a:buNone/>
-            </a:pPr>
-            <a:r>
-              <a:rPr lang="en-US" dirty="0"/>
-              <a:t>       – git </a:t>
-            </a:r>
-            <a:r>
-              <a:rPr lang="en-US" dirty="0" err="1"/>
-              <a:t>init</a:t>
-            </a:r>
-            <a:r>
-              <a:rPr lang="en-US" dirty="0"/>
-              <a:t> </a:t>
-            </a:r>
-          </a:p>
-          <a:p>
-            <a:pPr marL="0" indent="0">
-              <a:buNone/>
-            </a:pPr>
-            <a:r>
-              <a:rPr lang="en-US" dirty="0"/>
-              <a:t>	• This will create a .git directory in your current directory. </a:t>
-            </a:r>
-          </a:p>
-          <a:p>
-            <a:pPr marL="0" indent="0">
-              <a:buNone/>
-            </a:pPr>
-            <a:r>
-              <a:rPr lang="en-US" dirty="0"/>
-              <a:t>	• Then you can commit files in that directory into the repo.</a:t>
-            </a:r>
-          </a:p>
-          <a:p>
-            <a:pPr marL="0" indent="0">
-              <a:buNone/>
-            </a:pPr>
-            <a:r>
-              <a:rPr lang="en-US" dirty="0"/>
-              <a:t> – git add filename </a:t>
-            </a:r>
-          </a:p>
-          <a:p>
-            <a:pPr marL="0" indent="0">
-              <a:buNone/>
-            </a:pPr>
-            <a:r>
-              <a:rPr lang="en-US" dirty="0"/>
-              <a:t>– git commit –m "commit message" </a:t>
-            </a:r>
-            <a:endParaRPr lang="en-IN" dirty="0"/>
-          </a:p>
-        </p:txBody>
-      </p:sp>
+      <p:pic>
+        <p:nvPicPr>
+          <p:cNvPr id="6" name="Picture 5">
+            <a:extLst>
+              <a:ext uri="{FF2B5EF4-FFF2-40B4-BE49-F238E27FC236}">
+                <a16:creationId xmlns:a16="http://schemas.microsoft.com/office/drawing/2014/main" id="{77C851EA-15AA-8581-7DB8-5F9DAD9C1A6A}"/>
+              </a:ext>
+            </a:extLst>
+          </p:cNvPr>
+          <p:cNvPicPr>
+            <a:picLocks noChangeAspect="1"/>
+          </p:cNvPicPr>
+          <p:nvPr/>
+        </p:nvPicPr>
+        <p:blipFill>
+          <a:blip r:embed="rId2"/>
+          <a:stretch>
+            <a:fillRect/>
+          </a:stretch>
+        </p:blipFill>
+        <p:spPr>
+          <a:xfrm>
+            <a:off x="895350" y="728662"/>
+            <a:ext cx="10401300" cy="5400675"/>
+          </a:xfrm>
+          <a:prstGeom prst="rect">
+            <a:avLst/>
+          </a:prstGeom>
+        </p:spPr>
+      </p:pic>
     </p:spTree>
     <p:extLst>
       <p:ext uri="{BB962C8B-B14F-4D97-AF65-F5344CB8AC3E}">
-        <p14:creationId xmlns:p14="http://schemas.microsoft.com/office/powerpoint/2010/main" val="1556934264"/>
+        <p14:creationId xmlns:p14="http://schemas.microsoft.com/office/powerpoint/2010/main" val="1409303182"/>
       </p:ext>
     </p:extLst>
   </p:cSld>
@@ -4257,6 +6151,601 @@
           <p:cNvPr id="2" name="Title 1">
             <a:extLst>
               <a:ext uri="{FF2B5EF4-FFF2-40B4-BE49-F238E27FC236}">
+                <a16:creationId xmlns:a16="http://schemas.microsoft.com/office/drawing/2014/main" id="{318188CA-C638-2C10-C496-5780D1A1726C}"/>
+              </a:ext>
+            </a:extLst>
+          </p:cNvPr>
+          <p:cNvSpPr>
+            <a:spLocks noGrp="1"/>
+          </p:cNvSpPr>
+          <p:nvPr>
+            <p:ph type="title"/>
+          </p:nvPr>
+        </p:nvSpPr>
+        <p:spPr/>
+        <p:txBody>
+          <a:bodyPr/>
+          <a:lstStyle/>
+          <a:p>
+            <a:endParaRPr lang="en-IN"/>
+          </a:p>
+        </p:txBody>
+      </p:sp>
+      <p:pic>
+        <p:nvPicPr>
+          <p:cNvPr id="5" name="Content Placeholder 4">
+            <a:extLst>
+              <a:ext uri="{FF2B5EF4-FFF2-40B4-BE49-F238E27FC236}">
+                <a16:creationId xmlns:a16="http://schemas.microsoft.com/office/drawing/2014/main" id="{AD9F3F8D-48DD-BE39-4121-6D418B2FB459}"/>
+              </a:ext>
+            </a:extLst>
+          </p:cNvPr>
+          <p:cNvPicPr>
+            <a:picLocks noGrp="1" noChangeAspect="1"/>
+          </p:cNvPicPr>
+          <p:nvPr>
+            <p:ph idx="1"/>
+          </p:nvPr>
+        </p:nvPicPr>
+        <p:blipFill>
+          <a:blip r:embed="rId2"/>
+          <a:stretch>
+            <a:fillRect/>
+          </a:stretch>
+        </p:blipFill>
+        <p:spPr>
+          <a:xfrm>
+            <a:off x="952500" y="2486819"/>
+            <a:ext cx="10287000" cy="3028950"/>
+          </a:xfrm>
+          <a:prstGeom prst="rect">
+            <a:avLst/>
+          </a:prstGeom>
+        </p:spPr>
+      </p:pic>
+    </p:spTree>
+    <p:extLst>
+      <p:ext uri="{BB962C8B-B14F-4D97-AF65-F5344CB8AC3E}">
+        <p14:creationId xmlns:p14="http://schemas.microsoft.com/office/powerpoint/2010/main" val="3792216269"/>
+      </p:ext>
+    </p:extLst>
+  </p:cSld>
+  <p:clrMapOvr>
+    <a:masterClrMapping/>
+  </p:clrMapOvr>
+</p:sld>
+</file>
+
+<file path=ppt/slides/slide17.xml><?xml version="1.0" encoding="utf-8"?>
+<p:sld xmlns:a="http://schemas.openxmlformats.org/drawingml/2006/main" xmlns:r="http://schemas.openxmlformats.org/officeDocument/2006/relationships" xmlns:p="http://schemas.openxmlformats.org/presentationml/2006/main">
+  <p:cSld>
+    <p:spTree>
+      <p:nvGrpSpPr>
+        <p:cNvPr id="1" name=""/>
+        <p:cNvGrpSpPr/>
+        <p:nvPr/>
+      </p:nvGrpSpPr>
+      <p:grpSpPr>
+        <a:xfrm>
+          <a:off x="0" y="0"/>
+          <a:ext cx="0" cy="0"/>
+          <a:chOff x="0" y="0"/>
+          <a:chExt cx="0" cy="0"/>
+        </a:xfrm>
+      </p:grpSpPr>
+      <p:sp>
+        <p:nvSpPr>
+          <p:cNvPr id="2" name="Title 1">
+            <a:extLst>
+              <a:ext uri="{FF2B5EF4-FFF2-40B4-BE49-F238E27FC236}">
+                <a16:creationId xmlns:a16="http://schemas.microsoft.com/office/drawing/2014/main" id="{C099165F-C8DB-D315-C016-2E3DFD0C82CC}"/>
+              </a:ext>
+            </a:extLst>
+          </p:cNvPr>
+          <p:cNvSpPr>
+            <a:spLocks noGrp="1"/>
+          </p:cNvSpPr>
+          <p:nvPr>
+            <p:ph type="title"/>
+          </p:nvPr>
+        </p:nvSpPr>
+        <p:spPr/>
+        <p:txBody>
+          <a:bodyPr/>
+          <a:lstStyle/>
+          <a:p>
+            <a:r>
+              <a:rPr lang="en-US" dirty="0"/>
+              <a:t>Files</a:t>
+            </a:r>
+            <a:endParaRPr lang="en-IN" dirty="0"/>
+          </a:p>
+        </p:txBody>
+      </p:sp>
+      <p:sp>
+        <p:nvSpPr>
+          <p:cNvPr id="3" name="Content Placeholder 2">
+            <a:extLst>
+              <a:ext uri="{FF2B5EF4-FFF2-40B4-BE49-F238E27FC236}">
+                <a16:creationId xmlns:a16="http://schemas.microsoft.com/office/drawing/2014/main" id="{8619A616-7DF6-D4D8-1948-917345A0A000}"/>
+              </a:ext>
+            </a:extLst>
+          </p:cNvPr>
+          <p:cNvSpPr>
+            <a:spLocks noGrp="1"/>
+          </p:cNvSpPr>
+          <p:nvPr>
+            <p:ph idx="1"/>
+          </p:nvPr>
+        </p:nvSpPr>
+        <p:spPr/>
+        <p:txBody>
+          <a:bodyPr/>
+          <a:lstStyle/>
+          <a:p>
+            <a:pPr marL="0" indent="0">
+              <a:buNone/>
+            </a:pPr>
+            <a:r>
+              <a:rPr lang="en-US" dirty="0"/>
+              <a:t>Git sees every file in your working copy as one of three things: </a:t>
+            </a:r>
+          </a:p>
+          <a:p>
+            <a:r>
+              <a:rPr lang="en-US" dirty="0"/>
+              <a:t>tracked - a file which has been previously staged or committed; </a:t>
+            </a:r>
+          </a:p>
+          <a:p>
+            <a:r>
+              <a:rPr lang="en-US" dirty="0"/>
+              <a:t>untracked - a file which has not been staged or committed; </a:t>
+            </a:r>
+          </a:p>
+          <a:p>
+            <a:r>
+              <a:rPr lang="en-US" dirty="0"/>
+              <a:t>ignored - a file which Git has been explicitly told to ignore.</a:t>
+            </a:r>
+            <a:endParaRPr lang="en-IN" dirty="0"/>
+          </a:p>
+        </p:txBody>
+      </p:sp>
+    </p:spTree>
+    <p:extLst>
+      <p:ext uri="{BB962C8B-B14F-4D97-AF65-F5344CB8AC3E}">
+        <p14:creationId xmlns:p14="http://schemas.microsoft.com/office/powerpoint/2010/main" val="2920832962"/>
+      </p:ext>
+    </p:extLst>
+  </p:cSld>
+  <p:clrMapOvr>
+    <a:masterClrMapping/>
+  </p:clrMapOvr>
+</p:sld>
+</file>
+
+<file path=ppt/slides/slide18.xml><?xml version="1.0" encoding="utf-8"?>
+<p:sld xmlns:a="http://schemas.openxmlformats.org/drawingml/2006/main" xmlns:r="http://schemas.openxmlformats.org/officeDocument/2006/relationships" xmlns:p="http://schemas.openxmlformats.org/presentationml/2006/main">
+  <p:cSld>
+    <p:spTree>
+      <p:nvGrpSpPr>
+        <p:cNvPr id="1" name=""/>
+        <p:cNvGrpSpPr/>
+        <p:nvPr/>
+      </p:nvGrpSpPr>
+      <p:grpSpPr>
+        <a:xfrm>
+          <a:off x="0" y="0"/>
+          <a:ext cx="0" cy="0"/>
+          <a:chOff x="0" y="0"/>
+          <a:chExt cx="0" cy="0"/>
+        </a:xfrm>
+      </p:grpSpPr>
+      <p:sp>
+        <p:nvSpPr>
+          <p:cNvPr id="2" name="Title 1">
+            <a:extLst>
+              <a:ext uri="{FF2B5EF4-FFF2-40B4-BE49-F238E27FC236}">
+                <a16:creationId xmlns:a16="http://schemas.microsoft.com/office/drawing/2014/main" id="{3C2273C6-6FAC-C4C4-112E-7F4530980637}"/>
+              </a:ext>
+            </a:extLst>
+          </p:cNvPr>
+          <p:cNvSpPr>
+            <a:spLocks noGrp="1"/>
+          </p:cNvSpPr>
+          <p:nvPr>
+            <p:ph type="title"/>
+          </p:nvPr>
+        </p:nvSpPr>
+        <p:spPr/>
+        <p:txBody>
+          <a:bodyPr/>
+          <a:lstStyle/>
+          <a:p>
+            <a:pPr algn="ctr"/>
+            <a:r>
+              <a:rPr lang="en-IN" dirty="0"/>
+              <a:t>Connecting git with GitHub</a:t>
+            </a:r>
+          </a:p>
+        </p:txBody>
+      </p:sp>
+      <p:sp>
+        <p:nvSpPr>
+          <p:cNvPr id="3" name="Content Placeholder 2">
+            <a:extLst>
+              <a:ext uri="{FF2B5EF4-FFF2-40B4-BE49-F238E27FC236}">
+                <a16:creationId xmlns:a16="http://schemas.microsoft.com/office/drawing/2014/main" id="{C3C30793-44F0-EAE4-1CD8-51702DAA844C}"/>
+              </a:ext>
+            </a:extLst>
+          </p:cNvPr>
+          <p:cNvSpPr>
+            <a:spLocks noGrp="1"/>
+          </p:cNvSpPr>
+          <p:nvPr>
+            <p:ph idx="1"/>
+          </p:nvPr>
+        </p:nvSpPr>
+        <p:spPr/>
+        <p:txBody>
+          <a:bodyPr/>
+          <a:lstStyle/>
+          <a:p>
+            <a:r>
+              <a:rPr lang="en-US" dirty="0"/>
+              <a:t>In order to prevent having to enter your password each time you push up to </a:t>
+            </a:r>
+            <a:r>
+              <a:rPr lang="en-US" dirty="0" err="1"/>
+              <a:t>Github</a:t>
+            </a:r>
+            <a:r>
+              <a:rPr lang="en-US" dirty="0"/>
+              <a:t>, you must configure git and </a:t>
+            </a:r>
+            <a:r>
+              <a:rPr lang="en-US" dirty="0" err="1"/>
+              <a:t>Github</a:t>
+            </a:r>
+            <a:r>
+              <a:rPr lang="en-US" dirty="0"/>
+              <a:t> to recognize Secured Shell (SSH) keys that you generate. </a:t>
+            </a:r>
+          </a:p>
+          <a:p>
+            <a:r>
+              <a:rPr lang="en-US" dirty="0"/>
+              <a:t>To check and see if you have any recognized SSH keys active on </a:t>
+            </a:r>
+            <a:r>
+              <a:rPr lang="en-US" dirty="0" err="1"/>
+              <a:t>Github</a:t>
+            </a:r>
+            <a:r>
+              <a:rPr lang="en-US" dirty="0"/>
+              <a:t>, go to </a:t>
+            </a:r>
+            <a:r>
+              <a:rPr lang="en-US" dirty="0">
+                <a:hlinkClick r:id="rId2"/>
+              </a:rPr>
+              <a:t>https://github.com/settings/keys</a:t>
+            </a:r>
+            <a:endParaRPr lang="en-US" dirty="0"/>
+          </a:p>
+          <a:p>
+            <a:r>
+              <a:rPr lang="en-US" dirty="0"/>
+              <a:t>If you do not see any SSH keys listed, you do not have SSH configured with </a:t>
+            </a:r>
+            <a:r>
+              <a:rPr lang="en-US" dirty="0" err="1"/>
+              <a:t>Github</a:t>
+            </a:r>
+            <a:r>
+              <a:rPr lang="en-US" dirty="0"/>
+              <a:t>.</a:t>
+            </a:r>
+            <a:endParaRPr lang="en-IN" dirty="0"/>
+          </a:p>
+        </p:txBody>
+      </p:sp>
+    </p:spTree>
+    <p:extLst>
+      <p:ext uri="{BB962C8B-B14F-4D97-AF65-F5344CB8AC3E}">
+        <p14:creationId xmlns:p14="http://schemas.microsoft.com/office/powerpoint/2010/main" val="1451079296"/>
+      </p:ext>
+    </p:extLst>
+  </p:cSld>
+  <p:clrMapOvr>
+    <a:masterClrMapping/>
+  </p:clrMapOvr>
+</p:sld>
+</file>
+
+<file path=ppt/slides/slide19.xml><?xml version="1.0" encoding="utf-8"?>
+<p:sld xmlns:a="http://schemas.openxmlformats.org/drawingml/2006/main" xmlns:r="http://schemas.openxmlformats.org/officeDocument/2006/relationships" xmlns:p="http://schemas.openxmlformats.org/presentationml/2006/main">
+  <p:cSld>
+    <p:spTree>
+      <p:nvGrpSpPr>
+        <p:cNvPr id="1" name=""/>
+        <p:cNvGrpSpPr/>
+        <p:nvPr/>
+      </p:nvGrpSpPr>
+      <p:grpSpPr>
+        <a:xfrm>
+          <a:off x="0" y="0"/>
+          <a:ext cx="0" cy="0"/>
+          <a:chOff x="0" y="0"/>
+          <a:chExt cx="0" cy="0"/>
+        </a:xfrm>
+      </p:grpSpPr>
+      <p:sp>
+        <p:nvSpPr>
+          <p:cNvPr id="2" name="Title 1">
+            <a:extLst>
+              <a:ext uri="{FF2B5EF4-FFF2-40B4-BE49-F238E27FC236}">
+                <a16:creationId xmlns:a16="http://schemas.microsoft.com/office/drawing/2014/main" id="{4A29579E-2BBC-14B6-7F13-52A272270FB7}"/>
+              </a:ext>
+            </a:extLst>
+          </p:cNvPr>
+          <p:cNvSpPr>
+            <a:spLocks noGrp="1"/>
+          </p:cNvSpPr>
+          <p:nvPr>
+            <p:ph type="title"/>
+          </p:nvPr>
+        </p:nvSpPr>
+        <p:spPr/>
+        <p:txBody>
+          <a:bodyPr/>
+          <a:lstStyle/>
+          <a:p>
+            <a:pPr algn="ctr"/>
+            <a:r>
+              <a:rPr lang="en-IN" dirty="0"/>
+              <a:t>Creating a Git repo</a:t>
+            </a:r>
+          </a:p>
+        </p:txBody>
+      </p:sp>
+      <p:sp>
+        <p:nvSpPr>
+          <p:cNvPr id="3" name="Content Placeholder 2">
+            <a:extLst>
+              <a:ext uri="{FF2B5EF4-FFF2-40B4-BE49-F238E27FC236}">
+                <a16:creationId xmlns:a16="http://schemas.microsoft.com/office/drawing/2014/main" id="{360E83A9-118E-FBA4-5A65-B2811561EB2D}"/>
+              </a:ext>
+            </a:extLst>
+          </p:cNvPr>
+          <p:cNvSpPr>
+            <a:spLocks noGrp="1"/>
+          </p:cNvSpPr>
+          <p:nvPr>
+            <p:ph idx="1"/>
+          </p:nvPr>
+        </p:nvSpPr>
+        <p:spPr/>
+        <p:txBody>
+          <a:bodyPr/>
+          <a:lstStyle/>
+          <a:p>
+            <a:pPr marL="0" indent="0">
+              <a:buNone/>
+            </a:pPr>
+            <a:r>
+              <a:rPr lang="en-US" b="1" dirty="0"/>
+              <a:t>2 Ways</a:t>
+            </a:r>
+          </a:p>
+          <a:p>
+            <a:pPr marL="514350" indent="-514350">
+              <a:buAutoNum type="arabicPeriod"/>
+            </a:pPr>
+            <a:r>
+              <a:rPr lang="en-US" dirty="0"/>
+              <a:t>To create a new local Git repo in your current directory: </a:t>
+            </a:r>
+          </a:p>
+          <a:p>
+            <a:pPr marL="0" indent="0">
+              <a:buNone/>
+            </a:pPr>
+            <a:r>
+              <a:rPr lang="en-US" dirty="0"/>
+              <a:t>       – git </a:t>
+            </a:r>
+            <a:r>
+              <a:rPr lang="en-US" dirty="0" err="1"/>
+              <a:t>init</a:t>
+            </a:r>
+            <a:r>
+              <a:rPr lang="en-US" dirty="0"/>
+              <a:t> </a:t>
+            </a:r>
+          </a:p>
+          <a:p>
+            <a:pPr marL="0" indent="0">
+              <a:buNone/>
+            </a:pPr>
+            <a:r>
+              <a:rPr lang="en-US" dirty="0"/>
+              <a:t>	• This will create a .git directory in your current directory. </a:t>
+            </a:r>
+          </a:p>
+          <a:p>
+            <a:pPr marL="0" indent="0">
+              <a:buNone/>
+            </a:pPr>
+            <a:r>
+              <a:rPr lang="en-US" dirty="0"/>
+              <a:t>	• Then you can commit files in that directory into the repo.</a:t>
+            </a:r>
+          </a:p>
+          <a:p>
+            <a:pPr marL="0" indent="0">
+              <a:buNone/>
+            </a:pPr>
+            <a:r>
+              <a:rPr lang="en-US" dirty="0"/>
+              <a:t> – git add filename </a:t>
+            </a:r>
+          </a:p>
+          <a:p>
+            <a:pPr marL="0" indent="0">
+              <a:buNone/>
+            </a:pPr>
+            <a:r>
+              <a:rPr lang="en-US" dirty="0"/>
+              <a:t>– git commit –m "commit message" </a:t>
+            </a:r>
+            <a:endParaRPr lang="en-IN" dirty="0"/>
+          </a:p>
+        </p:txBody>
+      </p:sp>
+    </p:spTree>
+    <p:extLst>
+      <p:ext uri="{BB962C8B-B14F-4D97-AF65-F5344CB8AC3E}">
+        <p14:creationId xmlns:p14="http://schemas.microsoft.com/office/powerpoint/2010/main" val="1556934264"/>
+      </p:ext>
+    </p:extLst>
+  </p:cSld>
+  <p:clrMapOvr>
+    <a:masterClrMapping/>
+  </p:clrMapOvr>
+</p:sld>
+</file>
+
+<file path=ppt/slides/slide2.xml><?xml version="1.0" encoding="utf-8"?>
+<p:sld xmlns:a="http://schemas.openxmlformats.org/drawingml/2006/main" xmlns:r="http://schemas.openxmlformats.org/officeDocument/2006/relationships" xmlns:p="http://schemas.openxmlformats.org/presentationml/2006/main">
+  <p:cSld>
+    <p:spTree>
+      <p:nvGrpSpPr>
+        <p:cNvPr id="1" name=""/>
+        <p:cNvGrpSpPr/>
+        <p:nvPr/>
+      </p:nvGrpSpPr>
+      <p:grpSpPr>
+        <a:xfrm>
+          <a:off x="0" y="0"/>
+          <a:ext cx="0" cy="0"/>
+          <a:chOff x="0" y="0"/>
+          <a:chExt cx="0" cy="0"/>
+        </a:xfrm>
+      </p:grpSpPr>
+      <p:sp>
+        <p:nvSpPr>
+          <p:cNvPr id="2" name="Title 1">
+            <a:extLst>
+              <a:ext uri="{FF2B5EF4-FFF2-40B4-BE49-F238E27FC236}">
+                <a16:creationId xmlns:a16="http://schemas.microsoft.com/office/drawing/2014/main" id="{47B7ABC0-1AF7-6BE0-29B9-33D234FEB32C}"/>
+              </a:ext>
+            </a:extLst>
+          </p:cNvPr>
+          <p:cNvSpPr>
+            <a:spLocks noGrp="1"/>
+          </p:cNvSpPr>
+          <p:nvPr>
+            <p:ph type="title"/>
+          </p:nvPr>
+        </p:nvSpPr>
+        <p:spPr/>
+        <p:txBody>
+          <a:bodyPr/>
+          <a:lstStyle/>
+          <a:p>
+            <a:pPr algn="ctr"/>
+            <a:r>
+              <a:rPr lang="en-IN" dirty="0"/>
+              <a:t>What is Git?</a:t>
+            </a:r>
+          </a:p>
+        </p:txBody>
+      </p:sp>
+      <p:sp>
+        <p:nvSpPr>
+          <p:cNvPr id="3" name="Content Placeholder 2">
+            <a:extLst>
+              <a:ext uri="{FF2B5EF4-FFF2-40B4-BE49-F238E27FC236}">
+                <a16:creationId xmlns:a16="http://schemas.microsoft.com/office/drawing/2014/main" id="{BE1D56FB-B600-BBE7-0B90-E550F843B614}"/>
+              </a:ext>
+            </a:extLst>
+          </p:cNvPr>
+          <p:cNvSpPr>
+            <a:spLocks noGrp="1"/>
+          </p:cNvSpPr>
+          <p:nvPr>
+            <p:ph idx="1"/>
+          </p:nvPr>
+        </p:nvSpPr>
+        <p:spPr>
+          <a:xfrm>
+            <a:off x="838200" y="1198485"/>
+            <a:ext cx="10515600" cy="4978478"/>
+          </a:xfrm>
+        </p:spPr>
+        <p:txBody>
+          <a:bodyPr>
+            <a:normAutofit/>
+          </a:bodyPr>
+          <a:lstStyle/>
+          <a:p>
+            <a:r>
+              <a:rPr lang="en-US" dirty="0"/>
+              <a:t>Git is a Version Control System (VCS) designed to make it easier to have multiple versions of a code base, sometimes across multiple developers or teams. </a:t>
+            </a:r>
+          </a:p>
+          <a:p>
+            <a:r>
+              <a:rPr lang="en-US" dirty="0"/>
+              <a:t>It allows you to see changes you make to your code and easily revert them.</a:t>
+            </a:r>
+          </a:p>
+          <a:p>
+            <a:r>
+              <a:rPr lang="en-US" dirty="0"/>
+              <a:t>VC, also known as source control, is a software that tracks and manages changes to files over time. Allows revisit earlier versions of the files, compare changes between versions, undo changes, etc. </a:t>
+            </a:r>
+            <a:endParaRPr lang="en-IN" dirty="0"/>
+          </a:p>
+        </p:txBody>
+      </p:sp>
+    </p:spTree>
+    <p:extLst>
+      <p:ext uri="{BB962C8B-B14F-4D97-AF65-F5344CB8AC3E}">
+        <p14:creationId xmlns:p14="http://schemas.microsoft.com/office/powerpoint/2010/main" val="47119199"/>
+      </p:ext>
+    </p:extLst>
+  </p:cSld>
+  <p:clrMapOvr>
+    <a:masterClrMapping/>
+  </p:clrMapOvr>
+</p:sld>
+</file>
+
+<file path=ppt/slides/slide20.xml><?xml version="1.0" encoding="utf-8"?>
+<p:sld xmlns:a="http://schemas.openxmlformats.org/drawingml/2006/main" xmlns:r="http://schemas.openxmlformats.org/officeDocument/2006/relationships" xmlns:p="http://schemas.openxmlformats.org/presentationml/2006/main">
+  <p:cSld>
+    <p:spTree>
+      <p:nvGrpSpPr>
+        <p:cNvPr id="1" name=""/>
+        <p:cNvGrpSpPr/>
+        <p:nvPr/>
+      </p:nvGrpSpPr>
+      <p:grpSpPr>
+        <a:xfrm>
+          <a:off x="0" y="0"/>
+          <a:ext cx="0" cy="0"/>
+          <a:chOff x="0" y="0"/>
+          <a:chExt cx="0" cy="0"/>
+        </a:xfrm>
+      </p:grpSpPr>
+      <p:sp>
+        <p:nvSpPr>
+          <p:cNvPr id="2" name="Title 1">
+            <a:extLst>
+              <a:ext uri="{FF2B5EF4-FFF2-40B4-BE49-F238E27FC236}">
                 <a16:creationId xmlns:a16="http://schemas.microsoft.com/office/drawing/2014/main" id="{FF54A5A5-D48E-C7D0-2A0B-1B954AF89767}"/>
               </a:ext>
             </a:extLst>
@@ -4356,7 +6845,7 @@
 </p:sld>
 </file>
 
-<file path=ppt/slides/slide17.xml><?xml version="1.0" encoding="utf-8"?>
+<file path=ppt/slides/slide21.xml><?xml version="1.0" encoding="utf-8"?>
 <p:sld xmlns:a="http://schemas.openxmlformats.org/drawingml/2006/main" xmlns:r="http://schemas.openxmlformats.org/officeDocument/2006/relationships" xmlns:p="http://schemas.openxmlformats.org/presentationml/2006/main">
   <p:cSld>
     <p:spTree>
@@ -4831,7 +7320,7 @@
 </p:sld>
 </file>
 
-<file path=ppt/slides/slide18.xml><?xml version="1.0" encoding="utf-8"?>
+<file path=ppt/slides/slide22.xml><?xml version="1.0" encoding="utf-8"?>
 <p:sld xmlns:a="http://schemas.openxmlformats.org/drawingml/2006/main" xmlns:r="http://schemas.openxmlformats.org/officeDocument/2006/relationships" xmlns:p="http://schemas.openxmlformats.org/presentationml/2006/main">
   <p:cSld>
     <p:spTree>
@@ -4897,7 +7386,7 @@
         </p:blipFill>
         <p:spPr>
           <a:xfrm>
-            <a:off x="3002012" y="2618144"/>
+            <a:off x="3002012" y="2626770"/>
             <a:ext cx="6187976" cy="2766300"/>
           </a:xfrm>
         </p:spPr>
@@ -4915,7 +7404,7 @@
 </p:sld>
 </file>
 
-<file path=ppt/slides/slide19.xml><?xml version="1.0" encoding="utf-8"?>
+<file path=ppt/slides/slide23.xml><?xml version="1.0" encoding="utf-8"?>
 <p:sld xmlns:a="http://schemas.openxmlformats.org/drawingml/2006/main" xmlns:r="http://schemas.openxmlformats.org/officeDocument/2006/relationships" xmlns:p="http://schemas.openxmlformats.org/presentationml/2006/main">
   <p:cSld>
     <p:spTree>
@@ -5032,7 +7521,7 @@
 </p:sld>
 </file>
 
-<file path=ppt/slides/slide2.xml><?xml version="1.0" encoding="utf-8"?>
+<file path=ppt/slides/slide24.xml><?xml version="1.0" encoding="utf-8"?>
 <p:sld xmlns:a="http://schemas.openxmlformats.org/drawingml/2006/main" xmlns:r="http://schemas.openxmlformats.org/officeDocument/2006/relationships" xmlns:p="http://schemas.openxmlformats.org/presentationml/2006/main">
   <p:cSld>
     <p:spTree>
@@ -5054,7 +7543,7 @@
           <p:cNvPr id="2" name="Title 1">
             <a:extLst>
               <a:ext uri="{FF2B5EF4-FFF2-40B4-BE49-F238E27FC236}">
-                <a16:creationId xmlns:a16="http://schemas.microsoft.com/office/drawing/2014/main" id="{47B7ABC0-1AF7-6BE0-29B9-33D234FEB32C}"/>
+                <a16:creationId xmlns:a16="http://schemas.microsoft.com/office/drawing/2014/main" id="{AE17063A-F9F3-C10E-FB95-4B5BB095CC31}"/>
               </a:ext>
             </a:extLst>
           </p:cNvPr>
@@ -5070,66 +7559,46 @@
           <a:bodyPr/>
           <a:lstStyle/>
           <a:p>
-            <a:pPr algn="ctr"/>
-            <a:r>
-              <a:rPr lang="en-IN" dirty="0"/>
-              <a:t>What is Git?</a:t>
-            </a:r>
-          </a:p>
-        </p:txBody>
-      </p:sp>
-      <p:sp>
-        <p:nvSpPr>
-          <p:cNvPr id="3" name="Content Placeholder 2">
-            <a:extLst>
-              <a:ext uri="{FF2B5EF4-FFF2-40B4-BE49-F238E27FC236}">
-                <a16:creationId xmlns:a16="http://schemas.microsoft.com/office/drawing/2014/main" id="{BE1D56FB-B600-BBE7-0B90-E550F843B614}"/>
-              </a:ext>
-            </a:extLst>
-          </p:cNvPr>
-          <p:cNvSpPr>
-            <a:spLocks noGrp="1"/>
-          </p:cNvSpPr>
+            <a:endParaRPr lang="en-IN"/>
+          </a:p>
+        </p:txBody>
+      </p:sp>
+      <p:pic>
+        <p:nvPicPr>
+          <p:cNvPr id="5" name="Content Placeholder 4">
+            <a:extLst>
+              <a:ext uri="{FF2B5EF4-FFF2-40B4-BE49-F238E27FC236}">
+                <a16:creationId xmlns:a16="http://schemas.microsoft.com/office/drawing/2014/main" id="{DF2BD75B-340E-E40B-860C-162C3C9086AC}"/>
+              </a:ext>
+            </a:extLst>
+          </p:cNvPr>
+          <p:cNvPicPr>
+            <a:picLocks noGrp="1" noChangeAspect="1"/>
+          </p:cNvPicPr>
           <p:nvPr>
             <p:ph idx="1"/>
           </p:nvPr>
-        </p:nvSpPr>
+        </p:nvPicPr>
+        <p:blipFill>
+          <a:blip r:embed="rId2"/>
+          <a:stretch>
+            <a:fillRect/>
+          </a:stretch>
+        </p:blipFill>
         <p:spPr>
           <a:xfrm>
-            <a:off x="838200" y="1198485"/>
-            <a:ext cx="10515600" cy="4978478"/>
+            <a:off x="838200" y="2381704"/>
+            <a:ext cx="10515600" cy="3239180"/>
           </a:xfrm>
+          <a:prstGeom prst="rect">
+            <a:avLst/>
+          </a:prstGeom>
         </p:spPr>
-        <p:txBody>
-          <a:bodyPr>
-            <a:normAutofit/>
-          </a:bodyPr>
-          <a:lstStyle/>
-          <a:p>
-            <a:r>
-              <a:rPr lang="en-US" dirty="0"/>
-              <a:t>Git is a Version Control System (VCS) designed to make it easier to have multiple versions of a code base, sometimes across multiple developers or teams. </a:t>
-            </a:r>
-          </a:p>
-          <a:p>
-            <a:r>
-              <a:rPr lang="en-US" dirty="0"/>
-              <a:t>It allows you to see changes you make to your code and easily revert them.</a:t>
-            </a:r>
-          </a:p>
-          <a:p>
-            <a:r>
-              <a:rPr lang="en-US" dirty="0"/>
-              <a:t>VC, also known as source control, is a software that tracks and manages changes to files over time. Allows revisit earlier versions of the files, compare changes between versions, undo changes, etc. </a:t>
-            </a:r>
-            <a:endParaRPr lang="en-IN" dirty="0"/>
-          </a:p>
-        </p:txBody>
-      </p:sp>
+      </p:pic>
     </p:spTree>
     <p:extLst>
       <p:ext uri="{BB962C8B-B14F-4D97-AF65-F5344CB8AC3E}">
-        <p14:creationId xmlns:p14="http://schemas.microsoft.com/office/powerpoint/2010/main" val="47119199"/>
+        <p14:creationId xmlns:p14="http://schemas.microsoft.com/office/powerpoint/2010/main" val="2710968452"/>
       </p:ext>
     </p:extLst>
   </p:cSld>
@@ -5139,7 +7608,7 @@
 </p:sld>
 </file>
 
-<file path=ppt/slides/slide20.xml><?xml version="1.0" encoding="utf-8"?>
+<file path=ppt/slides/slide25.xml><?xml version="1.0" encoding="utf-8"?>
 <p:sld xmlns:a="http://schemas.openxmlformats.org/drawingml/2006/main" xmlns:r="http://schemas.openxmlformats.org/officeDocument/2006/relationships" xmlns:p="http://schemas.openxmlformats.org/presentationml/2006/main">
   <p:cSld>
     <p:spTree>
@@ -5229,7 +7698,105 @@
 </p:sld>
 </file>
 
-<file path=ppt/slides/slide21.xml><?xml version="1.0" encoding="utf-8"?>
+<file path=ppt/slides/slide26.xml><?xml version="1.0" encoding="utf-8"?>
+<p:sld xmlns:a="http://schemas.openxmlformats.org/drawingml/2006/main" xmlns:r="http://schemas.openxmlformats.org/officeDocument/2006/relationships" xmlns:p="http://schemas.openxmlformats.org/presentationml/2006/main">
+  <p:cSld>
+    <p:spTree>
+      <p:nvGrpSpPr>
+        <p:cNvPr id="1" name=""/>
+        <p:cNvGrpSpPr/>
+        <p:nvPr/>
+      </p:nvGrpSpPr>
+      <p:grpSpPr>
+        <a:xfrm>
+          <a:off x="0" y="0"/>
+          <a:ext cx="0" cy="0"/>
+          <a:chOff x="0" y="0"/>
+          <a:chExt cx="0" cy="0"/>
+        </a:xfrm>
+      </p:grpSpPr>
+      <p:sp>
+        <p:nvSpPr>
+          <p:cNvPr id="2" name="Title 1">
+            <a:extLst>
+              <a:ext uri="{FF2B5EF4-FFF2-40B4-BE49-F238E27FC236}">
+                <a16:creationId xmlns:a16="http://schemas.microsoft.com/office/drawing/2014/main" id="{15A7F669-D95E-0552-CE80-A7EBC91EC1A6}"/>
+              </a:ext>
+            </a:extLst>
+          </p:cNvPr>
+          <p:cNvSpPr>
+            <a:spLocks noGrp="1"/>
+          </p:cNvSpPr>
+          <p:nvPr>
+            <p:ph type="title"/>
+          </p:nvPr>
+        </p:nvSpPr>
+        <p:spPr/>
+        <p:txBody>
+          <a:bodyPr/>
+          <a:lstStyle/>
+          <a:p>
+            <a:r>
+              <a:rPr lang="en-IN" dirty="0"/>
+              <a:t>Getting Data from .git folder</a:t>
+            </a:r>
+          </a:p>
+        </p:txBody>
+      </p:sp>
+      <p:sp>
+        <p:nvSpPr>
+          <p:cNvPr id="3" name="Content Placeholder 2">
+            <a:extLst>
+              <a:ext uri="{FF2B5EF4-FFF2-40B4-BE49-F238E27FC236}">
+                <a16:creationId xmlns:a16="http://schemas.microsoft.com/office/drawing/2014/main" id="{98CF57A7-D927-617D-5E43-4B22DC1848AA}"/>
+              </a:ext>
+            </a:extLst>
+          </p:cNvPr>
+          <p:cNvSpPr>
+            <a:spLocks noGrp="1"/>
+          </p:cNvSpPr>
+          <p:nvPr>
+            <p:ph idx="1"/>
+          </p:nvPr>
+        </p:nvSpPr>
+        <p:spPr/>
+        <p:txBody>
+          <a:bodyPr/>
+          <a:lstStyle/>
+          <a:p>
+            <a:endParaRPr lang="en-IN" dirty="0"/>
+          </a:p>
+          <a:p>
+            <a:r>
+              <a:rPr lang="en-IN" dirty="0"/>
+              <a:t>$ git ls-files -s 100644 edae7743ce801366a9338a3e1ad0f2cdc633c34c 0 Git.pptx 100644 bdd166a5c1e0b6cbd34fcc5a22171ce26754412b 0 git installation.txt</a:t>
+            </a:r>
+          </a:p>
+          <a:p>
+            <a:endParaRPr lang="en-IN" dirty="0"/>
+          </a:p>
+          <a:p>
+            <a:r>
+              <a:rPr lang="en-IN" dirty="0"/>
+              <a:t>$git cat-file -p bdd166a5c1e0b6cbd34fcc5a22171ce26754412b</a:t>
+            </a:r>
+          </a:p>
+        </p:txBody>
+      </p:sp>
+    </p:spTree>
+    <p:extLst>
+      <p:ext uri="{BB962C8B-B14F-4D97-AF65-F5344CB8AC3E}">
+        <p14:creationId xmlns:p14="http://schemas.microsoft.com/office/powerpoint/2010/main" val="2303966424"/>
+      </p:ext>
+    </p:extLst>
+  </p:cSld>
+  <p:clrMapOvr>
+    <a:masterClrMapping/>
+  </p:clrMapOvr>
+</p:sld>
+</file>
+
+<file path=ppt/slides/slide27.xml><?xml version="1.0" encoding="utf-8"?>
 <p:sld xmlns:a="http://schemas.openxmlformats.org/drawingml/2006/main" xmlns:r="http://schemas.openxmlformats.org/officeDocument/2006/relationships" xmlns:p="http://schemas.openxmlformats.org/presentationml/2006/main">
   <p:cSld>
     <p:spTree>
@@ -5486,6 +8053,93 @@
           <p:cNvPr id="2" name="Title 1">
             <a:extLst>
               <a:ext uri="{FF2B5EF4-FFF2-40B4-BE49-F238E27FC236}">
+                <a16:creationId xmlns:a16="http://schemas.microsoft.com/office/drawing/2014/main" id="{7C2CA54C-B137-B1C6-4E93-39944E939787}"/>
+              </a:ext>
+            </a:extLst>
+          </p:cNvPr>
+          <p:cNvSpPr>
+            <a:spLocks noGrp="1"/>
+          </p:cNvSpPr>
+          <p:nvPr>
+            <p:ph type="title"/>
+          </p:nvPr>
+        </p:nvSpPr>
+        <p:spPr/>
+        <p:txBody>
+          <a:bodyPr/>
+          <a:lstStyle/>
+          <a:p>
+            <a:endParaRPr lang="en-IN"/>
+          </a:p>
+        </p:txBody>
+      </p:sp>
+      <p:pic>
+        <p:nvPicPr>
+          <p:cNvPr id="5" name="Content Placeholder 4">
+            <a:extLst>
+              <a:ext uri="{FF2B5EF4-FFF2-40B4-BE49-F238E27FC236}">
+                <a16:creationId xmlns:a16="http://schemas.microsoft.com/office/drawing/2014/main" id="{9C873567-21A5-0F94-EF81-D18D0C5AE5DD}"/>
+              </a:ext>
+            </a:extLst>
+          </p:cNvPr>
+          <p:cNvPicPr>
+            <a:picLocks noGrp="1" noChangeAspect="1"/>
+          </p:cNvPicPr>
+          <p:nvPr>
+            <p:ph idx="1"/>
+          </p:nvPr>
+        </p:nvPicPr>
+        <p:blipFill>
+          <a:blip r:embed="rId2"/>
+          <a:stretch>
+            <a:fillRect/>
+          </a:stretch>
+        </p:blipFill>
+        <p:spPr>
+          <a:xfrm>
+            <a:off x="1878337" y="1825625"/>
+            <a:ext cx="8435326" cy="4351338"/>
+          </a:xfrm>
+          <a:prstGeom prst="rect">
+            <a:avLst/>
+          </a:prstGeom>
+        </p:spPr>
+      </p:pic>
+    </p:spTree>
+    <p:extLst>
+      <p:ext uri="{BB962C8B-B14F-4D97-AF65-F5344CB8AC3E}">
+        <p14:creationId xmlns:p14="http://schemas.microsoft.com/office/powerpoint/2010/main" val="1419626426"/>
+      </p:ext>
+    </p:extLst>
+  </p:cSld>
+  <p:clrMapOvr>
+    <a:masterClrMapping/>
+  </p:clrMapOvr>
+</p:sld>
+</file>
+
+<file path=ppt/slides/slide5.xml><?xml version="1.0" encoding="utf-8"?>
+<p:sld xmlns:a="http://schemas.openxmlformats.org/drawingml/2006/main" xmlns:r="http://schemas.openxmlformats.org/officeDocument/2006/relationships" xmlns:p="http://schemas.openxmlformats.org/presentationml/2006/main">
+  <p:cSld>
+    <p:spTree>
+      <p:nvGrpSpPr>
+        <p:cNvPr id="1" name=""/>
+        <p:cNvGrpSpPr/>
+        <p:nvPr/>
+      </p:nvGrpSpPr>
+      <p:grpSpPr>
+        <a:xfrm>
+          <a:off x="0" y="0"/>
+          <a:ext cx="0" cy="0"/>
+          <a:chOff x="0" y="0"/>
+          <a:chExt cx="0" cy="0"/>
+        </a:xfrm>
+      </p:grpSpPr>
+      <p:sp>
+        <p:nvSpPr>
+          <p:cNvPr id="2" name="Title 1">
+            <a:extLst>
+              <a:ext uri="{FF2B5EF4-FFF2-40B4-BE49-F238E27FC236}">
                 <a16:creationId xmlns:a16="http://schemas.microsoft.com/office/drawing/2014/main" id="{196E5E3D-51E7-456D-2933-FC1E6BF43B55}"/>
               </a:ext>
             </a:extLst>
@@ -5588,7 +8242,7 @@
 </p:sld>
 </file>
 
-<file path=ppt/slides/slide5.xml><?xml version="1.0" encoding="utf-8"?>
+<file path=ppt/slides/slide6.xml><?xml version="1.0" encoding="utf-8"?>
 <p:sld xmlns:a="http://schemas.openxmlformats.org/drawingml/2006/main" xmlns:r="http://schemas.openxmlformats.org/officeDocument/2006/relationships" xmlns:p="http://schemas.openxmlformats.org/presentationml/2006/main">
   <p:cSld>
     <p:spTree>
@@ -5721,7 +8375,7 @@
 </p:sld>
 </file>
 
-<file path=ppt/slides/slide6.xml><?xml version="1.0" encoding="utf-8"?>
+<file path=ppt/slides/slide7.xml><?xml version="1.0" encoding="utf-8"?>
 <p:sld xmlns:a="http://schemas.openxmlformats.org/drawingml/2006/main" xmlns:r="http://schemas.openxmlformats.org/officeDocument/2006/relationships" xmlns:p="http://schemas.openxmlformats.org/presentationml/2006/main">
   <p:cSld>
     <p:spTree>
@@ -5820,7 +8474,7 @@
 </p:sld>
 </file>
 
-<file path=ppt/slides/slide7.xml><?xml version="1.0" encoding="utf-8"?>
+<file path=ppt/slides/slide8.xml><?xml version="1.0" encoding="utf-8"?>
 <p:sld xmlns:a="http://schemas.openxmlformats.org/drawingml/2006/main" xmlns:r="http://schemas.openxmlformats.org/officeDocument/2006/relationships" xmlns:p="http://schemas.openxmlformats.org/presentationml/2006/main">
   <p:cSld>
     <p:spTree>
@@ -5949,105 +8603,6 @@
 </p:sld>
 </file>
 
-<file path=ppt/slides/slide8.xml><?xml version="1.0" encoding="utf-8"?>
-<p:sld xmlns:a="http://schemas.openxmlformats.org/drawingml/2006/main" xmlns:r="http://schemas.openxmlformats.org/officeDocument/2006/relationships" xmlns:p="http://schemas.openxmlformats.org/presentationml/2006/main">
-  <p:cSld>
-    <p:spTree>
-      <p:nvGrpSpPr>
-        <p:cNvPr id="1" name=""/>
-        <p:cNvGrpSpPr/>
-        <p:nvPr/>
-      </p:nvGrpSpPr>
-      <p:grpSpPr>
-        <a:xfrm>
-          <a:off x="0" y="0"/>
-          <a:ext cx="0" cy="0"/>
-          <a:chOff x="0" y="0"/>
-          <a:chExt cx="0" cy="0"/>
-        </a:xfrm>
-      </p:grpSpPr>
-      <p:sp>
-        <p:nvSpPr>
-          <p:cNvPr id="2" name="Title 1">
-            <a:extLst>
-              <a:ext uri="{FF2B5EF4-FFF2-40B4-BE49-F238E27FC236}">
-                <a16:creationId xmlns:a16="http://schemas.microsoft.com/office/drawing/2014/main" id="{0AD315CB-DC2F-EE84-39CD-5861C7257903}"/>
-              </a:ext>
-            </a:extLst>
-          </p:cNvPr>
-          <p:cNvSpPr>
-            <a:spLocks noGrp="1"/>
-          </p:cNvSpPr>
-          <p:nvPr>
-            <p:ph type="title"/>
-          </p:nvPr>
-        </p:nvSpPr>
-        <p:spPr/>
-        <p:txBody>
-          <a:bodyPr/>
-          <a:lstStyle/>
-          <a:p>
-            <a:r>
-              <a:rPr lang="en-IN" dirty="0"/>
-              <a:t>Disadvantages</a:t>
-            </a:r>
-          </a:p>
-        </p:txBody>
-      </p:sp>
-      <p:sp>
-        <p:nvSpPr>
-          <p:cNvPr id="3" name="Content Placeholder 2">
-            <a:extLst>
-              <a:ext uri="{FF2B5EF4-FFF2-40B4-BE49-F238E27FC236}">
-                <a16:creationId xmlns:a16="http://schemas.microsoft.com/office/drawing/2014/main" id="{738C678A-1995-9609-1BAB-93D20F081D30}"/>
-              </a:ext>
-            </a:extLst>
-          </p:cNvPr>
-          <p:cNvSpPr>
-            <a:spLocks noGrp="1"/>
-          </p:cNvSpPr>
-          <p:nvPr>
-            <p:ph idx="1"/>
-          </p:nvPr>
-        </p:nvSpPr>
-        <p:spPr/>
-        <p:txBody>
-          <a:bodyPr/>
-          <a:lstStyle/>
-          <a:p>
-            <a:r>
-              <a:rPr lang="en-US" dirty="0"/>
-              <a:t>If the main server goes down, developers can’t save versioned changes </a:t>
-            </a:r>
-          </a:p>
-          <a:p>
-            <a:r>
-              <a:rPr lang="en-US" dirty="0"/>
-              <a:t>If the central database is corrupted, the entire history could be lost (security issues) </a:t>
-            </a:r>
-          </a:p>
-          <a:p>
-            <a:r>
-              <a:rPr lang="en-US" dirty="0"/>
-              <a:t>Slow speed delays development</a:t>
-            </a:r>
-            <a:endParaRPr lang="en-IN" dirty="0"/>
-          </a:p>
-        </p:txBody>
-      </p:sp>
-    </p:spTree>
-    <p:extLst>
-      <p:ext uri="{BB962C8B-B14F-4D97-AF65-F5344CB8AC3E}">
-        <p14:creationId xmlns:p14="http://schemas.microsoft.com/office/powerpoint/2010/main" val="3815835226"/>
-      </p:ext>
-    </p:extLst>
-  </p:cSld>
-  <p:clrMapOvr>
-    <a:masterClrMapping/>
-  </p:clrMapOvr>
-</p:sld>
-</file>
-
 <file path=ppt/slides/slide9.xml><?xml version="1.0" encoding="utf-8"?>
 <p:sld xmlns:a="http://schemas.openxmlformats.org/drawingml/2006/main" xmlns:r="http://schemas.openxmlformats.org/officeDocument/2006/relationships" xmlns:p="http://schemas.openxmlformats.org/presentationml/2006/main">
   <p:cSld>
@@ -6070,7 +8625,7 @@
           <p:cNvPr id="2" name="Title 1">
             <a:extLst>
               <a:ext uri="{FF2B5EF4-FFF2-40B4-BE49-F238E27FC236}">
-                <a16:creationId xmlns:a16="http://schemas.microsoft.com/office/drawing/2014/main" id="{448A7470-079D-88F8-F7C4-D50A2A379691}"/>
+                <a16:creationId xmlns:a16="http://schemas.microsoft.com/office/drawing/2014/main" id="{0AD315CB-DC2F-EE84-39CD-5861C7257903}"/>
               </a:ext>
             </a:extLst>
           </p:cNvPr>
@@ -6081,19 +8636,14 @@
             <p:ph type="title"/>
           </p:nvPr>
         </p:nvSpPr>
-        <p:spPr>
-          <a:xfrm>
-            <a:off x="838200" y="365125"/>
-            <a:ext cx="10515600" cy="717951"/>
-          </a:xfrm>
-        </p:spPr>
+        <p:spPr/>
         <p:txBody>
           <a:bodyPr/>
           <a:lstStyle/>
           <a:p>
             <a:r>
               <a:rPr lang="en-IN" dirty="0"/>
-              <a:t>DISTRIBUTED VERSION CONTROL SYSTEM</a:t>
+              <a:t>Disadvantages</a:t>
             </a:r>
           </a:p>
         </p:txBody>
@@ -6103,7 +8653,7 @@
           <p:cNvPr id="3" name="Content Placeholder 2">
             <a:extLst>
               <a:ext uri="{FF2B5EF4-FFF2-40B4-BE49-F238E27FC236}">
-                <a16:creationId xmlns:a16="http://schemas.microsoft.com/office/drawing/2014/main" id="{EF14AC54-B293-6EC1-841A-330AF7452687}"/>
+                <a16:creationId xmlns:a16="http://schemas.microsoft.com/office/drawing/2014/main" id="{738C678A-1995-9609-1BAB-93D20F081D30}"/>
               </a:ext>
             </a:extLst>
           </p:cNvPr>
@@ -6114,58 +8664,35 @@
             <p:ph idx="1"/>
           </p:nvPr>
         </p:nvSpPr>
-        <p:spPr>
-          <a:xfrm>
-            <a:off x="452761" y="1020932"/>
-            <a:ext cx="10901039" cy="5156031"/>
-          </a:xfrm>
-        </p:spPr>
+        <p:spPr/>
         <p:txBody>
           <a:bodyPr/>
           <a:lstStyle/>
           <a:p>
             <a:r>
               <a:rPr lang="en-US" dirty="0"/>
-              <a:t>With distributed version control systems, clients don’t just check out the latest snapshot of the files from the server, they fully mirror the repository, including its full history. Thus, everyone collaborating on a project owns a local copy of the whole project, i.e. owns their own local database with their own complete history. Git is the most well-known example of distributed version control systems.</a:t>
+              <a:t>If the main server goes down, developers can’t save versioned changes </a:t>
+            </a:r>
+          </a:p>
+          <a:p>
+            <a:r>
+              <a:rPr lang="en-US" dirty="0"/>
+              <a:t>If the central database is corrupted, the entire history could be lost (security issues) </a:t>
+            </a:r>
+          </a:p>
+          <a:p>
+            <a:r>
+              <a:rPr lang="en-US" dirty="0"/>
+              <a:t>Slow speed delays development</a:t>
             </a:r>
             <a:endParaRPr lang="en-IN" dirty="0"/>
           </a:p>
         </p:txBody>
       </p:sp>
-      <p:pic>
-        <p:nvPicPr>
-          <p:cNvPr id="5" name="Picture 4">
-            <a:extLst>
-              <a:ext uri="{FF2B5EF4-FFF2-40B4-BE49-F238E27FC236}">
-                <a16:creationId xmlns:a16="http://schemas.microsoft.com/office/drawing/2014/main" id="{189D059F-61D6-F0D5-4BF4-EF67D6F5A39E}"/>
-              </a:ext>
-            </a:extLst>
-          </p:cNvPr>
-          <p:cNvPicPr>
-            <a:picLocks noChangeAspect="1"/>
-          </p:cNvPicPr>
-          <p:nvPr/>
-        </p:nvPicPr>
-        <p:blipFill>
-          <a:blip r:embed="rId2"/>
-          <a:stretch>
-            <a:fillRect/>
-          </a:stretch>
-        </p:blipFill>
-        <p:spPr>
-          <a:xfrm>
-            <a:off x="3404060" y="3350396"/>
-            <a:ext cx="4442845" cy="3406435"/>
-          </a:xfrm>
-          <a:prstGeom prst="rect">
-            <a:avLst/>
-          </a:prstGeom>
-        </p:spPr>
-      </p:pic>
     </p:spTree>
     <p:extLst>
       <p:ext uri="{BB962C8B-B14F-4D97-AF65-F5344CB8AC3E}">
-        <p14:creationId xmlns:p14="http://schemas.microsoft.com/office/powerpoint/2010/main" val="3712893685"/>
+        <p14:creationId xmlns:p14="http://schemas.microsoft.com/office/powerpoint/2010/main" val="3815835226"/>
       </p:ext>
     </p:extLst>
   </p:cSld>
@@ -6186,39 +8713,39 @@
         <a:sysClr val="window" lastClr="FFFFFF"/>
       </a:lt1>
       <a:dk2>
-        <a:srgbClr val="44546A"/>
+        <a:srgbClr val="0E2841"/>
       </a:dk2>
       <a:lt2>
-        <a:srgbClr val="E7E6E6"/>
+        <a:srgbClr val="E8E8E8"/>
       </a:lt2>
       <a:accent1>
-        <a:srgbClr val="4472C4"/>
+        <a:srgbClr val="156082"/>
       </a:accent1>
       <a:accent2>
-        <a:srgbClr val="ED7D31"/>
+        <a:srgbClr val="E97132"/>
       </a:accent2>
       <a:accent3>
-        <a:srgbClr val="A5A5A5"/>
+        <a:srgbClr val="196B24"/>
       </a:accent3>
       <a:accent4>
-        <a:srgbClr val="FFC000"/>
+        <a:srgbClr val="0F9ED5"/>
       </a:accent4>
       <a:accent5>
-        <a:srgbClr val="5B9BD5"/>
+        <a:srgbClr val="A02B93"/>
       </a:accent5>
       <a:accent6>
-        <a:srgbClr val="70AD47"/>
+        <a:srgbClr val="4EA72E"/>
       </a:accent6>
       <a:hlink>
-        <a:srgbClr val="0563C1"/>
+        <a:srgbClr val="467886"/>
       </a:hlink>
       <a:folHlink>
-        <a:srgbClr val="954F72"/>
+        <a:srgbClr val="96607D"/>
       </a:folHlink>
     </a:clrScheme>
     <a:fontScheme name="Office">
       <a:majorFont>
-        <a:latin typeface="Calibri Light" panose="020F0302020204030204"/>
+        <a:latin typeface="Aptos Display" panose="02110004020202020204"/>
         <a:ea typeface=""/>
         <a:cs typeface=""/>
         <a:font script="Jpan" typeface="游ゴシック Light"/>
@@ -6270,7 +8797,7 @@
         <a:font script="Tfng" typeface="Ebrima"/>
       </a:majorFont>
       <a:minorFont>
-        <a:latin typeface="Calibri" panose="020F0502020204030204"/>
+        <a:latin typeface="Aptos" panose="02110004020202020204"/>
         <a:ea typeface=""/>
         <a:cs typeface=""/>
         <a:font script="Jpan" typeface="游ゴシック"/>
@@ -6381,13 +8908,6 @@
         </a:gradFill>
       </a:fillStyleLst>
       <a:lnStyleLst>
-        <a:ln w="6350" cap="flat" cmpd="sng" algn="ctr">
-          <a:solidFill>
-            <a:schemeClr val="phClr"/>
-          </a:solidFill>
-          <a:prstDash val="solid"/>
-          <a:miter lim="800000"/>
-        </a:ln>
         <a:ln w="12700" cap="flat" cmpd="sng" algn="ctr">
           <a:solidFill>
             <a:schemeClr val="phClr"/>
@@ -6396,6 +8916,13 @@
           <a:miter lim="800000"/>
         </a:ln>
         <a:ln w="19050" cap="flat" cmpd="sng" algn="ctr">
+          <a:solidFill>
+            <a:schemeClr val="phClr"/>
+          </a:solidFill>
+          <a:prstDash val="solid"/>
+          <a:miter lim="800000"/>
+        </a:ln>
+        <a:ln w="25400" cap="flat" cmpd="sng" algn="ctr">
           <a:solidFill>
             <a:schemeClr val="phClr"/>
           </a:solidFill>
@@ -6460,11 +8987,31 @@
       </a:bgFillStyleLst>
     </a:fmtScheme>
   </a:themeElements>
-  <a:objectDefaults/>
+  <a:objectDefaults>
+    <a:lnDef>
+      <a:spPr/>
+      <a:bodyPr/>
+      <a:lstStyle/>
+      <a:style>
+        <a:lnRef idx="2">
+          <a:schemeClr val="accent1"/>
+        </a:lnRef>
+        <a:fillRef idx="0">
+          <a:schemeClr val="accent1"/>
+        </a:fillRef>
+        <a:effectRef idx="1">
+          <a:schemeClr val="accent1"/>
+        </a:effectRef>
+        <a:fontRef idx="minor">
+          <a:schemeClr val="tx1"/>
+        </a:fontRef>
+      </a:style>
+    </a:lnDef>
+  </a:objectDefaults>
   <a:extraClrSchemeLst/>
   <a:extLst>
     <a:ext uri="{05A4C25C-085E-4340-85A3-A5531E510DB2}">
-      <thm15:themeFamily xmlns:thm15="http://schemas.microsoft.com/office/thememl/2012/main" name="Office Theme" id="{62F939B6-93AF-4DB8-9C6B-D6C7DFDC589F}" vid="{4A3C46E8-61CC-4603-A589-7422A47A8E4A}"/>
+      <thm15:themeFamily xmlns:thm15="http://schemas.microsoft.com/office/thememl/2012/main" name="Office Theme" id="{2E142A2C-CD16-42D6-873A-C26D2A0506FA}" vid="{1BDDFF52-6CD6-40A5-AB3C-68EB2F1E4D0A}"/>
     </a:ext>
   </a:extLst>
 </a:theme>

--- a/Git.pptx
+++ b/Git.pptx
@@ -31,7 +31,8 @@
     <p:sldId id="281" r:id="rId25"/>
     <p:sldId id="276" r:id="rId26"/>
     <p:sldId id="283" r:id="rId27"/>
-    <p:sldId id="278" r:id="rId28"/>
+    <p:sldId id="285" r:id="rId28"/>
+    <p:sldId id="278" r:id="rId29"/>
   </p:sldIdLst>
   <p:sldSz cx="12192000" cy="6858000"/>
   <p:notesSz cx="6858000" cy="9144000"/>
@@ -287,7 +288,7 @@
           <a:p>
             <a:fld id="{DE87B14F-BE39-41BB-8A77-0729CFB71114}" type="datetimeFigureOut">
               <a:rPr lang="en-IN" smtClean="0"/>
-              <a:t>01-01-2026</a:t>
+              <a:t>09-01-2026</a:t>
             </a:fld>
             <a:endParaRPr lang="en-IN"/>
           </a:p>
@@ -487,7 +488,7 @@
           <a:p>
             <a:fld id="{DE87B14F-BE39-41BB-8A77-0729CFB71114}" type="datetimeFigureOut">
               <a:rPr lang="en-IN" smtClean="0"/>
-              <a:t>01-01-2026</a:t>
+              <a:t>09-01-2026</a:t>
             </a:fld>
             <a:endParaRPr lang="en-IN"/>
           </a:p>
@@ -697,7 +698,7 @@
           <a:p>
             <a:fld id="{DE87B14F-BE39-41BB-8A77-0729CFB71114}" type="datetimeFigureOut">
               <a:rPr lang="en-IN" smtClean="0"/>
-              <a:t>01-01-2026</a:t>
+              <a:t>09-01-2026</a:t>
             </a:fld>
             <a:endParaRPr lang="en-IN"/>
           </a:p>
@@ -897,7 +898,7 @@
           <a:p>
             <a:fld id="{DE87B14F-BE39-41BB-8A77-0729CFB71114}" type="datetimeFigureOut">
               <a:rPr lang="en-IN" smtClean="0"/>
-              <a:t>01-01-2026</a:t>
+              <a:t>09-01-2026</a:t>
             </a:fld>
             <a:endParaRPr lang="en-IN"/>
           </a:p>
@@ -1173,7 +1174,7 @@
           <a:p>
             <a:fld id="{DE87B14F-BE39-41BB-8A77-0729CFB71114}" type="datetimeFigureOut">
               <a:rPr lang="en-IN" smtClean="0"/>
-              <a:t>01-01-2026</a:t>
+              <a:t>09-01-2026</a:t>
             </a:fld>
             <a:endParaRPr lang="en-IN"/>
           </a:p>
@@ -1441,7 +1442,7 @@
           <a:p>
             <a:fld id="{DE87B14F-BE39-41BB-8A77-0729CFB71114}" type="datetimeFigureOut">
               <a:rPr lang="en-IN" smtClean="0"/>
-              <a:t>01-01-2026</a:t>
+              <a:t>09-01-2026</a:t>
             </a:fld>
             <a:endParaRPr lang="en-IN"/>
           </a:p>
@@ -1856,7 +1857,7 @@
           <a:p>
             <a:fld id="{DE87B14F-BE39-41BB-8A77-0729CFB71114}" type="datetimeFigureOut">
               <a:rPr lang="en-IN" smtClean="0"/>
-              <a:t>01-01-2026</a:t>
+              <a:t>09-01-2026</a:t>
             </a:fld>
             <a:endParaRPr lang="en-IN"/>
           </a:p>
@@ -1998,7 +1999,7 @@
           <a:p>
             <a:fld id="{DE87B14F-BE39-41BB-8A77-0729CFB71114}" type="datetimeFigureOut">
               <a:rPr lang="en-IN" smtClean="0"/>
-              <a:t>01-01-2026</a:t>
+              <a:t>09-01-2026</a:t>
             </a:fld>
             <a:endParaRPr lang="en-IN"/>
           </a:p>
@@ -2111,7 +2112,7 @@
           <a:p>
             <a:fld id="{DE87B14F-BE39-41BB-8A77-0729CFB71114}" type="datetimeFigureOut">
               <a:rPr lang="en-IN" smtClean="0"/>
-              <a:t>01-01-2026</a:t>
+              <a:t>09-01-2026</a:t>
             </a:fld>
             <a:endParaRPr lang="en-IN"/>
           </a:p>
@@ -2424,7 +2425,7 @@
           <a:p>
             <a:fld id="{DE87B14F-BE39-41BB-8A77-0729CFB71114}" type="datetimeFigureOut">
               <a:rPr lang="en-IN" smtClean="0"/>
-              <a:t>01-01-2026</a:t>
+              <a:t>09-01-2026</a:t>
             </a:fld>
             <a:endParaRPr lang="en-IN"/>
           </a:p>
@@ -2713,7 +2714,7 @@
           <a:p>
             <a:fld id="{DE87B14F-BE39-41BB-8A77-0729CFB71114}" type="datetimeFigureOut">
               <a:rPr lang="en-IN" smtClean="0"/>
-              <a:t>01-01-2026</a:t>
+              <a:t>09-01-2026</a:t>
             </a:fld>
             <a:endParaRPr lang="en-IN"/>
           </a:p>
@@ -2956,7 +2957,7 @@
           <a:p>
             <a:fld id="{DE87B14F-BE39-41BB-8A77-0729CFB71114}" type="datetimeFigureOut">
               <a:rPr lang="en-IN" smtClean="0"/>
-              <a:t>01-01-2026</a:t>
+              <a:t>09-01-2026</a:t>
             </a:fld>
             <a:endParaRPr lang="en-IN"/>
           </a:p>
@@ -7797,6 +7798,86 @@
 </file>
 
 <file path=ppt/slides/slide27.xml><?xml version="1.0" encoding="utf-8"?>
+<p:sld xmlns:a="http://schemas.openxmlformats.org/drawingml/2006/main" xmlns:r="http://schemas.openxmlformats.org/officeDocument/2006/relationships" xmlns:p="http://schemas.openxmlformats.org/presentationml/2006/main">
+  <p:cSld>
+    <p:spTree>
+      <p:nvGrpSpPr>
+        <p:cNvPr id="1" name=""/>
+        <p:cNvGrpSpPr/>
+        <p:nvPr/>
+      </p:nvGrpSpPr>
+      <p:grpSpPr>
+        <a:xfrm>
+          <a:off x="0" y="0"/>
+          <a:ext cx="0" cy="0"/>
+          <a:chOff x="0" y="0"/>
+          <a:chExt cx="0" cy="0"/>
+        </a:xfrm>
+      </p:grpSpPr>
+      <p:sp>
+        <p:nvSpPr>
+          <p:cNvPr id="2" name="Title 1">
+            <a:extLst>
+              <a:ext uri="{FF2B5EF4-FFF2-40B4-BE49-F238E27FC236}">
+                <a16:creationId xmlns:a16="http://schemas.microsoft.com/office/drawing/2014/main" id="{9F10D9E5-4479-2BF9-8953-399A32725F21}"/>
+              </a:ext>
+            </a:extLst>
+          </p:cNvPr>
+          <p:cNvSpPr>
+            <a:spLocks noGrp="1"/>
+          </p:cNvSpPr>
+          <p:nvPr>
+            <p:ph type="title"/>
+          </p:nvPr>
+        </p:nvSpPr>
+        <p:spPr/>
+        <p:txBody>
+          <a:bodyPr/>
+          <a:lstStyle/>
+          <a:p>
+            <a:endParaRPr lang="en-IN"/>
+          </a:p>
+        </p:txBody>
+      </p:sp>
+      <p:sp>
+        <p:nvSpPr>
+          <p:cNvPr id="3" name="Content Placeholder 2">
+            <a:extLst>
+              <a:ext uri="{FF2B5EF4-FFF2-40B4-BE49-F238E27FC236}">
+                <a16:creationId xmlns:a16="http://schemas.microsoft.com/office/drawing/2014/main" id="{3D62A76D-A687-E516-BDD6-450E1ED555B8}"/>
+              </a:ext>
+            </a:extLst>
+          </p:cNvPr>
+          <p:cNvSpPr>
+            <a:spLocks noGrp="1"/>
+          </p:cNvSpPr>
+          <p:nvPr>
+            <p:ph idx="1"/>
+          </p:nvPr>
+        </p:nvSpPr>
+        <p:spPr/>
+        <p:txBody>
+          <a:bodyPr/>
+          <a:lstStyle/>
+          <a:p>
+            <a:endParaRPr lang="en-IN"/>
+          </a:p>
+        </p:txBody>
+      </p:sp>
+    </p:spTree>
+    <p:extLst>
+      <p:ext uri="{BB962C8B-B14F-4D97-AF65-F5344CB8AC3E}">
+        <p14:creationId xmlns:p14="http://schemas.microsoft.com/office/powerpoint/2010/main" val="1754856028"/>
+      </p:ext>
+    </p:extLst>
+  </p:cSld>
+  <p:clrMapOvr>
+    <a:masterClrMapping/>
+  </p:clrMapOvr>
+</p:sld>
+</file>
+
+<file path=ppt/slides/slide28.xml><?xml version="1.0" encoding="utf-8"?>
 <p:sld xmlns:a="http://schemas.openxmlformats.org/drawingml/2006/main" xmlns:r="http://schemas.openxmlformats.org/officeDocument/2006/relationships" xmlns:p="http://schemas.openxmlformats.org/presentationml/2006/main">
   <p:cSld>
     <p:spTree>
